--- a/미션파일모음/A014_손은빈_0417.pptx
+++ b/미션파일모음/A014_손은빈_0417.pptx
@@ -2,7 +2,7 @@
 <file path=ppt/presentation.xml><?xml version="1.0" encoding="utf-8"?>
 <p:presentation xmlns:a="http://schemas.openxmlformats.org/drawingml/2006/main" xmlns:r="http://schemas.openxmlformats.org/officeDocument/2006/relationships" xmlns:p="http://schemas.openxmlformats.org/presentationml/2006/main" xmlns:p14="http://schemas.microsoft.com/office/powerpoint/2010/main" saveSubsetFonts="1">
   <p:sldMasterIdLst>
-    <p:sldMasterId id="2147483666" r:id="rId17"/>
+    <p:sldMasterId id="2147483674" r:id="rId17"/>
   </p:sldMasterIdLst>
   <p:notesMasterIdLst>
     <p:notesMasterId r:id="rId21"/>
@@ -13,10 +13,17 @@
   <p:sldIdLst>
     <p:sldId id="261" r:id="rId23"/>
     <p:sldId id="256" r:id="rId24"/>
-    <p:sldId id="257" r:id="rId25"/>
-    <p:sldId id="259" r:id="rId26"/>
-    <p:sldId id="260" r:id="rId27"/>
-    <p:sldId id="262" r:id="rId28"/>
+    <p:sldId id="265" r:id="rId25"/>
+    <p:sldId id="266" r:id="rId26"/>
+    <p:sldId id="262" r:id="rId27"/>
+    <p:sldId id="267" r:id="rId28"/>
+    <p:sldId id="268" r:id="rId29"/>
+    <p:sldId id="269" r:id="rId30"/>
+    <p:sldId id="263" r:id="rId31"/>
+    <p:sldId id="270" r:id="rId32"/>
+    <p:sldId id="271" r:id="rId33"/>
+    <p:sldId id="272" r:id="rId34"/>
+    <p:sldId id="264" r:id="rId35"/>
   </p:sldIdLst>
   <p:sldSz cx="12192000" cy="6858000"/>
   <p:notesSz cx="6858000" cy="9144000"/>
@@ -283,6 +290,370 @@
   <p:clrMap bg1="lt1" tx1="dk1" bg2="lt2" tx2="dk2" accent1="accent1" accent2="accent2" accent3="accent3" accent4="accent4" accent5="accent5" accent6="accent6" hlink="hlink" folHlink="folHlink"/>
   <p:hf hdr="0" ftr="0" dt="0"/>
 </p:handoutMaster>
+</file>
+
+<file path=ppt/ink/ink1.xml><?xml version="1.0" encoding="utf-8"?>
+<inkml:ink xmlns:inkml="http://www.w3.org/2003/InkML">
+  <inkml:definitions>
+    <inkml:context xml:id="ctx0">
+      <inkml:inkSource xml:id="inkSrc0">
+        <inkml:traceFormat>
+          <inkml:channel name="X" type="integer" max="3200" units="cm"/>
+          <inkml:channel name="Y" type="integer" max="1080" units="cm"/>
+        </inkml:traceFormat>
+        <inkml:channelProperties>
+          <inkml:channelProperty channel="X" name="resolution" value="66.666656" units="1/cm"/>
+          <inkml:channelProperty channel="Y" name="resolution" value="40.000000" units="1/cm"/>
+        </inkml:channelProperties>
+      </inkml:inkSource>
+    </inkml:context>
+    <inkml:brush xml:id="br0">
+      <inkml:brushProperty name="width" value="0.035278" units="cm"/>
+      <inkml:brushProperty name="height" value="0.035278" units="cm"/>
+      <inkml:brushProperty name="color" value="#000000"/>
+      <inkml:brushProperty name="fitToCurve" value="1"/>
+    </inkml:brush>
+  </inkml:definitions>
+  <inkml:trace contextRef="#ctx0" brushRef="#br0">0 2954,'0'-44,"44"-44,0 0,0-45,0-43,44 44,0-1,-88 45,88 44,-43-88,-45 88,88-45,-88 45,44 0,0-44,0 44,0 0,-44 0,44 0,0 0,-44-1,44 45,1-44,-45 0,44 44,0-44,0 0,0 44,-44-44,44-44,44 88,-44-44,0 0,1 44,-1-45,0 45,-44-44,44 44,0 0,-44-44,44 0,0 0,-44 0,44 44,-44-44,44 44,0 0,-44-44,44 44,-44-44,45 44,-1-44,0 44,0 0,0 0,-44-45,44 45,0 0,0-44,0 44,0-44,1 44,-1 0,-44-44,44 44,-44-44,44 44,0 0,0 0,-44-44,44 44,-88 0,0 0,0-44,0 44,0 0,0-44,-45 44,45 0,0 0,0 0,0-44,0 44,0-44,0 44,44-44,-44 44,-1 0,1 0,0 0,0 0,0 0,44 0</inkml:trace>
+</inkml:ink>
+</file>
+
+<file path=ppt/ink/ink10.xml><?xml version="1.0" encoding="utf-8"?>
+<inkml:ink xmlns:inkml="http://www.w3.org/2003/InkML">
+  <inkml:definitions>
+    <inkml:context xml:id="ctx0">
+      <inkml:inkSource xml:id="inkSrc0">
+        <inkml:traceFormat>
+          <inkml:channel name="X" type="integer" max="3200" units="cm"/>
+          <inkml:channel name="Y" type="integer" max="1080" units="cm"/>
+        </inkml:traceFormat>
+        <inkml:channelProperties>
+          <inkml:channelProperty channel="X" name="resolution" value="66.666656" units="1/cm"/>
+          <inkml:channelProperty channel="Y" name="resolution" value="40.000000" units="1/cm"/>
+        </inkml:channelProperties>
+      </inkml:inkSource>
+    </inkml:context>
+    <inkml:brush xml:id="br0">
+      <inkml:brushProperty name="width" value="0.035278" units="cm"/>
+      <inkml:brushProperty name="height" value="0.035278" units="cm"/>
+      <inkml:brushProperty name="color" value="#000000"/>
+      <inkml:brushProperty name="fitToCurve" value="1"/>
+    </inkml:brush>
+  </inkml:definitions>
+  <inkml:trace contextRef="#ctx0" brushRef="#br0">837 0,'-44'0,"0"44,0-44,44 44,-44-44,44 44,-44-44,44 44,-44-44,44 44,-44-44,0 44,-1-44,45 44,-44-44,0 44,0-44,44 44,-44-44,44 44,-44-44,44 45,-44-45,0 44,0-44,0 0,44 44,-44-44,44 0</inkml:trace>
+</inkml:ink>
+</file>
+
+<file path=ppt/ink/ink11.xml><?xml version="1.0" encoding="utf-8"?>
+<inkml:ink xmlns:inkml="http://www.w3.org/2003/InkML">
+  <inkml:definitions>
+    <inkml:context xml:id="ctx0">
+      <inkml:inkSource xml:id="inkSrc0">
+        <inkml:traceFormat>
+          <inkml:channel name="X" type="integer" max="3200" units="cm"/>
+          <inkml:channel name="Y" type="integer" max="1080" units="cm"/>
+        </inkml:traceFormat>
+        <inkml:channelProperties>
+          <inkml:channelProperty channel="X" name="resolution" value="66.666656" units="1/cm"/>
+          <inkml:channelProperty channel="Y" name="resolution" value="40.000000" units="1/cm"/>
+        </inkml:channelProperties>
+      </inkml:inkSource>
+    </inkml:context>
+    <inkml:brush xml:id="br0">
+      <inkml:brushProperty name="width" value="0.035278" units="cm"/>
+      <inkml:brushProperty name="height" value="0.035278" units="cm"/>
+      <inkml:brushProperty name="color" value="#000000"/>
+      <inkml:brushProperty name="fitToCurve" value="1"/>
+    </inkml:brush>
+  </inkml:definitions>
+  <inkml:trace contextRef="#ctx0" brushRef="#br0">0 2381,'44'0,"44"0,-44-44,0 0,44 44,0-45,1 1,-45 44,0-44,0 44,44-44,-44 0,44-44,-44 44,1 44,-45-44,44 0,0-1,0 1,0 0,-44 0,44 0,0-44,-44 44,88 44,-44-44,-44 0,45 44,-1-44,0 44,-44-45,44 1,0 44,0-44,0 0,0 44,-44-44,44 44,0-44,0 44,1-44,-1 44,0 0,0-44,0 44,44-44,-44 44,0 0,0 0,-44-44,45 44,-1 0,0 0,0 0,0 0,0 0,0-45,0 45,0 0,0 0,1 0,-1 0,0 0,0 0,0 0,0 0,0 0,0 0,0 0,0 0,0 0,1 0,-1 0,0 0,-44-44,44 44,0 0,0 0,0 0,0-44,0 44,0 0,1 0,-1 0,0 0,-44-44,44 44,0 0,0 0,0 0,-44-44,44 44,0 0,0 0,1 0,-1 0,0 0,0 0,44 0,-44 0,-44-44,0 0,0 0,-44 0,0 0,0-1,0 1,0 44,44-44,-44 0,44 0,-45 44,45-44,-44 44,44-44,-44 44,44-44,-44 44,0 0,44-44,-44 44,0 0,0 0,44-44,-44 44,0 0,44-44,-45 44,45 0</inkml:trace>
+</inkml:ink>
+</file>
+
+<file path=ppt/ink/ink12.xml><?xml version="1.0" encoding="utf-8"?>
+<inkml:ink xmlns:inkml="http://www.w3.org/2003/InkML">
+  <inkml:definitions>
+    <inkml:context xml:id="ctx0">
+      <inkml:inkSource xml:id="inkSrc0">
+        <inkml:traceFormat>
+          <inkml:channel name="X" type="integer" max="3200" units="cm"/>
+          <inkml:channel name="Y" type="integer" max="1080" units="cm"/>
+        </inkml:traceFormat>
+        <inkml:channelProperties>
+          <inkml:channelProperty channel="X" name="resolution" value="66.666656" units="1/cm"/>
+          <inkml:channelProperty channel="Y" name="resolution" value="40.000000" units="1/cm"/>
+        </inkml:channelProperties>
+      </inkml:inkSource>
+    </inkml:context>
+    <inkml:brush xml:id="br0">
+      <inkml:brushProperty name="width" value="0.035278" units="cm"/>
+      <inkml:brushProperty name="height" value="0.035278" units="cm"/>
+      <inkml:brushProperty name="color" value="#000000"/>
+      <inkml:brushProperty name="fitToCurve" value="1"/>
+    </inkml:brush>
+  </inkml:definitions>
+  <inkml:trace contextRef="#ctx0" brushRef="#br0">220 0,'0'44,"0"0,0 0,0 0,0 0,0 0,0 0,-44 0,44 0,0 0,0 1,0-1,-44 0,44 0,0 0,0 0,0 0,0 44,0-44,0 1,-44-45,44 44,0 0,0 0,-44 0,44 0,0 0,0 0,0 0,-44-44,44 0</inkml:trace>
+</inkml:ink>
+</file>
+
+<file path=ppt/ink/ink13.xml><?xml version="1.0" encoding="utf-8"?>
+<inkml:ink xmlns:inkml="http://www.w3.org/2003/InkML">
+  <inkml:definitions>
+    <inkml:context xml:id="ctx0">
+      <inkml:inkSource xml:id="inkSrc0">
+        <inkml:traceFormat>
+          <inkml:channel name="X" type="integer" max="3200" units="cm"/>
+          <inkml:channel name="Y" type="integer" max="1080" units="cm"/>
+        </inkml:traceFormat>
+        <inkml:channelProperties>
+          <inkml:channelProperty channel="X" name="resolution" value="66.666656" units="1/cm"/>
+          <inkml:channelProperty channel="Y" name="resolution" value="40.000000" units="1/cm"/>
+        </inkml:channelProperties>
+      </inkml:inkSource>
+    </inkml:context>
+    <inkml:brush xml:id="br0">
+      <inkml:brushProperty name="width" value="0.035278" units="cm"/>
+      <inkml:brushProperty name="height" value="0.035278" units="cm"/>
+      <inkml:brushProperty name="color" value="#000000"/>
+      <inkml:brushProperty name="fitToCurve" value="1"/>
+    </inkml:brush>
+  </inkml:definitions>
+  <inkml:trace contextRef="#ctx0" brushRef="#br0">0 0,'44'0,"0"44,0-44,0 44,0-44,0 44,44 0,-44 0,0 0,45 44,-45-88,-44 44,44 0,0-44,-44 45,44-1,0-44,-44 44,88-44,-88 44,44-44,1 44,-1 0,0 0,0 0,0-44,0 88,0-88,0 0,-44 45,44-45,-44 44,44-44,1 0,-45 44,44-44,0 0,0 44,44-44,-44 0,0 44,0-44,44 0,-43 0,-1 44,44-44,-44 0,0 0,-44 44,44-44,0 0,0 0,0 0,1 0,43 0,-44 0,0 0,0 0,0 0,0 0,0 0,0 0,1 0,-1 0,0 0,0 0,0 0,0 0,0 0,0 0,44 0,-44 0,1 0,-1 0,0 0,0 0,0 0,0-44,0 44,0 0,-44-44,0 0,-44 0,0 0,0-45,44 45,-44 0,0-44,44 44,0 0,-44 44,44-44,-44 44,44-44,-45 0,45-1,0 1,-44 44,44-44,-44 44,44-44,-44 44,44-44,-44 44,0-44,0 0,0 44,44-44,-44 0,44 44</inkml:trace>
+</inkml:ink>
+</file>
+
+<file path=ppt/ink/ink14.xml><?xml version="1.0" encoding="utf-8"?>
+<inkml:ink xmlns:inkml="http://www.w3.org/2003/InkML">
+  <inkml:definitions>
+    <inkml:context xml:id="ctx0">
+      <inkml:inkSource xml:id="inkSrc0">
+        <inkml:traceFormat>
+          <inkml:channel name="X" type="integer" max="3200" units="cm"/>
+          <inkml:channel name="Y" type="integer" max="1080" units="cm"/>
+        </inkml:traceFormat>
+        <inkml:channelProperties>
+          <inkml:channelProperty channel="X" name="resolution" value="66.666656" units="1/cm"/>
+          <inkml:channelProperty channel="Y" name="resolution" value="40.000000" units="1/cm"/>
+        </inkml:channelProperties>
+      </inkml:inkSource>
+    </inkml:context>
+    <inkml:brush xml:id="br0">
+      <inkml:brushProperty name="width" value="0.035278" units="cm"/>
+      <inkml:brushProperty name="height" value="0.035278" units="cm"/>
+      <inkml:brushProperty name="color" value="#000000"/>
+      <inkml:brushProperty name="fitToCurve" value="1"/>
+    </inkml:brush>
+  </inkml:definitions>
+  <inkml:trace contextRef="#ctx0" brushRef="#br0">970 0,'-44'0,"44"44,-45-44,45 44,-44-44,44 44,-44-44,44 44,-44-44,44 44,-44-44,0 44,0-44,0 0,44 44,0 0,-44-44,44 44,-44-44,-1 44,1-44,44 45,-44-45,44 44,-44-44,44 44,-44-44,0 0,44 44,-44-44,0 0,44 44,-44 0,44 0,-44-44,0 0,44 44,0-44</inkml:trace>
+</inkml:ink>
+</file>
+
+<file path=ppt/ink/ink2.xml><?xml version="1.0" encoding="utf-8"?>
+<inkml:ink xmlns:inkml="http://www.w3.org/2003/InkML">
+  <inkml:definitions>
+    <inkml:context xml:id="ctx0">
+      <inkml:inkSource xml:id="inkSrc0">
+        <inkml:traceFormat>
+          <inkml:channel name="X" type="integer" max="3200" units="cm"/>
+          <inkml:channel name="Y" type="integer" max="1080" units="cm"/>
+        </inkml:traceFormat>
+        <inkml:channelProperties>
+          <inkml:channelProperty channel="X" name="resolution" value="66.666656" units="1/cm"/>
+          <inkml:channelProperty channel="Y" name="resolution" value="40.000000" units="1/cm"/>
+        </inkml:channelProperties>
+      </inkml:inkSource>
+    </inkml:context>
+    <inkml:brush xml:id="br0">
+      <inkml:brushProperty name="width" value="0.035278" units="cm"/>
+      <inkml:brushProperty name="height" value="0.035278" units="cm"/>
+      <inkml:brushProperty name="color" value="#000000"/>
+      <inkml:brushProperty name="fitToCurve" value="1"/>
+    </inkml:brush>
+  </inkml:definitions>
+  <inkml:trace contextRef="#ctx0" brushRef="#br0">44 0,'0'44,"0"0,0 0,0 0,0 0,0 0,-44 0,44 44,0-44,0 1,0-1,0 0,0 0,0 0,0 44,0 0,0-44,0 1,0-1,0 0,0 0,0 0,0 44,0-44,0 0,0 0,0-44</inkml:trace>
+</inkml:ink>
+</file>
+
+<file path=ppt/ink/ink3.xml><?xml version="1.0" encoding="utf-8"?>
+<inkml:ink xmlns:inkml="http://www.w3.org/2003/InkML">
+  <inkml:definitions>
+    <inkml:context xml:id="ctx0">
+      <inkml:inkSource xml:id="inkSrc0">
+        <inkml:traceFormat>
+          <inkml:channel name="X" type="integer" max="3200" units="cm"/>
+          <inkml:channel name="Y" type="integer" max="1080" units="cm"/>
+        </inkml:traceFormat>
+        <inkml:channelProperties>
+          <inkml:channelProperty channel="X" name="resolution" value="66.666656" units="1/cm"/>
+          <inkml:channelProperty channel="Y" name="resolution" value="40.000000" units="1/cm"/>
+        </inkml:channelProperties>
+      </inkml:inkSource>
+    </inkml:context>
+    <inkml:brush xml:id="br0">
+      <inkml:brushProperty name="width" value="0.035278" units="cm"/>
+      <inkml:brushProperty name="height" value="0.035278" units="cm"/>
+      <inkml:brushProperty name="color" value="#000000"/>
+      <inkml:brushProperty name="fitToCurve" value="1"/>
+    </inkml:brush>
+  </inkml:definitions>
+  <inkml:trace contextRef="#ctx0" brushRef="#br0">0 0,'0'44,"44"0,-44 0,0 0,0 0,44-44,-44 44,0 0,0 0,0 0,0 0,44-44,-44 45,0-1,0 0,44-44,-44 44,0 0,0 0,0 0,0 0,44-44,-44 44,0 0,44 1,-44-1,0 0,44 44,-44-44,0 0,44-44,-44 44,44-44,-44 44,44-44,-44 44,45-44,-1 45,0-45,-44 44,44-44,-44 44,44-44,-44 44,44-44,-44 44,44-44,0 44,0-44,0 0,-44 44,45-44,-1 44,44 0,0-44,-44 0,0 44,0-44,0 0,1 44,-1-44,0 45,0-1,44-44,-44 0,0 44,0-44,0 44,0-44,-44 44,45-44,-1 0,0 0,-44 44,88-44,-44 0,0 0,0 0,-44 44,44-44,-44 44,44-44,1 0,-45 44,44-44,0 0,0 0,0 0,0 0,0 0,0 0,0 0,0 0,-88-44,44 0,-44 0,0 44,44-44,0 0,0 0,-44 44,44-44,-44 44,44-44,0-1,-44 45,44-44,0 0,-44 44,44-44,-44 44,44-44,0 0,0 0,0 0,0 0,-44 44,-1-44,45 0,0-1,-44 1,44 44</inkml:trace>
+</inkml:ink>
+</file>
+
+<file path=ppt/ink/ink4.xml><?xml version="1.0" encoding="utf-8"?>
+<inkml:ink xmlns:inkml="http://www.w3.org/2003/InkML">
+  <inkml:definitions>
+    <inkml:context xml:id="ctx0">
+      <inkml:inkSource xml:id="inkSrc0">
+        <inkml:traceFormat>
+          <inkml:channel name="X" type="integer" max="3200" units="cm"/>
+          <inkml:channel name="Y" type="integer" max="1080" units="cm"/>
+        </inkml:traceFormat>
+        <inkml:channelProperties>
+          <inkml:channelProperty channel="X" name="resolution" value="66.666656" units="1/cm"/>
+          <inkml:channelProperty channel="Y" name="resolution" value="40.000000" units="1/cm"/>
+        </inkml:channelProperties>
+      </inkml:inkSource>
+    </inkml:context>
+    <inkml:brush xml:id="br0">
+      <inkml:brushProperty name="width" value="0.035278" units="cm"/>
+      <inkml:brushProperty name="height" value="0.035278" units="cm"/>
+      <inkml:brushProperty name="color" value="#000000"/>
+      <inkml:brushProperty name="fitToCurve" value="1"/>
+    </inkml:brush>
+  </inkml:definitions>
+  <inkml:trace contextRef="#ctx0" brushRef="#br0">0 0,'0'0</inkml:trace>
+</inkml:ink>
+</file>
+
+<file path=ppt/ink/ink5.xml><?xml version="1.0" encoding="utf-8"?>
+<inkml:ink xmlns:inkml="http://www.w3.org/2003/InkML">
+  <inkml:definitions>
+    <inkml:context xml:id="ctx0">
+      <inkml:inkSource xml:id="inkSrc0">
+        <inkml:traceFormat>
+          <inkml:channel name="X" type="integer" max="3200" units="cm"/>
+          <inkml:channel name="Y" type="integer" max="1080" units="cm"/>
+        </inkml:traceFormat>
+        <inkml:channelProperties>
+          <inkml:channelProperty channel="X" name="resolution" value="66.666656" units="1/cm"/>
+          <inkml:channelProperty channel="Y" name="resolution" value="40.000000" units="1/cm"/>
+        </inkml:channelProperties>
+      </inkml:inkSource>
+    </inkml:context>
+    <inkml:brush xml:id="br0">
+      <inkml:brushProperty name="width" value="0.035278" units="cm"/>
+      <inkml:brushProperty name="height" value="0.035278" units="cm"/>
+      <inkml:brushProperty name="color" value="#000000"/>
+      <inkml:brushProperty name="fitToCurve" value="1"/>
+    </inkml:brush>
+  </inkml:definitions>
+  <inkml:trace contextRef="#ctx0" brushRef="#br0">661 0,'-44'0,"0"44,0 44,44-44,-44-44,44 44,-45-44,45 44,-44-44,44 44,-44 0,44 0,0 0,-44-44,44 45,-44-45,44 44,-44-44,44 44,-44 0,44 0,-44-44,44 44,0 0,-44-44,44 44,0 0,-44-44,44 44,-44-44,44 0</inkml:trace>
+</inkml:ink>
+</file>
+
+<file path=ppt/ink/ink6.xml><?xml version="1.0" encoding="utf-8"?>
+<inkml:ink xmlns:inkml="http://www.w3.org/2003/InkML">
+  <inkml:definitions>
+    <inkml:context xml:id="ctx0">
+      <inkml:inkSource xml:id="inkSrc0">
+        <inkml:traceFormat>
+          <inkml:channel name="X" type="integer" max="3200" units="cm"/>
+          <inkml:channel name="Y" type="integer" max="1080" units="cm"/>
+        </inkml:traceFormat>
+        <inkml:channelProperties>
+          <inkml:channelProperty channel="X" name="resolution" value="66.666656" units="1/cm"/>
+          <inkml:channelProperty channel="Y" name="resolution" value="40.000000" units="1/cm"/>
+        </inkml:channelProperties>
+      </inkml:inkSource>
+    </inkml:context>
+    <inkml:brush xml:id="br0">
+      <inkml:brushProperty name="width" value="0.035278" units="cm"/>
+      <inkml:brushProperty name="height" value="0.035278" units="cm"/>
+      <inkml:brushProperty name="color" value="#000000"/>
+      <inkml:brushProperty name="fitToCurve" value="1"/>
+    </inkml:brush>
+  </inkml:definitions>
+  <inkml:trace contextRef="#ctx0" brushRef="#br0">0 1014,'44'0,"0"0,0 0,0 0,44 0,-44-44,44 44,1-44,-45 44,44-45,-44 45,0 0,0-44,44 44,-44 0,1 0,-1-44,0 44,0 0,44 0,-88-44,44 44,0 0,0 0,-44-44,44 44,1 0,-1 0,0-44,0 44,0-44,0 44,0 0,0 0,0 0,0 0,0 0,1-44,-1 44,44 0,0 0,-44 0,0 0,0 0,0 0,1 0,-1 0,0 0,44 0,-44 0,0 0,0 0,0 0,0 0,1 0,-1 0,0 0,44 0,-44 0,0 0,0 0,0 0,0 0,0 0,1 0,43 0,-44 0,0 0,0 0,0 0,0 0,0 0,0 0,1 0,-1 0,0 44,0-44,0 0,0 0,0 0,0 44,44-44,-43 0,-1 0,0 0,0 0,0 0,-44 44,44-44,0 0,0 0,0 0,0 0,1 0,-45 44,44-44,0 0,0 0,-88 0,0-44,0 44,-1-44,1 44,44-44,-44 0,0 44,44-44,-44 44,44-44,-44 44,44-45,-44 1,-44 0,44 0,44 0,-45 44,1 0,44-44,-44 44,0-44,0 44,0-44,0 44,44-44,-44 44,44-44,-44 44,0 0,-1 0,45-44,0 44</inkml:trace>
+</inkml:ink>
+</file>
+
+<file path=ppt/ink/ink7.xml><?xml version="1.0" encoding="utf-8"?>
+<inkml:ink xmlns:inkml="http://www.w3.org/2003/InkML">
+  <inkml:definitions>
+    <inkml:context xml:id="ctx0">
+      <inkml:inkSource xml:id="inkSrc0">
+        <inkml:traceFormat>
+          <inkml:channel name="X" type="integer" max="3200" units="cm"/>
+          <inkml:channel name="Y" type="integer" max="1080" units="cm"/>
+        </inkml:traceFormat>
+        <inkml:channelProperties>
+          <inkml:channelProperty channel="X" name="resolution" value="66.666656" units="1/cm"/>
+          <inkml:channelProperty channel="Y" name="resolution" value="40.000000" units="1/cm"/>
+        </inkml:channelProperties>
+      </inkml:inkSource>
+    </inkml:context>
+    <inkml:brush xml:id="br0">
+      <inkml:brushProperty name="width" value="0.035278" units="cm"/>
+      <inkml:brushProperty name="height" value="0.035278" units="cm"/>
+      <inkml:brushProperty name="color" value="#000000"/>
+      <inkml:brushProperty name="fitToCurve" value="1"/>
+    </inkml:brush>
+  </inkml:definitions>
+  <inkml:trace contextRef="#ctx0" brushRef="#br0">749 0,'-44'44,"0"0,0-44,44 44,-44-44,0 0,44 44,-44-44,-1 44,1 0,0 0,0-44,44 88,-44-88,44 44,-44-44,44 45,-44-45,44 44,-44-44,44 44,0 0,-44 0,0 0,0 0,44 0,0-44</inkml:trace>
+</inkml:ink>
+</file>
+
+<file path=ppt/ink/ink8.xml><?xml version="1.0" encoding="utf-8"?>
+<inkml:ink xmlns:inkml="http://www.w3.org/2003/InkML">
+  <inkml:definitions>
+    <inkml:context xml:id="ctx0">
+      <inkml:inkSource xml:id="inkSrc0">
+        <inkml:traceFormat>
+          <inkml:channel name="X" type="integer" max="3200" units="cm"/>
+          <inkml:channel name="Y" type="integer" max="1080" units="cm"/>
+        </inkml:traceFormat>
+        <inkml:channelProperties>
+          <inkml:channelProperty channel="X" name="resolution" value="66.666656" units="1/cm"/>
+          <inkml:channelProperty channel="Y" name="resolution" value="40.000000" units="1/cm"/>
+        </inkml:channelProperties>
+      </inkml:inkSource>
+    </inkml:context>
+    <inkml:brush xml:id="br0">
+      <inkml:brushProperty name="width" value="0.035278" units="cm"/>
+      <inkml:brushProperty name="height" value="0.035278" units="cm"/>
+      <inkml:brushProperty name="color" value="#000000"/>
+      <inkml:brushProperty name="fitToCurve" value="1"/>
+    </inkml:brush>
+  </inkml:definitions>
+  <inkml:trace contextRef="#ctx0" brushRef="#br0">0 0,'44'44,"-44"0,44-44,-44 44,0 0,0 0,44-44,-44 44,0 0,44 0,-44 0,44 0,-44 1,44-45,-44 44,44-44,-44 44,44-44,-44 44,44-44,-44 44,44-44,-44 44,45-44,-45 44,0 0,44-44,-44 44,44-44,-44 44,0 1,44-45,-44 44,44 0,-44 0,44-44,0 44,0 0,-44 0,44-44,0 0,1 44,-1-44,0 0,-44 44,44-44,0 0,0 0,0 0,0 44,0-44,0 0,1 0,-1 45,44-45,-44 0,-44 44,44-44,0 44,-44-44</inkml:trace>
+</inkml:ink>
+</file>
+
+<file path=ppt/ink/ink9.xml><?xml version="1.0" encoding="utf-8"?>
+<inkml:ink xmlns:inkml="http://www.w3.org/2003/InkML">
+  <inkml:definitions>
+    <inkml:context xml:id="ctx0">
+      <inkml:inkSource xml:id="inkSrc0">
+        <inkml:traceFormat>
+          <inkml:channel name="X" type="integer" max="3200" units="cm"/>
+          <inkml:channel name="Y" type="integer" max="1080" units="cm"/>
+        </inkml:traceFormat>
+        <inkml:channelProperties>
+          <inkml:channelProperty channel="X" name="resolution" value="66.666656" units="1/cm"/>
+          <inkml:channelProperty channel="Y" name="resolution" value="40.000000" units="1/cm"/>
+        </inkml:channelProperties>
+      </inkml:inkSource>
+    </inkml:context>
+    <inkml:brush xml:id="br0">
+      <inkml:brushProperty name="width" value="0.035278" units="cm"/>
+      <inkml:brushProperty name="height" value="0.035278" units="cm"/>
+      <inkml:brushProperty name="color" value="#000000"/>
+      <inkml:brushProperty name="fitToCurve" value="1"/>
+    </inkml:brush>
+  </inkml:definitions>
+  <inkml:trace contextRef="#ctx0" brushRef="#br0">0 837,'44'-44,"-44"0,0 0,0 0,0 0,0 0,0 0,0-45,0 45,0 0,0 0,0 0,0 0,-44 0,44 0,0 0,0 0,0 0,0 44</inkml:trace>
+</inkml:ink>
 </file>
 
 <file path=ppt/notesMasters/notesMaster1.xml><?xml version="1.0" encoding="utf-8"?>
@@ -3996,6 +4367,183 @@
 </file>
 
 <file path=ppt/slides/slide1.xml><?xml version="1.0" encoding="utf-8"?>
+<p:sld xmlns:a="http://schemas.openxmlformats.org/drawingml/2006/main" xmlns:r="http://schemas.openxmlformats.org/officeDocument/2006/relationships" xmlns:p="http://schemas.openxmlformats.org/presentationml/2006/main" xmlns:p14="http://schemas.microsoft.com/office/powerpoint/2010/main">
+  <p:cSld>
+    <p:spTree>
+      <p:nvGrpSpPr>
+        <p:cNvPr id="1" name=""/>
+        <p:cNvGrpSpPr/>
+        <p:nvPr/>
+      </p:nvGrpSpPr>
+      <p:grpSpPr>
+        <a:xfrm>
+          <a:off x="0" y="0"/>
+          <a:ext cx="0" cy="0"/>
+          <a:chOff x="0" y="0"/>
+          <a:chExt cx="0" cy="0"/>
+        </a:xfrm>
+      </p:grpSpPr>
+      <p:sp>
+        <p:nvSpPr>
+          <p:cNvPr id="2" name="제목 1"/>
+          <p:cNvSpPr txBox="1">
+            <a:spLocks/>
+          </p:cNvSpPr>
+          <p:nvPr>
+            <p:ph type="ctrTitle"/>
+          </p:nvPr>
+        </p:nvSpPr>
+        <p:spPr>
+          <a:xfrm>
+            <a:off x="1524000" y="1122680"/>
+            <a:ext cx="9145270" cy="2388870"/>
+          </a:xfrm>
+          <a:prstGeom prst="rect"/>
+        </p:spPr>
+        <p:txBody>
+          <a:bodyPr wrap="square" lIns="91440" tIns="45720" rIns="91440" bIns="45720" numCol="1" vert="horz" anchor="b">
+            <a:normAutofit fontScale="100000" lnSpcReduction="0"/>
+          </a:bodyPr>
+          <a:lstStyle>
+            <a:lvl1pPr marL="0" indent="0" algn="ctr" latinLnBrk="0">
+              <a:buFontTx/>
+              <a:buNone/>
+              <a:defRPr lang="en-GB" altLang="en-US" sz="6000"/>
+            </a:lvl1pPr>
+          </a:lstStyle>
+          <a:p>
+            <a:pPr marL="0" indent="0" latinLnBrk="0">
+              <a:buFontTx/>
+              <a:buNone/>
+            </a:pPr>
+            <a:r>
+              <a:rPr lang="ko-KR" altLang="en-US"/>
+              <a:t>6</a:t>
+            </a:r>
+            <a:r>
+              <a:rPr lang="ko-KR" altLang="en-US"/>
+              <a:t>주차 주말 과제</a:t>
+            </a:r>
+            <a:endParaRPr lang="ko-KR" altLang="en-US"/>
+          </a:p>
+        </p:txBody>
+      </p:sp>
+      <p:sp>
+        <p:nvSpPr>
+          <p:cNvPr id="3" name="부제목 2"/>
+          <p:cNvSpPr txBox="1">
+            <a:spLocks/>
+          </p:cNvSpPr>
+          <p:nvPr>
+            <p:ph type="subTitle" idx="1"/>
+          </p:nvPr>
+        </p:nvSpPr>
+        <p:spPr>
+          <a:xfrm>
+            <a:off x="1524000" y="3602355"/>
+            <a:ext cx="9145270" cy="1656715"/>
+          </a:xfrm>
+          <a:prstGeom prst="rect"/>
+        </p:spPr>
+        <p:txBody>
+          <a:bodyPr wrap="square" lIns="91440" tIns="45720" rIns="91440" bIns="45720" numCol="1" vert="horz" anchor="t">
+            <a:normAutofit fontScale="100000" lnSpcReduction="0"/>
+          </a:bodyPr>
+          <a:lstStyle>
+            <a:lvl1pPr marL="0" indent="0" algn="ctr" latinLnBrk="0">
+              <a:buFontTx/>
+              <a:buNone/>
+              <a:defRPr lang="en-GB" altLang="en-US" sz="2400"/>
+            </a:lvl1pPr>
+            <a:lvl2pPr marL="457200" indent="0" algn="ctr" latinLnBrk="0" lvl="1">
+              <a:buFontTx/>
+              <a:buNone/>
+              <a:defRPr lang="en-GB" altLang="en-US" sz="2000"/>
+            </a:lvl2pPr>
+            <a:lvl3pPr marL="914400" indent="0" algn="ctr" latinLnBrk="0" lvl="2">
+              <a:buFontTx/>
+              <a:buNone/>
+              <a:defRPr lang="en-GB" altLang="en-US" sz="1800"/>
+            </a:lvl3pPr>
+            <a:lvl4pPr marL="1371600" indent="0" algn="ctr" latinLnBrk="0" lvl="3">
+              <a:buFontTx/>
+              <a:buNone/>
+              <a:defRPr lang="en-GB" altLang="en-US" sz="1600"/>
+            </a:lvl4pPr>
+            <a:lvl5pPr marL="1828800" indent="0" algn="ctr" latinLnBrk="0" lvl="4">
+              <a:buFontTx/>
+              <a:buNone/>
+              <a:defRPr lang="en-GB" altLang="en-US" sz="1600"/>
+            </a:lvl5pPr>
+            <a:lvl6pPr marL="2286000" indent="0" algn="ctr" latinLnBrk="0" lvl="5">
+              <a:buFontTx/>
+              <a:buNone/>
+              <a:defRPr lang="en-GB" altLang="en-US" sz="1600"/>
+            </a:lvl6pPr>
+            <a:lvl7pPr marL="2743200" indent="0" algn="ctr" latinLnBrk="0" lvl="6">
+              <a:buFontTx/>
+              <a:buNone/>
+              <a:defRPr lang="en-GB" altLang="en-US" sz="1600"/>
+            </a:lvl7pPr>
+            <a:lvl8pPr marL="3200400" indent="0" algn="ctr" latinLnBrk="0" lvl="7">
+              <a:buFontTx/>
+              <a:buNone/>
+              <a:defRPr lang="en-GB" altLang="en-US" sz="1600"/>
+            </a:lvl8pPr>
+            <a:lvl9pPr marL="3657600" indent="0" algn="ctr" latinLnBrk="0" lvl="8">
+              <a:buFontTx/>
+              <a:buNone/>
+              <a:defRPr lang="en-GB" altLang="en-US" sz="1600"/>
+            </a:lvl9pPr>
+          </a:lstStyle>
+          <a:p>
+            <a:pPr marL="0" indent="0" latinLnBrk="0">
+              <a:buFontTx/>
+              <a:buNone/>
+            </a:pPr>
+            <a:r>
+              <a:rPr lang="ko-KR" altLang="en-US"/>
+              <a:t>MVC model2, front controller 실습</a:t>
+            </a:r>
+            <a:endParaRPr lang="ko-KR" altLang="en-US"/>
+          </a:p>
+          <a:p>
+            <a:pPr marL="0" indent="0" latinLnBrk="0">
+              <a:buFontTx/>
+              <a:buNone/>
+            </a:pPr>
+            <a:r>
+              <a:rPr lang="ko-KR" altLang="en-US"/>
+              <a:t>4팀</a:t>
+            </a:r>
+            <a:endParaRPr lang="ko-KR" altLang="en-US"/>
+          </a:p>
+        </p:txBody>
+      </p:sp>
+    </p:spTree>
+  </p:cSld>
+  <p:clrMapOvr>
+    <a:masterClrMapping/>
+  </p:clrMapOvr>
+  <mc:AlternateContent xmlns:mc="http://schemas.openxmlformats.org/markup-compatibility/2006">
+    <mc:Choice xmlns:p14="http://schemas.microsoft.com/office/powerpoint/2010/main" Requires="p14">
+      <p:transition spd="slow" p14:dur="2000"/>
+    </mc:Choice>
+    <mc:Fallback>
+      <p:transition spd="slow"/>
+    </mc:Fallback>
+  </mc:AlternateContent>
+  <p:timing>
+    <p:tnLst>
+      <p:par>
+        <p:cTn id="1" dur="indefinite" restart="never" nodeType="tmRoot"/>
+      </p:par>
+    </p:tnLst>
+  </p:timing>
+</p:sld>
+</file>
+
+<file path=ppt/slides/slide10.xml><?xml version="1.0" encoding="utf-8"?>
 <p:sld xmlns:a="http://schemas.openxmlformats.org/drawingml/2006/main" xmlns:r="http://schemas.openxmlformats.org/officeDocument/2006/relationships" xmlns:p="http://schemas.openxmlformats.org/presentationml/2006/main">
   <p:cSld>
     <p:spTree>
@@ -4014,137 +4562,1268 @@
       </p:grpSpPr>
       <p:sp>
         <p:nvSpPr>
-          <p:cNvPr id="2" name="제목 1"/>
+          <p:cNvPr id="2" name="Rect 0"/>
           <p:cNvSpPr txBox="1">
             <a:spLocks/>
           </p:cNvSpPr>
-          <p:nvPr>
-            <p:ph type="ctrTitle"/>
-          </p:nvPr>
+          <p:nvPr/>
         </p:nvSpPr>
         <p:spPr>
           <a:xfrm rot="0">
-            <a:off x="1524000" y="1122680"/>
-            <a:ext cx="9144635" cy="2388235"/>
+            <a:off x="365760" y="316230"/>
+            <a:ext cx="5270500" cy="368935"/>
           </a:xfrm>
           <a:prstGeom prst="rect"/>
-        </p:spPr>
-        <p:txBody>
-          <a:bodyPr wrap="square" lIns="91440" tIns="45720" rIns="91440" bIns="45720" numCol="1" vert="horz" anchor="b">
-            <a:normAutofit fontScale="100000" lnSpcReduction="0"/>
+          <a:noFill/>
+        </p:spPr>
+        <p:txBody>
+          <a:bodyPr wrap="square" lIns="91440" tIns="45720" rIns="91440" bIns="45720" numCol="1" vert="horz" anchor="t">
+            <a:spAutoFit/>
           </a:bodyPr>
-          <a:lstStyle>
-            <a:lvl1pPr marL="0" indent="0" algn="ctr" latinLnBrk="0">
-              <a:buFontTx/>
-              <a:buNone/>
-              <a:defRPr lang="en-GB" altLang="en-US" sz="6000"/>
-            </a:lvl1pPr>
-          </a:lstStyle>
+          <a:lstStyle/>
           <a:p>
             <a:pPr marL="0" indent="0" latinLnBrk="0">
               <a:buFontTx/>
               <a:buNone/>
             </a:pPr>
             <a:r>
-              <a:rPr lang="ko-KR" altLang="en-US"/>
-              <a:t>5주차 주말 과제</a:t>
-            </a:r>
-            <a:endParaRPr lang="ko-KR" altLang="en-US"/>
-          </a:p>
-        </p:txBody>
-      </p:sp>
-      <p:sp>
-        <p:nvSpPr>
-          <p:cNvPr id="3" name="부제목 2"/>
+              <a:rPr lang="ko-KR" altLang="ko-KR" b="1">
+                <a:latin typeface="맑은 고딕" charset="0"/>
+              </a:rPr>
+              <a:t>3</a:t>
+            </a:r>
+            <a:r>
+              <a:rPr lang="en-US" altLang="ko-KR" b="1">
+                <a:latin typeface="맑은 고딕" charset="0"/>
+              </a:rPr>
+              <a:t>. </a:t>
+            </a:r>
+            <a:r>
+              <a:rPr lang="ko-KR" altLang="ko-KR">
+                <a:latin typeface="맑은 고딕" charset="0"/>
+                <a:cs typeface="NanumGothic" charset="0"/>
+              </a:rPr>
+              <a:t>Controller - ActionFactory.java</a:t>
+            </a:r>
+            <a:endParaRPr lang="ko-KR" altLang="en-US">
+              <a:latin typeface="맑은 고딕" charset="0"/>
+              <a:cs typeface="NanumGothic" charset="0"/>
+            </a:endParaRPr>
+          </a:p>
+        </p:txBody>
+      </p:sp>
+      <p:pic>
+        <p:nvPicPr>
+          <p:cNvPr id="3" name="그림 17" descr="C:/Users/thswl/AppData/Roaming/PolarisOffice/ETemp/21832_22335000/fImage295621498145.png"/>
+          <p:cNvPicPr>
+            <a:picLocks noChangeAspect="1"/>
+          </p:cNvPicPr>
+          <p:nvPr/>
+        </p:nvPicPr>
+        <p:blipFill rotWithShape="1">
+          <a:blip r:embed="rId2" cstate="print">
+            <a:extLst>
+              <a:ext uri="{28A0092B-C50C-407E-A947-70E740481C1C}">
+                <a14:useLocalDpi xmlns:a14="http://schemas.microsoft.com/office/drawing/2010/main" val="0"/>
+              </a:ext>
+            </a:extLst>
+          </a:blip>
+          <a:stretch>
+            <a:fillRect/>
+          </a:stretch>
+        </p:blipFill>
+        <p:spPr>
+          <a:xfrm rot="0">
+            <a:off x="2825750" y="847725"/>
+            <a:ext cx="6561455" cy="5915660"/>
+          </a:xfrm>
+          <a:prstGeom prst="rect"/>
+          <a:noFill/>
+        </p:spPr>
+      </p:pic>
+    </p:spTree>
+  </p:cSld>
+  <p:clrMapOvr>
+    <a:masterClrMapping/>
+  </p:clrMapOvr>
+  <mc:AlternateContent xmlns:mc="http://schemas.openxmlformats.org/markup-compatibility/2006">
+    <mc:Choice xmlns:p14="http://schemas.microsoft.com/office/powerpoint/2010/main" Requires="p14">
+      <p:transition spd="slow" p14:dur="2000"/>
+    </mc:Choice>
+    <mc:Fallback>
+      <p:transition spd="slow"/>
+    </mc:Fallback>
+  </mc:AlternateContent>
+</p:sld>
+</file>
+
+<file path=ppt/slides/slide11.xml><?xml version="1.0" encoding="utf-8"?>
+<p:sld xmlns:a="http://schemas.openxmlformats.org/drawingml/2006/main" xmlns:r="http://schemas.openxmlformats.org/officeDocument/2006/relationships" xmlns:p="http://schemas.openxmlformats.org/presentationml/2006/main">
+  <p:cSld>
+    <p:spTree>
+      <p:nvGrpSpPr>
+        <p:cNvPr id="1" name=""/>
+        <p:cNvGrpSpPr/>
+        <p:nvPr/>
+      </p:nvGrpSpPr>
+      <p:grpSpPr>
+        <a:xfrm>
+          <a:off x="0" y="0"/>
+          <a:ext cx="0" cy="0"/>
+          <a:chOff x="0" y="0"/>
+          <a:chExt cx="0" cy="0"/>
+        </a:xfrm>
+      </p:grpSpPr>
+      <p:sp>
+        <p:nvSpPr>
+          <p:cNvPr id="2" name="Rect 0"/>
           <p:cNvSpPr txBox="1">
             <a:spLocks/>
           </p:cNvSpPr>
-          <p:nvPr>
-            <p:ph type="subTitle" idx="1"/>
-          </p:nvPr>
+          <p:nvPr/>
         </p:nvSpPr>
         <p:spPr>
           <a:xfrm rot="0">
-            <a:off x="1524000" y="3602355"/>
-            <a:ext cx="9144635" cy="1656080"/>
+            <a:off x="365760" y="316230"/>
+            <a:ext cx="9461500" cy="368935"/>
           </a:xfrm>
           <a:prstGeom prst="rect"/>
+          <a:noFill/>
         </p:spPr>
         <p:txBody>
           <a:bodyPr wrap="square" lIns="91440" tIns="45720" rIns="91440" bIns="45720" numCol="1" vert="horz" anchor="t">
-            <a:normAutofit fontScale="100000" lnSpcReduction="0"/>
+            <a:spAutoFit/>
           </a:bodyPr>
-          <a:lstStyle>
-            <a:lvl1pPr marL="0" indent="0" algn="ctr" latinLnBrk="0">
-              <a:buFontTx/>
-              <a:buNone/>
-              <a:defRPr lang="en-GB" altLang="en-US" sz="2400"/>
-            </a:lvl1pPr>
-            <a:lvl2pPr marL="457200" indent="0" algn="ctr" latinLnBrk="0" lvl="1">
-              <a:buFontTx/>
-              <a:buNone/>
-              <a:defRPr lang="en-GB" altLang="en-US" sz="2000"/>
-            </a:lvl2pPr>
-            <a:lvl3pPr marL="914400" indent="0" algn="ctr" latinLnBrk="0" lvl="2">
-              <a:buFontTx/>
-              <a:buNone/>
-              <a:defRPr lang="en-GB" altLang="en-US" sz="1800"/>
-            </a:lvl3pPr>
-            <a:lvl4pPr marL="1371600" indent="0" algn="ctr" latinLnBrk="0" lvl="3">
-              <a:buFontTx/>
-              <a:buNone/>
-              <a:defRPr lang="en-GB" altLang="en-US" sz="1600"/>
-            </a:lvl4pPr>
-            <a:lvl5pPr marL="1828800" indent="0" algn="ctr" latinLnBrk="0" lvl="4">
-              <a:buFontTx/>
-              <a:buNone/>
-              <a:defRPr lang="en-GB" altLang="en-US" sz="1600"/>
-            </a:lvl5pPr>
-            <a:lvl6pPr marL="2286000" indent="0" algn="ctr" latinLnBrk="0" lvl="5">
-              <a:buFontTx/>
-              <a:buNone/>
-              <a:defRPr lang="en-GB" altLang="en-US" sz="1600"/>
-            </a:lvl6pPr>
-            <a:lvl7pPr marL="2743200" indent="0" algn="ctr" latinLnBrk="0" lvl="6">
-              <a:buFontTx/>
-              <a:buNone/>
-              <a:defRPr lang="en-GB" altLang="en-US" sz="1600"/>
-            </a:lvl7pPr>
-            <a:lvl8pPr marL="3200400" indent="0" algn="ctr" latinLnBrk="0" lvl="7">
-              <a:buFontTx/>
-              <a:buNone/>
-              <a:defRPr lang="en-GB" altLang="en-US" sz="1600"/>
-            </a:lvl8pPr>
-            <a:lvl9pPr marL="3657600" indent="0" algn="ctr" latinLnBrk="0" lvl="8">
-              <a:buFontTx/>
-              <a:buNone/>
-              <a:defRPr lang="en-GB" altLang="en-US" sz="1600"/>
-            </a:lvl9pPr>
-          </a:lstStyle>
+          <a:lstStyle/>
           <a:p>
             <a:pPr marL="0" indent="0" latinLnBrk="0">
               <a:buFontTx/>
               <a:buNone/>
             </a:pPr>
             <a:r>
-              <a:rPr lang="ko-KR" altLang="en-US"/>
-              <a:t>학사관리 프로젝트 유스케이스 다이어그램과 활동 다이어그램</a:t>
-            </a:r>
-            <a:endParaRPr lang="ko-KR" altLang="en-US"/>
-          </a:p>
+              <a:rPr lang="ko-KR" altLang="ko-KR" b="1">
+                <a:latin typeface="맑은 고딕" charset="0"/>
+              </a:rPr>
+              <a:t>3</a:t>
+            </a:r>
+            <a:r>
+              <a:rPr lang="en-US" altLang="ko-KR" b="1">
+                <a:latin typeface="맑은 고딕" charset="0"/>
+              </a:rPr>
+              <a:t>. </a:t>
+            </a:r>
+            <a:r>
+              <a:rPr lang="ko-KR" altLang="ko-KR">
+                <a:latin typeface="맑은 고딕" charset="0"/>
+                <a:cs typeface="NanumGothic" charset="0"/>
+              </a:rPr>
+              <a:t>Controller - LoginUIAction.java, SignupUIAction.java, MainAction.java</a:t>
+            </a:r>
+            <a:endParaRPr lang="ko-KR" altLang="en-US">
+              <a:latin typeface="맑은 고딕" charset="0"/>
+              <a:cs typeface="NanumGothic" charset="0"/>
+            </a:endParaRPr>
+          </a:p>
+        </p:txBody>
+      </p:sp>
+      <p:pic>
+        <p:nvPicPr>
+          <p:cNvPr id="3" name="그림 18" descr="C:/Users/thswl/AppData/Roaming/PolarisOffice/ETemp/21832_22335000/fImage148421503281.png"/>
+          <p:cNvPicPr>
+            <a:picLocks noChangeAspect="1"/>
+          </p:cNvPicPr>
+          <p:nvPr/>
+        </p:nvPicPr>
+        <p:blipFill rotWithShape="1">
+          <a:blip r:embed="rId2" cstate="print">
+            <a:extLst>
+              <a:ext uri="{28A0092B-C50C-407E-A947-70E740481C1C}">
+                <a14:useLocalDpi xmlns:a14="http://schemas.microsoft.com/office/drawing/2010/main" val="0"/>
+              </a:ext>
+            </a:extLst>
+          </a:blip>
+          <a:stretch>
+            <a:fillRect/>
+          </a:stretch>
+        </p:blipFill>
+        <p:spPr>
+          <a:xfrm rot="0">
+            <a:off x="1562100" y="682625"/>
+            <a:ext cx="9068435" cy="2223135"/>
+          </a:xfrm>
+          <a:prstGeom prst="rect"/>
+          <a:noFill/>
+        </p:spPr>
+      </p:pic>
+      <p:pic>
+        <p:nvPicPr>
+          <p:cNvPr id="4" name="그림 19" descr="C:/Users/thswl/AppData/Roaming/PolarisOffice/ETemp/21832_22335000/fImage134191516827.png"/>
+          <p:cNvPicPr>
+            <a:picLocks noChangeAspect="1"/>
+          </p:cNvPicPr>
+          <p:nvPr/>
+        </p:nvPicPr>
+        <p:blipFill rotWithShape="1">
+          <a:blip r:embed="rId3" cstate="print">
+            <a:extLst>
+              <a:ext uri="{28A0092B-C50C-407E-A947-70E740481C1C}">
+                <a14:useLocalDpi xmlns:a14="http://schemas.microsoft.com/office/drawing/2010/main" val="0"/>
+              </a:ext>
+            </a:extLst>
+          </a:blip>
+          <a:stretch>
+            <a:fillRect/>
+          </a:stretch>
+        </p:blipFill>
+        <p:spPr>
+          <a:xfrm rot="0">
+            <a:off x="1585595" y="2900045"/>
+            <a:ext cx="9020810" cy="2105660"/>
+          </a:xfrm>
+          <a:prstGeom prst="rect"/>
+          <a:noFill/>
+        </p:spPr>
+      </p:pic>
+      <p:pic>
+        <p:nvPicPr>
+          <p:cNvPr id="5" name="그림 23" descr="C:/Users/thswl/AppData/Roaming/PolarisOffice/ETemp/21832_22335000/fImage127671559961.png"/>
+          <p:cNvPicPr>
+            <a:picLocks noChangeAspect="1"/>
+          </p:cNvPicPr>
+          <p:nvPr/>
+        </p:nvPicPr>
+        <p:blipFill rotWithShape="1">
+          <a:blip r:embed="rId4" cstate="print">
+            <a:extLst>
+              <a:ext uri="{28A0092B-C50C-407E-A947-70E740481C1C}">
+                <a14:useLocalDpi xmlns:a14="http://schemas.microsoft.com/office/drawing/2010/main" val="0"/>
+              </a:ext>
+            </a:extLst>
+          </a:blip>
+          <a:stretch>
+            <a:fillRect/>
+          </a:stretch>
+        </p:blipFill>
+        <p:spPr>
+          <a:xfrm rot="0">
+            <a:off x="1562100" y="4982845"/>
+            <a:ext cx="8973185" cy="1877060"/>
+          </a:xfrm>
+          <a:prstGeom prst="rect"/>
+          <a:noFill/>
+        </p:spPr>
+      </p:pic>
+    </p:spTree>
+  </p:cSld>
+  <p:clrMapOvr>
+    <a:masterClrMapping/>
+  </p:clrMapOvr>
+  <mc:AlternateContent xmlns:mc="http://schemas.openxmlformats.org/markup-compatibility/2006">
+    <mc:Choice xmlns:p14="http://schemas.microsoft.com/office/powerpoint/2010/main" Requires="p14">
+      <p:transition spd="slow" p14:dur="2000"/>
+    </mc:Choice>
+    <mc:Fallback>
+      <p:transition spd="slow"/>
+    </mc:Fallback>
+  </mc:AlternateContent>
+</p:sld>
+</file>
+
+<file path=ppt/slides/slide12.xml><?xml version="1.0" encoding="utf-8"?>
+<p:sld xmlns:a="http://schemas.openxmlformats.org/drawingml/2006/main" xmlns:r="http://schemas.openxmlformats.org/officeDocument/2006/relationships" xmlns:p="http://schemas.openxmlformats.org/presentationml/2006/main">
+  <p:cSld>
+    <p:spTree>
+      <p:nvGrpSpPr>
+        <p:cNvPr id="1" name=""/>
+        <p:cNvGrpSpPr/>
+        <p:nvPr/>
+      </p:nvGrpSpPr>
+      <p:grpSpPr>
+        <a:xfrm>
+          <a:off x="0" y="0"/>
+          <a:ext cx="0" cy="0"/>
+          <a:chOff x="0" y="0"/>
+          <a:chExt cx="0" cy="0"/>
+        </a:xfrm>
+      </p:grpSpPr>
+      <p:sp>
+        <p:nvSpPr>
+          <p:cNvPr id="2" name="Rect 0"/>
+          <p:cNvSpPr txBox="1">
+            <a:spLocks/>
+          </p:cNvSpPr>
+          <p:nvPr/>
+        </p:nvSpPr>
+        <p:spPr>
+          <a:xfrm rot="0">
+            <a:off x="365760" y="316230"/>
+            <a:ext cx="5270500" cy="368935"/>
+          </a:xfrm>
+          <a:prstGeom prst="rect"/>
+          <a:noFill/>
+        </p:spPr>
+        <p:txBody>
+          <a:bodyPr wrap="square" lIns="91440" tIns="45720" rIns="91440" bIns="45720" numCol="1" vert="horz" anchor="t">
+            <a:spAutoFit/>
+          </a:bodyPr>
+          <a:lstStyle/>
           <a:p>
             <a:pPr marL="0" indent="0" latinLnBrk="0">
               <a:buFontTx/>
               <a:buNone/>
             </a:pPr>
             <a:r>
-              <a:rPr lang="ko-KR" altLang="en-US"/>
-              <a:t>A014손은빈</a:t>
-            </a:r>
-            <a:endParaRPr lang="ko-KR" altLang="en-US"/>
-          </a:p>
-        </p:txBody>
-      </p:sp>
+              <a:rPr lang="ko-KR" altLang="ko-KR" b="1">
+                <a:latin typeface="맑은 고딕" charset="0"/>
+              </a:rPr>
+              <a:t>4</a:t>
+            </a:r>
+            <a:r>
+              <a:rPr lang="en-US" altLang="ko-KR" b="1">
+                <a:latin typeface="맑은 고딕" charset="0"/>
+              </a:rPr>
+              <a:t>. </a:t>
+            </a:r>
+            <a:r>
+              <a:rPr lang="ko-KR" altLang="ko-KR">
+                <a:latin typeface="맑은 고딕" charset="0"/>
+                <a:cs typeface="NanumGothic" charset="0"/>
+              </a:rPr>
+              <a:t>실행</a:t>
+            </a:r>
+            <a:endParaRPr lang="ko-KR" altLang="en-US">
+              <a:latin typeface="맑은 고딕" charset="0"/>
+              <a:cs typeface="NanumGothic" charset="0"/>
+            </a:endParaRPr>
+          </a:p>
+        </p:txBody>
+      </p:sp>
+      <p:pic>
+        <p:nvPicPr>
+          <p:cNvPr id="3" name="그림 25" descr="C:/Users/thswl/AppData/Roaming/PolarisOffice/ETemp/21832_22335000/fImage5883157491.png"/>
+          <p:cNvPicPr>
+            <a:picLocks noChangeAspect="1"/>
+          </p:cNvPicPr>
+          <p:nvPr/>
+        </p:nvPicPr>
+        <p:blipFill rotWithShape="1">
+          <a:blip r:embed="rId2" cstate="print">
+            <a:extLst>
+              <a:ext uri="{28A0092B-C50C-407E-A947-70E740481C1C}">
+                <a14:useLocalDpi xmlns:a14="http://schemas.microsoft.com/office/drawing/2010/main" val="0"/>
+              </a:ext>
+            </a:extLst>
+          </a:blip>
+          <a:stretch>
+            <a:fillRect/>
+          </a:stretch>
+        </p:blipFill>
+        <p:spPr>
+          <a:xfrm rot="0">
+            <a:off x="363220" y="2468245"/>
+            <a:ext cx="3686810" cy="1953260"/>
+          </a:xfrm>
+          <a:prstGeom prst="rect"/>
+          <a:noFill/>
+        </p:spPr>
+      </p:pic>
+      <p:pic>
+        <p:nvPicPr>
+          <p:cNvPr id="4" name="그림 26" descr="C:/Users/thswl/AppData/Roaming/PolarisOffice/ETemp/21832_22335000/fImage46311582995.png"/>
+          <p:cNvPicPr>
+            <a:picLocks noChangeAspect="1"/>
+          </p:cNvPicPr>
+          <p:nvPr/>
+        </p:nvPicPr>
+        <p:blipFill rotWithShape="1">
+          <a:blip r:embed="rId3" cstate="print">
+            <a:extLst>
+              <a:ext uri="{28A0092B-C50C-407E-A947-70E740481C1C}">
+                <a14:useLocalDpi xmlns:a14="http://schemas.microsoft.com/office/drawing/2010/main" val="0"/>
+              </a:ext>
+            </a:extLst>
+          </a:blip>
+          <a:stretch>
+            <a:fillRect/>
+          </a:stretch>
+        </p:blipFill>
+        <p:spPr>
+          <a:xfrm rot="0">
+            <a:off x="1798320" y="679450"/>
+            <a:ext cx="4467860" cy="1372235"/>
+          </a:xfrm>
+          <a:prstGeom prst="rect"/>
+          <a:noFill/>
+        </p:spPr>
+      </p:pic>
+      <p:pic>
+        <p:nvPicPr>
+          <p:cNvPr id="5" name="그림 27" descr="C:/Users/thswl/AppData/Roaming/PolarisOffice/ETemp/21832_22335000/fImage137221591942.png"/>
+          <p:cNvPicPr>
+            <a:picLocks noChangeAspect="1"/>
+          </p:cNvPicPr>
+          <p:nvPr/>
+        </p:nvPicPr>
+        <p:blipFill rotWithShape="1">
+          <a:blip r:embed="rId4" cstate="print">
+            <a:extLst>
+              <a:ext uri="{28A0092B-C50C-407E-A947-70E740481C1C}">
+                <a14:useLocalDpi xmlns:a14="http://schemas.microsoft.com/office/drawing/2010/main" val="0"/>
+              </a:ext>
+            </a:extLst>
+          </a:blip>
+          <a:stretch>
+            <a:fillRect/>
+          </a:stretch>
+        </p:blipFill>
+        <p:spPr>
+          <a:xfrm rot="0">
+            <a:off x="7620000" y="207645"/>
+            <a:ext cx="4366260" cy="3253740"/>
+          </a:xfrm>
+          <a:prstGeom prst="rect"/>
+          <a:noFill/>
+        </p:spPr>
+      </p:pic>
+      <p:pic>
+        <p:nvPicPr>
+          <p:cNvPr id="6" name="그림 28" descr="C:/Users/thswl/AppData/Roaming/PolarisOffice/ETemp/21832_22335000/fImage100711604827.png"/>
+          <p:cNvPicPr>
+            <a:picLocks noChangeAspect="1"/>
+          </p:cNvPicPr>
+          <p:nvPr/>
+        </p:nvPicPr>
+        <p:blipFill rotWithShape="1">
+          <a:blip r:embed="rId5" cstate="print">
+            <a:extLst>
+              <a:ext uri="{28A0092B-C50C-407E-A947-70E740481C1C}">
+                <a14:useLocalDpi xmlns:a14="http://schemas.microsoft.com/office/drawing/2010/main" val="0"/>
+              </a:ext>
+            </a:extLst>
+          </a:blip>
+          <a:stretch>
+            <a:fillRect/>
+          </a:stretch>
+        </p:blipFill>
+        <p:spPr>
+          <a:xfrm rot="0">
+            <a:off x="1762125" y="3603625"/>
+            <a:ext cx="4572635" cy="2667635"/>
+          </a:xfrm>
+          <a:prstGeom prst="rect"/>
+          <a:noFill/>
+        </p:spPr>
+      </p:pic>
+      <mc:AlternateContent xmlns:mc="http://schemas.openxmlformats.org/markup-compatibility/2006" xmlns:p14="http://schemas.microsoft.com/office/powerpoint/2010/main">
+        <mc:Choice Requires="p14">
+          <p:contentPart p14:bwMode="auto" r:id="rId6">
+            <p14:nvContentPartPr>
+              <p14:cNvPr id="8" name="잉크 31"/>
+              <p14:cNvContentPartPr/>
+              <p14:nvPr/>
+            </p14:nvContentPartPr>
+            <p14:xfrm>
+              <a:off x="508000" y="1079500"/>
+              <a:ext cx="920750" cy="1063625"/>
+            </p14:xfrm>
+          </p:contentPart>
+        </mc:Choice>
+      </mc:AlternateContent>
+      <mc:AlternateContent xmlns:mc="http://schemas.openxmlformats.org/markup-compatibility/2006" xmlns:p14="http://schemas.microsoft.com/office/powerpoint/2010/main">
+        <mc:Choice Requires="p14">
+          <p:contentPart p14:bwMode="auto" r:id="rId7">
+            <p14:nvContentPartPr>
+              <p14:cNvPr id="9" name="잉크 32"/>
+              <p14:cNvContentPartPr/>
+              <p14:nvPr/>
+            </p14:nvContentPartPr>
+            <p14:xfrm>
+              <a:off x="1412875" y="1158875"/>
+              <a:ext cx="15875" cy="476250"/>
+            </p14:xfrm>
+          </p:contentPart>
+        </mc:Choice>
+      </mc:AlternateContent>
+      <mc:AlternateContent xmlns:mc="http://schemas.openxmlformats.org/markup-compatibility/2006" xmlns:p14="http://schemas.microsoft.com/office/powerpoint/2010/main">
+        <mc:Choice Requires="p14">
+          <p:contentPart p14:bwMode="auto" r:id="rId8">
+            <p14:nvContentPartPr>
+              <p14:cNvPr id="10" name="잉크 33"/>
+              <p14:cNvContentPartPr/>
+              <p14:nvPr/>
+            </p14:nvContentPartPr>
+            <p14:xfrm>
+              <a:off x="365125" y="4302125"/>
+              <a:ext cx="968375" cy="793750"/>
+            </p14:xfrm>
+          </p:contentPart>
+        </mc:Choice>
+      </mc:AlternateContent>
+      <mc:AlternateContent xmlns:mc="http://schemas.openxmlformats.org/markup-compatibility/2006" xmlns:p14="http://schemas.microsoft.com/office/powerpoint/2010/main">
+        <mc:Choice Requires="p14">
+          <p:contentPart p14:bwMode="auto" r:id="rId9">
+            <p14:nvContentPartPr>
+              <p14:cNvPr id="11" name="잉크 34"/>
+              <p14:cNvContentPartPr/>
+              <p14:nvPr/>
+            </p14:nvContentPartPr>
+            <p14:xfrm>
+              <a:off x="1444625" y="5111750"/>
+              <a:ext cx="15875" cy="15875"/>
+            </p14:xfrm>
+          </p:contentPart>
+        </mc:Choice>
+      </mc:AlternateContent>
+      <mc:AlternateContent xmlns:mc="http://schemas.openxmlformats.org/markup-compatibility/2006" xmlns:p14="http://schemas.microsoft.com/office/powerpoint/2010/main">
+        <mc:Choice Requires="p14">
+          <p:contentPart p14:bwMode="auto" r:id="rId10">
+            <p14:nvContentPartPr>
+              <p14:cNvPr id="12" name="잉크 35"/>
+              <p14:cNvContentPartPr/>
+              <p14:nvPr/>
+            </p14:nvContentPartPr>
+            <p14:xfrm>
+              <a:off x="1079500" y="5095875"/>
+              <a:ext cx="238125" cy="317500"/>
+            </p14:xfrm>
+          </p:contentPart>
+        </mc:Choice>
+      </mc:AlternateContent>
+      <mc:AlternateContent xmlns:mc="http://schemas.openxmlformats.org/markup-compatibility/2006" xmlns:p14="http://schemas.microsoft.com/office/powerpoint/2010/main">
+        <mc:Choice Requires="p14">
+          <p:contentPart p14:bwMode="auto" r:id="rId11">
+            <p14:nvContentPartPr>
+              <p14:cNvPr id="13" name="잉크 36"/>
+              <p14:cNvContentPartPr/>
+              <p14:nvPr/>
+            </p14:nvContentPartPr>
+            <p14:xfrm>
+              <a:off x="5413375" y="111125"/>
+              <a:ext cx="1682750" cy="365125"/>
+            </p14:xfrm>
+          </p:contentPart>
+        </mc:Choice>
+      </mc:AlternateContent>
+      <mc:AlternateContent xmlns:mc="http://schemas.openxmlformats.org/markup-compatibility/2006" xmlns:p14="http://schemas.microsoft.com/office/powerpoint/2010/main">
+        <mc:Choice Requires="p14">
+          <p:contentPart p14:bwMode="auto" r:id="rId12">
+            <p14:nvContentPartPr>
+              <p14:cNvPr id="14" name="잉크 37"/>
+              <p14:cNvContentPartPr/>
+              <p14:nvPr/>
+            </p14:nvContentPartPr>
+            <p14:xfrm>
+              <a:off x="6794500" y="396875"/>
+              <a:ext cx="269875" cy="285750"/>
+            </p14:xfrm>
+          </p:contentPart>
+        </mc:Choice>
+      </mc:AlternateContent>
+      <mc:AlternateContent xmlns:mc="http://schemas.openxmlformats.org/markup-compatibility/2006" xmlns:p14="http://schemas.microsoft.com/office/powerpoint/2010/main">
+        <mc:Choice Requires="p14">
+          <p:contentPart p14:bwMode="auto" r:id="rId13">
+            <p14:nvContentPartPr>
+              <p14:cNvPr id="15" name="잉크 38"/>
+              <p14:cNvContentPartPr/>
+              <p14:nvPr/>
+            </p14:nvContentPartPr>
+            <p14:xfrm>
+              <a:off x="5318125" y="1809750"/>
+              <a:ext cx="587375" cy="523875"/>
+            </p14:xfrm>
+          </p:contentPart>
+        </mc:Choice>
+      </mc:AlternateContent>
+      <mc:AlternateContent xmlns:mc="http://schemas.openxmlformats.org/markup-compatibility/2006" xmlns:p14="http://schemas.microsoft.com/office/powerpoint/2010/main">
+        <mc:Choice Requires="p14">
+          <p:contentPart p14:bwMode="auto" r:id="rId14">
+            <p14:nvContentPartPr>
+              <p14:cNvPr id="16" name="잉크 39"/>
+              <p14:cNvContentPartPr/>
+              <p14:nvPr/>
+            </p14:nvContentPartPr>
+            <p14:xfrm>
+              <a:off x="5937250" y="2032000"/>
+              <a:ext cx="15875" cy="301625"/>
+            </p14:xfrm>
+          </p:contentPart>
+        </mc:Choice>
+      </mc:AlternateContent>
+      <mc:AlternateContent xmlns:mc="http://schemas.openxmlformats.org/markup-compatibility/2006" xmlns:p14="http://schemas.microsoft.com/office/powerpoint/2010/main">
+        <mc:Choice Requires="p14">
+          <p:contentPart p14:bwMode="auto" r:id="rId15">
+            <p14:nvContentPartPr>
+              <p14:cNvPr id="17" name="잉크 40"/>
+              <p14:cNvContentPartPr/>
+              <p14:nvPr/>
+            </p14:nvContentPartPr>
+            <p14:xfrm>
+              <a:off x="5635625" y="2333625"/>
+              <a:ext cx="301625" cy="206375"/>
+            </p14:xfrm>
+          </p:contentPart>
+        </mc:Choice>
+      </mc:AlternateContent>
+      <mc:AlternateContent xmlns:mc="http://schemas.openxmlformats.org/markup-compatibility/2006" xmlns:p14="http://schemas.microsoft.com/office/powerpoint/2010/main">
+        <mc:Choice Requires="p14">
+          <p:contentPart p14:bwMode="auto" r:id="rId16">
+            <p14:nvContentPartPr>
+              <p14:cNvPr id="18" name="잉크 41"/>
+              <p14:cNvContentPartPr/>
+              <p14:nvPr/>
+            </p14:nvContentPartPr>
+            <p14:xfrm>
+              <a:off x="5588000" y="3778250"/>
+              <a:ext cx="1571625" cy="857250"/>
+            </p14:xfrm>
+          </p:contentPart>
+        </mc:Choice>
+      </mc:AlternateContent>
+      <mc:AlternateContent xmlns:mc="http://schemas.openxmlformats.org/markup-compatibility/2006" xmlns:p14="http://schemas.microsoft.com/office/powerpoint/2010/main">
+        <mc:Choice Requires="p14">
+          <p:contentPart p14:bwMode="auto" r:id="rId17">
+            <p14:nvContentPartPr>
+              <p14:cNvPr id="19" name="잉크 42"/>
+              <p14:cNvContentPartPr/>
+              <p14:nvPr/>
+            </p14:nvContentPartPr>
+            <p14:xfrm>
+              <a:off x="7080250" y="4064000"/>
+              <a:ext cx="79375" cy="460375"/>
+            </p14:xfrm>
+          </p:contentPart>
+        </mc:Choice>
+      </mc:AlternateContent>
+      <mc:AlternateContent xmlns:mc="http://schemas.openxmlformats.org/markup-compatibility/2006" xmlns:p14="http://schemas.microsoft.com/office/powerpoint/2010/main">
+        <mc:Choice Requires="p14">
+          <p:contentPart p14:bwMode="auto" r:id="rId18">
+            <p14:nvContentPartPr>
+              <p14:cNvPr id="20" name="잉크 43"/>
+              <p14:cNvContentPartPr/>
+              <p14:nvPr/>
+            </p14:nvContentPartPr>
+            <p14:xfrm>
+              <a:off x="5667375" y="5540375"/>
+              <a:ext cx="1270000" cy="428625"/>
+            </p14:xfrm>
+          </p:contentPart>
+        </mc:Choice>
+      </mc:AlternateContent>
+      <mc:AlternateContent xmlns:mc="http://schemas.openxmlformats.org/markup-compatibility/2006" xmlns:p14="http://schemas.microsoft.com/office/powerpoint/2010/main">
+        <mc:Choice Requires="p14">
+          <p:contentPart p14:bwMode="auto" r:id="rId19">
+            <p14:nvContentPartPr>
+              <p14:cNvPr id="21" name="잉크 44"/>
+              <p14:cNvContentPartPr/>
+              <p14:nvPr/>
+            </p14:nvContentPartPr>
+            <p14:xfrm>
+              <a:off x="6604000" y="5969000"/>
+              <a:ext cx="349250" cy="285750"/>
+            </p14:xfrm>
+          </p:contentPart>
+        </mc:Choice>
+      </mc:AlternateContent>
+      <p:sp>
+        <p:nvSpPr>
+          <p:cNvPr id="22" name="텍스트 상자 45"/>
+          <p:cNvSpPr txBox="1">
+            <a:spLocks/>
+          </p:cNvSpPr>
+          <p:nvPr/>
+        </p:nvSpPr>
+        <p:spPr>
+          <a:xfrm rot="0">
+            <a:off x="635000" y="1873250"/>
+            <a:ext cx="2604135" cy="370205"/>
+          </a:xfrm>
+          <a:prstGeom prst="rect"/>
+          <a:noFill/>
+          <a:ln w="0">
+            <a:noFill/>
+            <a:prstDash/>
+          </a:ln>
+        </p:spPr>
+        <p:txBody>
+          <a:bodyPr wrap="square" lIns="89535" tIns="46355" rIns="89535" bIns="46355" vert="horz" anchor="t">
+            <a:spAutoFit/>
+          </a:bodyPr>
+          <a:lstStyle/>
+          <a:p>
+            <a:pPr marL="0" indent="0" algn="l" hangingPunct="1"/>
+            <a:r>
+              <a:rPr lang="ko-KR" sz="1800">
+                <a:latin typeface="맑은 고딕" charset="0"/>
+                <a:ea typeface="맑은 고딕" charset="0"/>
+              </a:rPr>
+              <a:t>request : LoginUI </a:t>
+            </a:r>
+            <a:endParaRPr lang="ko-KR" altLang="en-US" sz="1800">
+              <a:latin typeface="맑은 고딕" charset="0"/>
+              <a:ea typeface="맑은 고딕" charset="0"/>
+            </a:endParaRPr>
+          </a:p>
+        </p:txBody>
+      </p:sp>
+      <p:sp>
+        <p:nvSpPr>
+          <p:cNvPr id="23" name="텍스트 상자 46"/>
+          <p:cNvSpPr txBox="1">
+            <a:spLocks/>
+          </p:cNvSpPr>
+          <p:nvPr/>
+        </p:nvSpPr>
+        <p:spPr>
+          <a:xfrm rot="0">
+            <a:off x="468630" y="3770630"/>
+            <a:ext cx="2604135" cy="647065"/>
+          </a:xfrm>
+          <a:prstGeom prst="rect"/>
+          <a:noFill/>
+          <a:ln w="0">
+            <a:noFill/>
+            <a:prstDash/>
+          </a:ln>
+        </p:spPr>
+        <p:txBody>
+          <a:bodyPr wrap="square" lIns="89535" tIns="46355" rIns="89535" bIns="46355" vert="horz" anchor="t">
+            <a:spAutoFit/>
+          </a:bodyPr>
+          <a:lstStyle/>
+          <a:p>
+            <a:pPr marL="0" indent="0" algn="l" hangingPunct="1"/>
+            <a:r>
+              <a:rPr lang="ko-KR" sz="1800">
+                <a:latin typeface="맑은 고딕" charset="0"/>
+                <a:ea typeface="맑은 고딕" charset="0"/>
+              </a:rPr>
+              <a:t>request </a:t>
+            </a:r>
+            <a:endParaRPr lang="ko-KR" altLang="en-US" sz="1800">
+              <a:latin typeface="맑은 고딕" charset="0"/>
+              <a:ea typeface="맑은 고딕" charset="0"/>
+            </a:endParaRPr>
+          </a:p>
+          <a:p>
+            <a:pPr marL="0" indent="0" algn="l" hangingPunct="1"/>
+            <a:r>
+              <a:rPr lang="ko-KR" sz="1800">
+                <a:latin typeface="맑은 고딕" charset="0"/>
+                <a:ea typeface="맑은 고딕" charset="0"/>
+              </a:rPr>
+              <a:t>: SignupUI </a:t>
+            </a:r>
+            <a:endParaRPr lang="ko-KR" altLang="en-US" sz="1800">
+              <a:latin typeface="맑은 고딕" charset="0"/>
+              <a:ea typeface="맑은 고딕" charset="0"/>
+            </a:endParaRPr>
+          </a:p>
+        </p:txBody>
+      </p:sp>
+      <p:pic>
+        <p:nvPicPr>
+          <p:cNvPr id="24" name="그림 47" descr="C:/Users/thswl/AppData/Roaming/PolarisOffice/ETemp/21832_22335000/fImage46311795436.png"/>
+          <p:cNvPicPr>
+            <a:picLocks noChangeAspect="1"/>
+          </p:cNvPicPr>
+          <p:nvPr/>
+        </p:nvPicPr>
+        <p:blipFill rotWithShape="1">
+          <a:blip r:embed="rId20" cstate="print">
+            <a:extLst>
+              <a:ext uri="{28A0092B-C50C-407E-A947-70E740481C1C}">
+                <a14:useLocalDpi xmlns:a14="http://schemas.microsoft.com/office/drawing/2010/main" val="0"/>
+              </a:ext>
+            </a:extLst>
+          </a:blip>
+          <a:stretch>
+            <a:fillRect/>
+          </a:stretch>
+        </p:blipFill>
+        <p:spPr>
+          <a:xfrm rot="0">
+            <a:off x="7747000" y="3460750"/>
+            <a:ext cx="3686810" cy="1107440"/>
+          </a:xfrm>
+          <a:prstGeom prst="rect"/>
+          <a:noFill/>
+        </p:spPr>
+      </p:pic>
+      <p:pic>
+        <p:nvPicPr>
+          <p:cNvPr id="25" name="그림 48" descr="C:/Users/thswl/AppData/Roaming/PolarisOffice/ETemp/21832_22335000/fImage188811802391.png"/>
+          <p:cNvPicPr>
+            <a:picLocks noChangeAspect="1"/>
+          </p:cNvPicPr>
+          <p:nvPr/>
+        </p:nvPicPr>
+        <p:blipFill rotWithShape="1">
+          <a:blip r:embed="rId21" cstate="print">
+            <a:extLst>
+              <a:ext uri="{28A0092B-C50C-407E-A947-70E740481C1C}">
+                <a14:useLocalDpi xmlns:a14="http://schemas.microsoft.com/office/drawing/2010/main" val="0"/>
+              </a:ext>
+            </a:extLst>
+          </a:blip>
+          <a:stretch>
+            <a:fillRect/>
+          </a:stretch>
+        </p:blipFill>
+        <p:spPr>
+          <a:xfrm rot="0">
+            <a:off x="7588250" y="4381500"/>
+            <a:ext cx="4407535" cy="954405"/>
+          </a:xfrm>
+          <a:prstGeom prst="rect"/>
+          <a:noFill/>
+        </p:spPr>
+      </p:pic>
+      <p:pic>
+        <p:nvPicPr>
+          <p:cNvPr id="26" name="그림 49" descr="C:/Users/thswl/AppData/Roaming/PolarisOffice/ETemp/21832_22335000/fImage188811814604.png"/>
+          <p:cNvPicPr>
+            <a:picLocks noChangeAspect="1"/>
+          </p:cNvPicPr>
+          <p:nvPr/>
+        </p:nvPicPr>
+        <p:blipFill rotWithShape="1">
+          <a:blip r:embed="rId22" cstate="print">
+            <a:extLst>
+              <a:ext uri="{28A0092B-C50C-407E-A947-70E740481C1C}">
+                <a14:useLocalDpi xmlns:a14="http://schemas.microsoft.com/office/drawing/2010/main" val="0"/>
+              </a:ext>
+            </a:extLst>
+          </a:blip>
+          <a:stretch>
+            <a:fillRect/>
+          </a:stretch>
+        </p:blipFill>
+        <p:spPr>
+          <a:xfrm rot="0">
+            <a:off x="7620000" y="4381500"/>
+            <a:ext cx="4407535" cy="954405"/>
+          </a:xfrm>
+          <a:prstGeom prst="rect"/>
+          <a:noFill/>
+        </p:spPr>
+      </p:pic>
+      <p:sp>
+        <p:nvSpPr>
+          <p:cNvPr id="27" name="텍스트 상자 50"/>
+          <p:cNvSpPr txBox="1">
+            <a:spLocks/>
+          </p:cNvSpPr>
+          <p:nvPr/>
+        </p:nvSpPr>
+        <p:spPr>
+          <a:xfrm rot="0">
+            <a:off x="4318000" y="127000"/>
+            <a:ext cx="1619885" cy="370205"/>
+          </a:xfrm>
+          <a:prstGeom prst="rect"/>
+          <a:noFill/>
+          <a:ln w="0">
+            <a:noFill/>
+            <a:prstDash/>
+          </a:ln>
+        </p:spPr>
+        <p:txBody>
+          <a:bodyPr wrap="square" lIns="89535" tIns="46355" rIns="89535" bIns="46355" vert="horz" anchor="t">
+            <a:spAutoFit/>
+          </a:bodyPr>
+          <a:lstStyle/>
+          <a:p>
+            <a:pPr marL="0" indent="0" algn="l" hangingPunct="1"/>
+            <a:r>
+              <a:rPr lang="ko-KR" sz="1800">
+                <a:latin typeface="맑은 고딕" charset="0"/>
+                <a:ea typeface="맑은 고딕" charset="0"/>
+              </a:rPr>
+              <a:t>로그인성공</a:t>
+            </a:r>
+            <a:endParaRPr lang="ko-KR" altLang="en-US" sz="1800">
+              <a:latin typeface="맑은 고딕" charset="0"/>
+              <a:ea typeface="맑은 고딕" charset="0"/>
+            </a:endParaRPr>
+          </a:p>
+        </p:txBody>
+      </p:sp>
+      <p:sp>
+        <p:nvSpPr>
+          <p:cNvPr id="28" name="텍스트 상자 51"/>
+          <p:cNvSpPr txBox="1">
+            <a:spLocks/>
+          </p:cNvSpPr>
+          <p:nvPr/>
+        </p:nvSpPr>
+        <p:spPr>
+          <a:xfrm rot="0">
+            <a:off x="4326255" y="2278380"/>
+            <a:ext cx="1619885" cy="370205"/>
+          </a:xfrm>
+          <a:prstGeom prst="rect"/>
+          <a:noFill/>
+          <a:ln w="0">
+            <a:noFill/>
+            <a:prstDash/>
+          </a:ln>
+        </p:spPr>
+        <p:txBody>
+          <a:bodyPr wrap="square" lIns="89535" tIns="46355" rIns="89535" bIns="46355" vert="horz" anchor="t">
+            <a:spAutoFit/>
+          </a:bodyPr>
+          <a:lstStyle/>
+          <a:p>
+            <a:pPr marL="0" indent="0" algn="l" hangingPunct="1"/>
+            <a:r>
+              <a:rPr lang="ko-KR" sz="1800">
+                <a:latin typeface="맑은 고딕" charset="0"/>
+                <a:ea typeface="맑은 고딕" charset="0"/>
+              </a:rPr>
+              <a:t>로그인실패</a:t>
+            </a:r>
+            <a:endParaRPr lang="ko-KR" altLang="en-US" sz="1800">
+              <a:latin typeface="맑은 고딕" charset="0"/>
+              <a:ea typeface="맑은 고딕" charset="0"/>
+            </a:endParaRPr>
+          </a:p>
+        </p:txBody>
+      </p:sp>
+      <p:sp>
+        <p:nvSpPr>
+          <p:cNvPr id="29" name="텍스트 상자 52"/>
+          <p:cNvSpPr txBox="1">
+            <a:spLocks/>
+          </p:cNvSpPr>
+          <p:nvPr/>
+        </p:nvSpPr>
+        <p:spPr>
+          <a:xfrm rot="0">
+            <a:off x="4818380" y="3881755"/>
+            <a:ext cx="1619885" cy="370205"/>
+          </a:xfrm>
+          <a:prstGeom prst="rect"/>
+          <a:noFill/>
+          <a:ln w="0">
+            <a:noFill/>
+            <a:prstDash/>
+          </a:ln>
+        </p:spPr>
+        <p:txBody>
+          <a:bodyPr wrap="square" lIns="89535" tIns="46355" rIns="89535" bIns="46355" vert="horz" anchor="t">
+            <a:spAutoFit/>
+          </a:bodyPr>
+          <a:lstStyle/>
+          <a:p>
+            <a:pPr marL="0" indent="0" algn="l" hangingPunct="1"/>
+            <a:r>
+              <a:rPr lang="ko-KR" sz="1800">
+                <a:latin typeface="맑은 고딕" charset="0"/>
+                <a:ea typeface="맑은 고딕" charset="0"/>
+              </a:rPr>
+              <a:t>회원가입성공</a:t>
+            </a:r>
+            <a:endParaRPr lang="ko-KR" altLang="en-US" sz="1800">
+              <a:latin typeface="맑은 고딕" charset="0"/>
+              <a:ea typeface="맑은 고딕" charset="0"/>
+            </a:endParaRPr>
+          </a:p>
+        </p:txBody>
+      </p:sp>
+      <p:sp>
+        <p:nvSpPr>
+          <p:cNvPr id="30" name="텍스트 상자 53"/>
+          <p:cNvSpPr txBox="1">
+            <a:spLocks/>
+          </p:cNvSpPr>
+          <p:nvPr/>
+        </p:nvSpPr>
+        <p:spPr>
+          <a:xfrm rot="0">
+            <a:off x="4874260" y="5906135"/>
+            <a:ext cx="1619885" cy="370205"/>
+          </a:xfrm>
+          <a:prstGeom prst="rect"/>
+          <a:noFill/>
+          <a:ln w="0">
+            <a:noFill/>
+            <a:prstDash/>
+          </a:ln>
+        </p:spPr>
+        <p:txBody>
+          <a:bodyPr wrap="square" lIns="89535" tIns="46355" rIns="89535" bIns="46355" vert="horz" anchor="t">
+            <a:spAutoFit/>
+          </a:bodyPr>
+          <a:lstStyle/>
+          <a:p>
+            <a:pPr marL="0" indent="0" algn="l" hangingPunct="1"/>
+            <a:r>
+              <a:rPr lang="ko-KR" sz="1800">
+                <a:latin typeface="맑은 고딕" charset="0"/>
+                <a:ea typeface="맑은 고딕" charset="0"/>
+              </a:rPr>
+              <a:t>회원가입실패</a:t>
+            </a:r>
+            <a:endParaRPr lang="ko-KR" altLang="en-US" sz="1800">
+              <a:latin typeface="맑은 고딕" charset="0"/>
+              <a:ea typeface="맑은 고딕" charset="0"/>
+            </a:endParaRPr>
+          </a:p>
+        </p:txBody>
+      </p:sp>
+      <p:sp>
+        <p:nvSpPr>
+          <p:cNvPr id="31" name="텍스트 상자 54"/>
+          <p:cNvSpPr txBox="1">
+            <a:spLocks/>
+          </p:cNvSpPr>
+          <p:nvPr/>
+        </p:nvSpPr>
+        <p:spPr>
+          <a:xfrm rot="0">
+            <a:off x="6191250" y="2114550"/>
+            <a:ext cx="1238885" cy="647065"/>
+          </a:xfrm>
+          <a:prstGeom prst="rect"/>
+          <a:noFill/>
+          <a:ln w="0">
+            <a:noFill/>
+            <a:prstDash/>
+          </a:ln>
+        </p:spPr>
+        <p:txBody>
+          <a:bodyPr wrap="square" lIns="89535" tIns="46355" rIns="89535" bIns="46355" vert="horz" anchor="t">
+            <a:spAutoFit/>
+          </a:bodyPr>
+          <a:lstStyle/>
+          <a:p>
+            <a:pPr marL="0" indent="0" algn="l" hangingPunct="1"/>
+            <a:r>
+              <a:rPr lang="ko-KR" sz="1800">
+                <a:latin typeface="맑은 고딕" charset="0"/>
+                <a:ea typeface="맑은 고딕" charset="0"/>
+              </a:rPr>
+              <a:t>response</a:t>
+            </a:r>
+            <a:endParaRPr lang="ko-KR" altLang="en-US" sz="1800">
+              <a:latin typeface="맑은 고딕" charset="0"/>
+              <a:ea typeface="맑은 고딕" charset="0"/>
+            </a:endParaRPr>
+          </a:p>
+          <a:p>
+            <a:pPr marL="0" indent="0" algn="l" hangingPunct="1"/>
+            <a:r>
+              <a:rPr lang="ko-KR" sz="1800">
+                <a:latin typeface="맑은 고딕" charset="0"/>
+                <a:ea typeface="맑은 고딕" charset="0"/>
+              </a:rPr>
+              <a:t>: login.jsp</a:t>
+            </a:r>
+            <a:endParaRPr lang="ko-KR" altLang="en-US" sz="1800">
+              <a:latin typeface="맑은 고딕" charset="0"/>
+              <a:ea typeface="맑은 고딕" charset="0"/>
+            </a:endParaRPr>
+          </a:p>
+        </p:txBody>
+      </p:sp>
+      <p:sp>
+        <p:nvSpPr>
+          <p:cNvPr id="32" name="텍스트 상자 55"/>
+          <p:cNvSpPr txBox="1">
+            <a:spLocks/>
+          </p:cNvSpPr>
+          <p:nvPr/>
+        </p:nvSpPr>
+        <p:spPr>
+          <a:xfrm rot="0">
+            <a:off x="7501255" y="5786755"/>
+            <a:ext cx="1357630" cy="647065"/>
+          </a:xfrm>
+          <a:prstGeom prst="rect"/>
+          <a:noFill/>
+          <a:ln w="0">
+            <a:noFill/>
+            <a:prstDash/>
+          </a:ln>
+        </p:spPr>
+        <p:txBody>
+          <a:bodyPr wrap="square" lIns="89535" tIns="46355" rIns="89535" bIns="46355" vert="horz" anchor="t">
+            <a:spAutoFit/>
+          </a:bodyPr>
+          <a:lstStyle/>
+          <a:p>
+            <a:pPr marL="0" indent="0" algn="l" hangingPunct="1"/>
+            <a:r>
+              <a:rPr lang="ko-KR" sz="1800">
+                <a:latin typeface="맑은 고딕" charset="0"/>
+                <a:ea typeface="맑은 고딕" charset="0"/>
+              </a:rPr>
+              <a:t>response</a:t>
+            </a:r>
+            <a:endParaRPr lang="ko-KR" altLang="en-US" sz="1800">
+              <a:latin typeface="맑은 고딕" charset="0"/>
+              <a:ea typeface="맑은 고딕" charset="0"/>
+            </a:endParaRPr>
+          </a:p>
+          <a:p>
+            <a:pPr marL="0" indent="0" algn="l" hangingPunct="1"/>
+            <a:r>
+              <a:rPr lang="ko-KR" sz="1800">
+                <a:latin typeface="맑은 고딕" charset="0"/>
+                <a:ea typeface="맑은 고딕" charset="0"/>
+              </a:rPr>
+              <a:t>: signup.jsp</a:t>
+            </a:r>
+            <a:endParaRPr lang="ko-KR" altLang="en-US" sz="1800">
+              <a:latin typeface="맑은 고딕" charset="0"/>
+              <a:ea typeface="맑은 고딕" charset="0"/>
+            </a:endParaRPr>
+          </a:p>
+        </p:txBody>
+      </p:sp>
+      <p:sp>
+        <p:nvSpPr>
+          <p:cNvPr id="33" name="텍스트 상자 56"/>
+          <p:cNvSpPr txBox="1">
+            <a:spLocks/>
+          </p:cNvSpPr>
+          <p:nvPr/>
+        </p:nvSpPr>
+        <p:spPr>
+          <a:xfrm rot="0">
+            <a:off x="10530205" y="3767455"/>
+            <a:ext cx="1238885" cy="647065"/>
+          </a:xfrm>
+          <a:prstGeom prst="rect"/>
+          <a:noFill/>
+          <a:ln w="0">
+            <a:noFill/>
+            <a:prstDash/>
+          </a:ln>
+        </p:spPr>
+        <p:txBody>
+          <a:bodyPr wrap="square" lIns="89535" tIns="46355" rIns="89535" bIns="46355" vert="horz" anchor="t">
+            <a:spAutoFit/>
+          </a:bodyPr>
+          <a:lstStyle/>
+          <a:p>
+            <a:pPr marL="0" indent="0" algn="l" hangingPunct="1"/>
+            <a:r>
+              <a:rPr lang="ko-KR" sz="1800">
+                <a:latin typeface="맑은 고딕" charset="0"/>
+                <a:ea typeface="맑은 고딕" charset="0"/>
+              </a:rPr>
+              <a:t>response</a:t>
+            </a:r>
+            <a:endParaRPr lang="ko-KR" altLang="en-US" sz="1800">
+              <a:latin typeface="맑은 고딕" charset="0"/>
+              <a:ea typeface="맑은 고딕" charset="0"/>
+            </a:endParaRPr>
+          </a:p>
+          <a:p>
+            <a:pPr marL="0" indent="0" algn="l" hangingPunct="1"/>
+            <a:r>
+              <a:rPr lang="ko-KR" sz="1800">
+                <a:latin typeface="맑은 고딕" charset="0"/>
+                <a:ea typeface="맑은 고딕" charset="0"/>
+              </a:rPr>
+              <a:t>: login.jsp</a:t>
+            </a:r>
+            <a:endParaRPr lang="ko-KR" altLang="en-US" sz="1800">
+              <a:latin typeface="맑은 고딕" charset="0"/>
+              <a:ea typeface="맑은 고딕" charset="0"/>
+            </a:endParaRPr>
+          </a:p>
+        </p:txBody>
+      </p:sp>
+      <p:sp>
+        <p:nvSpPr>
+          <p:cNvPr id="34" name="텍스트 상자 57"/>
+          <p:cNvSpPr txBox="1">
+            <a:spLocks/>
+          </p:cNvSpPr>
+          <p:nvPr/>
+        </p:nvSpPr>
+        <p:spPr>
+          <a:xfrm rot="0">
+            <a:off x="10506710" y="734060"/>
+            <a:ext cx="1571625" cy="647065"/>
+          </a:xfrm>
+          <a:prstGeom prst="rect"/>
+          <a:noFill/>
+          <a:ln w="0">
+            <a:noFill/>
+            <a:prstDash/>
+          </a:ln>
+        </p:spPr>
+        <p:txBody>
+          <a:bodyPr wrap="square" lIns="89535" tIns="46355" rIns="89535" bIns="46355" vert="horz" anchor="t">
+            <a:spAutoFit/>
+          </a:bodyPr>
+          <a:lstStyle/>
+          <a:p>
+            <a:pPr marL="0" indent="0" algn="l" hangingPunct="1"/>
+            <a:r>
+              <a:rPr lang="ko-KR" sz="1800">
+                <a:latin typeface="맑은 고딕" charset="0"/>
+                <a:ea typeface="맑은 고딕" charset="0"/>
+              </a:rPr>
+              <a:t>response</a:t>
+            </a:r>
+            <a:endParaRPr lang="ko-KR" altLang="en-US" sz="1800">
+              <a:latin typeface="맑은 고딕" charset="0"/>
+              <a:ea typeface="맑은 고딕" charset="0"/>
+            </a:endParaRPr>
+          </a:p>
+          <a:p>
+            <a:pPr marL="0" indent="0" algn="l" hangingPunct="1"/>
+            <a:r>
+              <a:rPr lang="ko-KR" sz="1800">
+                <a:latin typeface="맑은 고딕" charset="0"/>
+                <a:ea typeface="맑은 고딕" charset="0"/>
+              </a:rPr>
+              <a:t>: userInfo.jsp</a:t>
+            </a:r>
+            <a:endParaRPr lang="ko-KR" altLang="en-US" sz="1800">
+              <a:latin typeface="맑은 고딕" charset="0"/>
+              <a:ea typeface="맑은 고딕" charset="0"/>
+            </a:endParaRPr>
+          </a:p>
+        </p:txBody>
+      </p:sp>
+    </p:spTree>
+  </p:cSld>
+  <p:clrMapOvr>
+    <a:masterClrMapping/>
+  </p:clrMapOvr>
+  <mc:AlternateContent xmlns:mc="http://schemas.openxmlformats.org/markup-compatibility/2006">
+    <mc:Choice xmlns:p14="http://schemas.microsoft.com/office/powerpoint/2010/main" Requires="p14">
+      <p:transition spd="slow" p14:dur="2000"/>
+    </mc:Choice>
+    <mc:Fallback>
+      <p:transition spd="slow"/>
+    </mc:Fallback>
+  </mc:AlternateContent>
+</p:sld>
+</file>
+
+<file path=ppt/slides/slide13.xml><?xml version="1.0" encoding="utf-8"?>
+<p:sld xmlns:a="http://schemas.openxmlformats.org/drawingml/2006/main" xmlns:r="http://schemas.openxmlformats.org/officeDocument/2006/relationships" xmlns:p="http://schemas.openxmlformats.org/presentationml/2006/main">
+  <p:cSld>
+    <p:spTree>
+      <p:nvGrpSpPr>
+        <p:cNvPr id="1" name=""/>
+        <p:cNvGrpSpPr/>
+        <p:nvPr/>
+      </p:nvGrpSpPr>
+      <p:grpSpPr>
+        <a:xfrm>
+          <a:off x="0" y="0"/>
+          <a:ext cx="0" cy="0"/>
+          <a:chOff x="0" y="0"/>
+          <a:chExt cx="0" cy="0"/>
+        </a:xfrm>
+      </p:grpSpPr>
     </p:spTree>
   </p:cSld>
   <p:clrMapOvr>
@@ -4180,896 +5859,46 @@
       </p:grpSpPr>
       <p:sp>
         <p:nvSpPr>
-          <p:cNvPr id="5" name="TextBox 4">
-            <a:extLst>
-              <a:ext uri="{FF2B5EF4-FFF2-40B4-BE49-F238E27FC236}">
-                <a16:creationId xmlns:a16="http://schemas.microsoft.com/office/drawing/2014/main" id="{8C8C0C4E-6D68-4CE3-8DB5-F4518C62F511}"/>
-              </a:ext>
-            </a:extLst>
-          </p:cNvPr>
-          <p:cNvSpPr txBox="1"/>
+          <p:cNvPr id="2" name="TextBox 1"/>
+          <p:cNvSpPr txBox="1">
+            <a:spLocks/>
+          </p:cNvSpPr>
           <p:nvPr/>
         </p:nvSpPr>
         <p:spPr>
-          <a:xfrm>
-            <a:off x="1699895" y="1645285"/>
-            <a:ext cx="3937000" cy="2186305"/>
-          </a:xfrm>
-          <a:prstGeom prst="rect">
-            <a:avLst/>
-          </a:prstGeom>
+          <a:xfrm rot="0">
+            <a:off x="365760" y="316230"/>
+            <a:ext cx="4884420" cy="368935"/>
+          </a:xfrm>
+          <a:prstGeom prst="rect"/>
           <a:noFill/>
         </p:spPr>
         <p:txBody>
-          <a:bodyPr wrap="square" rtlCol="0">
+          <a:bodyPr wrap="square" lIns="91440" tIns="45720" rIns="91440" bIns="45720" numCol="1" vert="horz" anchor="t">
             <a:spAutoFit/>
           </a:bodyPr>
           <a:lstStyle/>
           <a:p>
-            <a:pPr algn="just">
-              <a:lnSpc>
-                <a:spcPct val="107000"/>
-              </a:lnSpc>
-              <a:spcAft>
-                <a:spcPts val="800"/>
-              </a:spcAft>
+            <a:pPr marL="0" indent="0" latinLnBrk="0">
+              <a:buFontTx/>
+              <a:buNone/>
             </a:pPr>
             <a:r>
-              <a:rPr lang="en-US" altLang="ko-KR" sz="1600" smtClean="0">
-                <a:effectLst/>
-                <a:latin typeface="+mn-ea"/>
-                <a:cs typeface="NanumGothic" pitchFamily="2" charset="-127"/>
+              <a:rPr lang="en-US" altLang="ko-KR" b="1">
+                <a:latin typeface="맑은 고딕" charset="0"/>
               </a:rPr>
               <a:t>1. </a:t>
             </a:r>
             <a:r>
-              <a:rPr lang="ko-KR" altLang="ko-KR" sz="1600" dirty="0">
-                <a:effectLst/>
-                <a:latin typeface="+mn-ea"/>
-                <a:cs typeface="NanumGothic" pitchFamily="2" charset="-127"/>
+              <a:rPr lang="ko-KR" altLang="ko-KR">
+                <a:latin typeface="맑은 고딕" charset="0"/>
+                <a:cs typeface="NanumGothic" charset="0"/>
               </a:rPr>
-              <a:t>학생관점</a:t>
-            </a:r>
-          </a:p>
-          <a:p>
-            <a:pPr algn="just">
-              <a:lnSpc>
-                <a:spcPct val="107000"/>
-              </a:lnSpc>
-              <a:spcAft>
-                <a:spcPts val="800"/>
-              </a:spcAft>
-            </a:pPr>
-            <a:r>
-              <a:rPr lang="en-US" altLang="ko-KR" sz="1600" dirty="0">
-                <a:effectLst/>
-                <a:latin typeface="+mn-ea"/>
-                <a:cs typeface="NanumGothic" pitchFamily="2" charset="-127"/>
-              </a:rPr>
-              <a:t>- </a:t>
-            </a:r>
-            <a:r>
-              <a:rPr lang="ko-KR" altLang="ko-KR" sz="1600" dirty="0">
-                <a:effectLst/>
-                <a:latin typeface="+mn-ea"/>
-                <a:cs typeface="NanumGothic" pitchFamily="2" charset="-127"/>
-              </a:rPr>
-              <a:t>학점 조회</a:t>
-            </a:r>
-          </a:p>
-          <a:p>
-            <a:pPr algn="just">
-              <a:lnSpc>
-                <a:spcPct val="107000"/>
-              </a:lnSpc>
-              <a:spcAft>
-                <a:spcPts val="800"/>
-              </a:spcAft>
-            </a:pPr>
-            <a:r>
-              <a:rPr lang="en-US" altLang="ko-KR" sz="1600" dirty="0">
-                <a:effectLst/>
-                <a:latin typeface="+mn-ea"/>
-                <a:cs typeface="NanumGothic" pitchFamily="2" charset="-127"/>
-              </a:rPr>
-              <a:t>- </a:t>
-            </a:r>
-            <a:r>
-              <a:rPr lang="ko-KR" altLang="ko-KR" sz="1600" dirty="0">
-                <a:effectLst/>
-                <a:latin typeface="+mn-ea"/>
-                <a:cs typeface="NanumGothic" pitchFamily="2" charset="-127"/>
-              </a:rPr>
-              <a:t>전체 강의</a:t>
-            </a:r>
-            <a:r>
-              <a:rPr lang="en-US" altLang="ko-KR" sz="1600" dirty="0">
-                <a:effectLst/>
-                <a:latin typeface="+mn-ea"/>
-                <a:cs typeface="NanumGothic" pitchFamily="2" charset="-127"/>
-              </a:rPr>
-              <a:t>(</a:t>
-            </a:r>
-            <a:r>
-              <a:rPr lang="ko-KR" altLang="ko-KR" sz="1600" dirty="0">
-                <a:effectLst/>
-                <a:latin typeface="+mn-ea"/>
-                <a:cs typeface="NanumGothic" pitchFamily="2" charset="-127"/>
-              </a:rPr>
-              <a:t>과목</a:t>
-            </a:r>
-            <a:r>
-              <a:rPr lang="en-US" altLang="ko-KR" sz="1600" dirty="0">
-                <a:effectLst/>
-                <a:latin typeface="+mn-ea"/>
-                <a:cs typeface="NanumGothic" pitchFamily="2" charset="-127"/>
-              </a:rPr>
-              <a:t>) </a:t>
-            </a:r>
-            <a:r>
-              <a:rPr lang="ko-KR" altLang="ko-KR" sz="1600" dirty="0">
-                <a:effectLst/>
-                <a:latin typeface="+mn-ea"/>
-                <a:cs typeface="NanumGothic" pitchFamily="2" charset="-127"/>
-              </a:rPr>
-              <a:t>정보 조회</a:t>
-            </a:r>
-          </a:p>
-          <a:p>
-            <a:pPr algn="just">
-              <a:lnSpc>
-                <a:spcPct val="107000"/>
-              </a:lnSpc>
-              <a:spcAft>
-                <a:spcPts val="800"/>
-              </a:spcAft>
-            </a:pPr>
-            <a:r>
-              <a:rPr lang="en-US" altLang="ko-KR" sz="1600" dirty="0">
-                <a:effectLst/>
-                <a:latin typeface="+mn-ea"/>
-                <a:cs typeface="NanumGothic" pitchFamily="2" charset="-127"/>
-              </a:rPr>
-              <a:t>- </a:t>
-            </a:r>
-            <a:r>
-              <a:rPr lang="ko-KR" altLang="ko-KR" sz="1600" dirty="0">
-                <a:effectLst/>
-                <a:latin typeface="+mn-ea"/>
-                <a:cs typeface="NanumGothic" pitchFamily="2" charset="-127"/>
-              </a:rPr>
-              <a:t>수강신청</a:t>
-            </a:r>
-          </a:p>
-          <a:p>
-            <a:pPr algn="just">
-              <a:lnSpc>
-                <a:spcPct val="107000"/>
-              </a:lnSpc>
-              <a:spcAft>
-                <a:spcPts val="800"/>
-              </a:spcAft>
-            </a:pPr>
-            <a:r>
-              <a:rPr lang="en-US" altLang="ko-KR" sz="1600" dirty="0">
-                <a:effectLst/>
-                <a:latin typeface="+mn-ea"/>
-                <a:cs typeface="NanumGothic" pitchFamily="2" charset="-127"/>
-              </a:rPr>
-              <a:t>- </a:t>
-            </a:r>
-            <a:r>
-              <a:rPr lang="ko-KR" altLang="ko-KR" sz="1600" dirty="0">
-                <a:effectLst/>
-                <a:latin typeface="+mn-ea"/>
-                <a:cs typeface="NanumGothic" pitchFamily="2" charset="-127"/>
-              </a:rPr>
-              <a:t>수강신청 강의</a:t>
-            </a:r>
-            <a:r>
-              <a:rPr lang="en-US" altLang="ko-KR" sz="1600" dirty="0">
-                <a:effectLst/>
-                <a:latin typeface="+mn-ea"/>
-                <a:cs typeface="NanumGothic" pitchFamily="2" charset="-127"/>
-              </a:rPr>
-              <a:t>(</a:t>
-            </a:r>
-            <a:r>
-              <a:rPr lang="ko-KR" altLang="ko-KR" sz="1600" dirty="0">
-                <a:effectLst/>
-                <a:latin typeface="+mn-ea"/>
-                <a:cs typeface="NanumGothic" pitchFamily="2" charset="-127"/>
-              </a:rPr>
-              <a:t>과목</a:t>
-            </a:r>
-            <a:r>
-              <a:rPr lang="en-US" altLang="ko-KR" sz="1600" dirty="0">
-                <a:effectLst/>
-                <a:latin typeface="+mn-ea"/>
-                <a:cs typeface="NanumGothic" pitchFamily="2" charset="-127"/>
-              </a:rPr>
-              <a:t>) </a:t>
-            </a:r>
-            <a:r>
-              <a:rPr lang="ko-KR" altLang="ko-KR" sz="1600" dirty="0">
-                <a:effectLst/>
-                <a:latin typeface="+mn-ea"/>
-                <a:cs typeface="NanumGothic" pitchFamily="2" charset="-127"/>
-              </a:rPr>
-              <a:t>정보 조회</a:t>
-            </a:r>
-          </a:p>
-          <a:p>
-            <a:pPr algn="just">
-              <a:lnSpc>
-                <a:spcPct val="107000"/>
-              </a:lnSpc>
-              <a:spcAft>
-                <a:spcPts val="800"/>
-              </a:spcAft>
-            </a:pPr>
-            <a:r>
-              <a:rPr lang="en-US" altLang="ko-KR" sz="1600" smtClean="0">
-                <a:effectLst/>
-                <a:latin typeface="+mn-ea"/>
-                <a:cs typeface="NanumGothic" pitchFamily="2" charset="-127"/>
-              </a:rPr>
-              <a:t>- </a:t>
-            </a:r>
-            <a:r>
-              <a:rPr lang="ko-KR" altLang="ko-KR" sz="1600" smtClean="0">
-                <a:effectLst/>
-                <a:latin typeface="+mn-ea"/>
-                <a:cs typeface="NanumGothic" pitchFamily="2" charset="-127"/>
-              </a:rPr>
-              <a:t>휴학</a:t>
-            </a:r>
-            <a:r>
-              <a:rPr lang="en-US" altLang="ko-KR" sz="1600" smtClean="0">
-                <a:effectLst/>
-                <a:latin typeface="+mn-ea"/>
-                <a:cs typeface="NanumGothic" pitchFamily="2" charset="-127"/>
-              </a:rPr>
-              <a:t>/</a:t>
-            </a:r>
-            <a:r>
-              <a:rPr lang="ko-KR" altLang="ko-KR" sz="1600" smtClean="0">
-                <a:effectLst/>
-                <a:latin typeface="+mn-ea"/>
-                <a:cs typeface="NanumGothic" pitchFamily="2" charset="-127"/>
-              </a:rPr>
-              <a:t>복학 신청</a:t>
-            </a:r>
-            <a:endParaRPr lang="en-US" altLang="ko-KR" sz="1600" smtClean="0">
-              <a:effectLst/>
-              <a:latin typeface="+mn-ea"/>
-              <a:cs typeface="NanumGothic" pitchFamily="2" charset="-127"/>
-            </a:endParaRPr>
-          </a:p>
-        </p:txBody>
-      </p:sp>
-      <p:sp>
-        <p:nvSpPr>
-          <p:cNvPr id="6" name="TextBox 5">
-            <a:extLst>
-              <a:ext uri="{FF2B5EF4-FFF2-40B4-BE49-F238E27FC236}">
-                <a16:creationId xmlns:a16="http://schemas.microsoft.com/office/drawing/2014/main" id="{63225E37-0118-43AC-9DA0-16C9EABCE818}"/>
-              </a:ext>
-            </a:extLst>
-          </p:cNvPr>
-          <p:cNvSpPr txBox="1"/>
-          <p:nvPr/>
-        </p:nvSpPr>
-        <p:spPr>
-          <a:xfrm>
-            <a:off x="5636895" y="1652270"/>
-            <a:ext cx="5066030" cy="1454150"/>
-          </a:xfrm>
-          <a:prstGeom prst="rect">
-            <a:avLst/>
-          </a:prstGeom>
-          <a:noFill/>
-        </p:spPr>
-        <p:txBody>
-          <a:bodyPr wrap="square" rtlCol="0">
-            <a:spAutoFit/>
-          </a:bodyPr>
-          <a:lstStyle/>
-          <a:p>
-            <a:pPr algn="just">
-              <a:lnSpc>
-                <a:spcPct val="107000"/>
-              </a:lnSpc>
-              <a:spcAft>
-                <a:spcPts val="800"/>
-              </a:spcAft>
-            </a:pPr>
-            <a:r>
-              <a:rPr lang="en-US" altLang="ko-KR" sz="1600" smtClean="0">
-                <a:effectLst/>
-                <a:latin typeface="+mn-ea"/>
-                <a:cs typeface="NanumGothic" pitchFamily="2" charset="-127"/>
-              </a:rPr>
-              <a:t>3. </a:t>
-            </a:r>
-            <a:r>
-              <a:rPr lang="ko-KR" altLang="ko-KR" sz="1600" dirty="0">
-                <a:effectLst/>
-                <a:latin typeface="+mn-ea"/>
-                <a:cs typeface="NanumGothic" pitchFamily="2" charset="-127"/>
-              </a:rPr>
-              <a:t>관리자</a:t>
-            </a:r>
-          </a:p>
-          <a:p>
-            <a:pPr algn="just">
-              <a:lnSpc>
-                <a:spcPct val="107000"/>
-              </a:lnSpc>
-              <a:spcAft>
-                <a:spcPts val="800"/>
-              </a:spcAft>
-            </a:pPr>
-            <a:r>
-              <a:rPr lang="en-US" altLang="ko-KR" sz="1600" dirty="0">
-                <a:effectLst/>
-                <a:latin typeface="+mn-ea"/>
-                <a:cs typeface="NanumGothic" pitchFamily="2" charset="-127"/>
-              </a:rPr>
-              <a:t>- </a:t>
-            </a:r>
-            <a:r>
-              <a:rPr lang="ko-KR" altLang="ko-KR" sz="1600" dirty="0">
-                <a:effectLst/>
-                <a:latin typeface="+mn-ea"/>
-                <a:cs typeface="NanumGothic" pitchFamily="2" charset="-127"/>
-              </a:rPr>
-              <a:t>학생 학적</a:t>
-            </a:r>
-            <a:r>
-              <a:rPr lang="en-US" altLang="ko-KR" sz="1600" dirty="0">
-                <a:effectLst/>
-                <a:latin typeface="+mn-ea"/>
-                <a:cs typeface="NanumGothic" pitchFamily="2" charset="-127"/>
-              </a:rPr>
-              <a:t>(</a:t>
-            </a:r>
-            <a:r>
-              <a:rPr lang="ko-KR" altLang="ko-KR" sz="1600" dirty="0">
-                <a:effectLst/>
-                <a:latin typeface="+mn-ea"/>
-                <a:cs typeface="NanumGothic" pitchFamily="2" charset="-127"/>
-              </a:rPr>
-              <a:t>정보</a:t>
-            </a:r>
-            <a:r>
-              <a:rPr lang="en-US" altLang="ko-KR" sz="1600" dirty="0">
-                <a:effectLst/>
-                <a:latin typeface="+mn-ea"/>
-                <a:cs typeface="NanumGothic" pitchFamily="2" charset="-127"/>
-              </a:rPr>
-              <a:t>) </a:t>
-            </a:r>
-            <a:r>
-              <a:rPr lang="ko-KR" altLang="ko-KR" sz="1600" dirty="0">
-                <a:effectLst/>
-                <a:latin typeface="+mn-ea"/>
-                <a:cs typeface="NanumGothic" pitchFamily="2" charset="-127"/>
-              </a:rPr>
-              <a:t>등록 및 수정</a:t>
-            </a:r>
-          </a:p>
-          <a:p>
-            <a:pPr algn="just">
-              <a:lnSpc>
-                <a:spcPct val="107000"/>
-              </a:lnSpc>
-              <a:spcAft>
-                <a:spcPts val="800"/>
-              </a:spcAft>
-            </a:pPr>
-            <a:r>
-              <a:rPr lang="en-US" altLang="ko-KR" sz="1600" dirty="0">
-                <a:effectLst/>
-                <a:latin typeface="+mn-ea"/>
-                <a:cs typeface="NanumGothic" pitchFamily="2" charset="-127"/>
-              </a:rPr>
-              <a:t>- </a:t>
-            </a:r>
-            <a:r>
-              <a:rPr lang="ko-KR" altLang="ko-KR" sz="1600" dirty="0">
-                <a:effectLst/>
-                <a:latin typeface="+mn-ea"/>
-                <a:cs typeface="NanumGothic" pitchFamily="2" charset="-127"/>
-              </a:rPr>
-              <a:t>학생 입학 졸업</a:t>
-            </a:r>
-            <a:r>
-              <a:rPr lang="en-US" altLang="ko-KR" sz="1600" dirty="0">
-                <a:effectLst/>
-                <a:latin typeface="+mn-ea"/>
-                <a:cs typeface="NanumGothic" pitchFamily="2" charset="-127"/>
-              </a:rPr>
-              <a:t>, </a:t>
-            </a:r>
-            <a:r>
-              <a:rPr lang="ko-KR" altLang="ko-KR" sz="1600" dirty="0">
-                <a:effectLst/>
-                <a:latin typeface="+mn-ea"/>
-                <a:cs typeface="NanumGothic" pitchFamily="2" charset="-127"/>
-              </a:rPr>
-              <a:t>휴학 복학 등 학사 관리</a:t>
-            </a:r>
-          </a:p>
-          <a:p>
-            <a:pPr algn="just">
-              <a:lnSpc>
-                <a:spcPct val="107000"/>
-              </a:lnSpc>
-              <a:spcAft>
-                <a:spcPts val="800"/>
-              </a:spcAft>
-            </a:pPr>
-            <a:r>
-              <a:rPr lang="en-US" altLang="ko-KR" sz="1600" dirty="0">
-                <a:effectLst/>
-                <a:latin typeface="+mn-ea"/>
-                <a:cs typeface="NanumGothic" pitchFamily="2" charset="-127"/>
-              </a:rPr>
-              <a:t>- </a:t>
-            </a:r>
-            <a:r>
-              <a:rPr lang="ko-KR" altLang="ko-KR" sz="1600" dirty="0">
-                <a:effectLst/>
-                <a:latin typeface="+mn-ea"/>
-                <a:cs typeface="NanumGothic" pitchFamily="2" charset="-127"/>
-              </a:rPr>
-              <a:t>증명서 발급 및 관리</a:t>
-            </a:r>
-            <a:r>
-              <a:rPr lang="en-US" altLang="ko-KR" sz="1600" dirty="0">
-                <a:effectLst/>
-                <a:latin typeface="+mn-ea"/>
-                <a:cs typeface="NanumGothic" pitchFamily="2" charset="-127"/>
-              </a:rPr>
-              <a:t>(</a:t>
-            </a:r>
-            <a:r>
-              <a:rPr lang="ko-KR" altLang="ko-KR" sz="1600" dirty="0">
-                <a:effectLst/>
-                <a:latin typeface="+mn-ea"/>
-                <a:cs typeface="NanumGothic" pitchFamily="2" charset="-127"/>
-              </a:rPr>
-              <a:t>졸업</a:t>
-            </a:r>
-            <a:r>
-              <a:rPr lang="en-US" altLang="ko-KR" sz="1600" dirty="0">
-                <a:effectLst/>
-                <a:latin typeface="+mn-ea"/>
-                <a:cs typeface="NanumGothic" pitchFamily="2" charset="-127"/>
-              </a:rPr>
-              <a:t>, </a:t>
-            </a:r>
-            <a:r>
-              <a:rPr lang="ko-KR" altLang="ko-KR" sz="1600" dirty="0">
-                <a:effectLst/>
-                <a:latin typeface="+mn-ea"/>
-                <a:cs typeface="NanumGothic" pitchFamily="2" charset="-127"/>
-              </a:rPr>
-              <a:t>성적 증명서 </a:t>
-            </a:r>
-            <a:r>
-              <a:rPr lang="ko-KR" altLang="ko-KR" sz="1600">
-                <a:effectLst/>
-                <a:latin typeface="+mn-ea"/>
-                <a:cs typeface="NanumGothic" pitchFamily="2" charset="-127"/>
-              </a:rPr>
-              <a:t>등</a:t>
-            </a:r>
-            <a:r>
-              <a:rPr lang="en-US" altLang="ko-KR" sz="1600" smtClean="0">
-                <a:effectLst/>
-                <a:latin typeface="+mn-ea"/>
-                <a:cs typeface="NanumGothic" pitchFamily="2" charset="-127"/>
-              </a:rPr>
-              <a:t>)</a:t>
-            </a:r>
-            <a:endParaRPr lang="ko-KR" altLang="ko-KR" sz="1600" dirty="0">
-              <a:effectLst/>
-              <a:latin typeface="+mn-ea"/>
-              <a:cs typeface="NanumGothic" pitchFamily="2" charset="-127"/>
-            </a:endParaRPr>
-          </a:p>
-        </p:txBody>
-      </p:sp>
-      <p:sp>
-        <p:nvSpPr>
-          <p:cNvPr id="2" name="TextBox 1"/>
-          <p:cNvSpPr txBox="1"/>
-          <p:nvPr/>
-        </p:nvSpPr>
-        <p:spPr>
-          <a:xfrm>
-            <a:off x="365760" y="316230"/>
-            <a:ext cx="3668395" cy="369570"/>
-          </a:xfrm>
-          <a:prstGeom prst="rect">
-            <a:avLst/>
-          </a:prstGeom>
-          <a:noFill/>
-        </p:spPr>
-        <p:txBody>
-          <a:bodyPr wrap="square" rtlCol="0">
-            <a:spAutoFit/>
-          </a:bodyPr>
-          <a:lstStyle/>
-          <a:p>
-            <a:r>
-              <a:rPr lang="en-US" altLang="ko-KR" b="1" smtClean="0">
-                <a:latin typeface="+mn-ea"/>
-              </a:rPr>
-              <a:t>1. </a:t>
-            </a:r>
-            <a:r>
-              <a:rPr lang="ko-KR" altLang="en-US" b="1" smtClean="0">
-                <a:latin typeface="+mn-ea"/>
-              </a:rPr>
-              <a:t>요구사항 </a:t>
-            </a:r>
-            <a:r>
-              <a:rPr lang="en-US" altLang="ko-KR" smtClean="0">
-                <a:latin typeface="+mn-ea"/>
-              </a:rPr>
-              <a:t>(</a:t>
-            </a:r>
-            <a:r>
-              <a:rPr lang="ko-KR" altLang="ko-KR">
-                <a:latin typeface="+mn-ea"/>
-                <a:cs typeface="NanumGothic" pitchFamily="2" charset="-127"/>
-              </a:rPr>
-              <a:t>학사관리 </a:t>
-            </a:r>
-            <a:r>
-              <a:rPr lang="ko-KR" altLang="ko-KR" smtClean="0">
-                <a:latin typeface="+mn-ea"/>
-                <a:cs typeface="NanumGothic" pitchFamily="2" charset="-127"/>
-              </a:rPr>
-              <a:t>프로그램</a:t>
-            </a:r>
-            <a:r>
-              <a:rPr lang="en-US" altLang="ko-KR" smtClean="0">
-                <a:latin typeface="+mn-ea"/>
-                <a:cs typeface="NanumGothic" pitchFamily="2" charset="-127"/>
-              </a:rPr>
-              <a:t>)</a:t>
+              <a:t>Model - oracle dbms 테이블 생성</a:t>
             </a:r>
             <a:endParaRPr lang="ko-KR" altLang="en-US">
-              <a:latin typeface="+mn-ea"/>
-            </a:endParaRPr>
-          </a:p>
-        </p:txBody>
-      </p:sp>
-      <p:sp>
-        <p:nvSpPr>
-          <p:cNvPr id="3" name="직사각형 2"/>
-          <p:cNvSpPr/>
-          <p:nvPr/>
-        </p:nvSpPr>
-        <p:spPr>
-          <a:xfrm>
-            <a:off x="5636895" y="3845560"/>
-            <a:ext cx="5066030" cy="1087755"/>
-          </a:xfrm>
-          <a:prstGeom prst="rect">
-            <a:avLst/>
-          </a:prstGeom>
-        </p:spPr>
-        <p:txBody>
-          <a:bodyPr wrap="square">
-            <a:spAutoFit/>
-          </a:bodyPr>
-          <a:lstStyle/>
-          <a:p>
-            <a:pPr algn="just">
-              <a:lnSpc>
-                <a:spcPct val="107000"/>
-              </a:lnSpc>
-              <a:spcAft>
-                <a:spcPts val="800"/>
-              </a:spcAft>
-            </a:pPr>
-            <a:r>
-              <a:rPr lang="en-US" altLang="ko-KR" sz="1600">
-                <a:latin typeface="+mn-ea"/>
-                <a:cs typeface="NanumGothic" pitchFamily="2" charset="-127"/>
-              </a:rPr>
-              <a:t>4. </a:t>
-            </a:r>
-            <a:r>
-              <a:rPr lang="ko-KR" altLang="ko-KR" sz="1600">
-                <a:latin typeface="+mn-ea"/>
-                <a:cs typeface="NanumGothic" pitchFamily="2" charset="-127"/>
-              </a:rPr>
-              <a:t>공통부</a:t>
-            </a:r>
-          </a:p>
-          <a:p>
-            <a:pPr algn="just">
-              <a:lnSpc>
-                <a:spcPct val="107000"/>
-              </a:lnSpc>
-              <a:spcAft>
-                <a:spcPts val="800"/>
-              </a:spcAft>
-            </a:pPr>
-            <a:r>
-              <a:rPr lang="en-US" altLang="ko-KR" sz="1600" smtClean="0">
-                <a:latin typeface="+mn-ea"/>
-                <a:cs typeface="NanumGothic" pitchFamily="2" charset="-127"/>
-              </a:rPr>
-              <a:t>- </a:t>
-            </a:r>
-            <a:r>
-              <a:rPr lang="ko-KR" altLang="ko-KR" sz="1600">
-                <a:latin typeface="+mn-ea"/>
-                <a:cs typeface="NanumGothic" pitchFamily="2" charset="-127"/>
-              </a:rPr>
-              <a:t>계정 로그인 및 로그아웃</a:t>
-            </a:r>
-          </a:p>
-          <a:p>
-            <a:pPr algn="just">
-              <a:lnSpc>
-                <a:spcPct val="107000"/>
-              </a:lnSpc>
-              <a:spcAft>
-                <a:spcPts val="800"/>
-              </a:spcAft>
-            </a:pPr>
-            <a:r>
-              <a:rPr lang="en-US" altLang="ko-KR" sz="1600" smtClean="0">
-                <a:latin typeface="+mn-ea"/>
-                <a:cs typeface="NanumGothic" pitchFamily="2" charset="-127"/>
-              </a:rPr>
-              <a:t>- 2 </a:t>
-            </a:r>
-            <a:r>
-              <a:rPr lang="ko-KR" altLang="ko-KR" sz="1600">
-                <a:latin typeface="+mn-ea"/>
-                <a:cs typeface="NanumGothic" pitchFamily="2" charset="-127"/>
-              </a:rPr>
-              <a:t>개인정보 수정 및 조회</a:t>
-            </a:r>
-            <a:endParaRPr lang="ko-KR" altLang="ko-KR" sz="1600" dirty="0">
-              <a:latin typeface="+mn-ea"/>
-              <a:cs typeface="NanumGothic" pitchFamily="2" charset="-127"/>
-            </a:endParaRPr>
-          </a:p>
-        </p:txBody>
-      </p:sp>
-      <p:sp>
-        <p:nvSpPr>
-          <p:cNvPr id="4" name="직사각형 3"/>
-          <p:cNvSpPr/>
-          <p:nvPr/>
-        </p:nvSpPr>
-        <p:spPr>
-          <a:xfrm>
-            <a:off x="1699895" y="3835400"/>
-            <a:ext cx="3937000" cy="2164715"/>
-          </a:xfrm>
-          <a:prstGeom prst="rect">
-            <a:avLst/>
-          </a:prstGeom>
-        </p:spPr>
-        <p:txBody>
-          <a:bodyPr wrap="square">
-            <a:spAutoFit/>
-          </a:bodyPr>
-          <a:lstStyle/>
-          <a:p>
-            <a:pPr algn="just">
-              <a:lnSpc>
-                <a:spcPct val="107000"/>
-              </a:lnSpc>
-              <a:spcAft>
-                <a:spcPts val="800"/>
-              </a:spcAft>
-            </a:pPr>
-            <a:r>
-              <a:rPr lang="en-US" altLang="ko-KR" sz="1600" smtClean="0">
-                <a:latin typeface="+mn-ea"/>
-                <a:cs typeface="NanumGothic" pitchFamily="2" charset="-127"/>
-              </a:rPr>
-              <a:t>2.  </a:t>
-            </a:r>
-            <a:r>
-              <a:rPr lang="ko-KR" altLang="ko-KR" sz="1600">
-                <a:latin typeface="+mn-ea"/>
-                <a:cs typeface="NanumGothic" pitchFamily="2" charset="-127"/>
-              </a:rPr>
-              <a:t>교수관점</a:t>
-            </a:r>
-          </a:p>
-          <a:p>
-            <a:pPr algn="just">
-              <a:lnSpc>
-                <a:spcPct val="107000"/>
-              </a:lnSpc>
-              <a:spcAft>
-                <a:spcPts val="800"/>
-              </a:spcAft>
-            </a:pPr>
-            <a:r>
-              <a:rPr lang="en-US" altLang="ko-KR" sz="1600">
-                <a:latin typeface="+mn-ea"/>
-                <a:cs typeface="NanumGothic" pitchFamily="2" charset="-127"/>
-              </a:rPr>
-              <a:t>- </a:t>
-            </a:r>
-            <a:r>
-              <a:rPr lang="ko-KR" altLang="ko-KR" sz="1600">
-                <a:latin typeface="+mn-ea"/>
-                <a:cs typeface="NanumGothic" pitchFamily="2" charset="-127"/>
-              </a:rPr>
-              <a:t>출석부 조회 및 입력</a:t>
-            </a:r>
-          </a:p>
-          <a:p>
-            <a:pPr algn="just">
-              <a:lnSpc>
-                <a:spcPct val="107000"/>
-              </a:lnSpc>
-              <a:spcAft>
-                <a:spcPts val="800"/>
-              </a:spcAft>
-            </a:pPr>
-            <a:r>
-              <a:rPr lang="en-US" altLang="ko-KR" sz="1600">
-                <a:latin typeface="+mn-ea"/>
-                <a:cs typeface="NanumGothic" pitchFamily="2" charset="-127"/>
-              </a:rPr>
-              <a:t>- </a:t>
-            </a:r>
-            <a:r>
-              <a:rPr lang="ko-KR" altLang="ko-KR" sz="1600">
-                <a:latin typeface="+mn-ea"/>
-                <a:cs typeface="NanumGothic" pitchFamily="2" charset="-127"/>
-              </a:rPr>
-              <a:t>강의 시간표 조회</a:t>
-            </a:r>
-          </a:p>
-          <a:p>
-            <a:pPr algn="just">
-              <a:lnSpc>
-                <a:spcPct val="107000"/>
-              </a:lnSpc>
-              <a:spcAft>
-                <a:spcPts val="800"/>
-              </a:spcAft>
-            </a:pPr>
-            <a:r>
-              <a:rPr lang="en-US" altLang="ko-KR" sz="1600">
-                <a:latin typeface="+mn-ea"/>
-                <a:cs typeface="NanumGothic" pitchFamily="2" charset="-127"/>
-              </a:rPr>
-              <a:t>- </a:t>
-            </a:r>
-            <a:r>
-              <a:rPr lang="ko-KR" altLang="ko-KR" sz="1600">
-                <a:latin typeface="+mn-ea"/>
-                <a:cs typeface="NanumGothic" pitchFamily="2" charset="-127"/>
-              </a:rPr>
-              <a:t>학생 성적 입력</a:t>
-            </a:r>
-          </a:p>
-          <a:p>
-            <a:pPr algn="just">
-              <a:lnSpc>
-                <a:spcPct val="107000"/>
-              </a:lnSpc>
-              <a:spcAft>
-                <a:spcPts val="800"/>
-              </a:spcAft>
-            </a:pPr>
-            <a:r>
-              <a:rPr lang="en-US" altLang="ko-KR" sz="1600">
-                <a:latin typeface="+mn-ea"/>
-                <a:cs typeface="NanumGothic" pitchFamily="2" charset="-127"/>
-              </a:rPr>
-              <a:t>- </a:t>
-            </a:r>
-            <a:r>
-              <a:rPr lang="ko-KR" altLang="ko-KR" sz="1600">
-                <a:latin typeface="+mn-ea"/>
-                <a:cs typeface="NanumGothic" pitchFamily="2" charset="-127"/>
-              </a:rPr>
-              <a:t>학생 학점 조회</a:t>
-            </a:r>
-          </a:p>
-          <a:p>
-            <a:pPr algn="just">
-              <a:lnSpc>
-                <a:spcPct val="107000"/>
-              </a:lnSpc>
-              <a:spcAft>
-                <a:spcPts val="800"/>
-              </a:spcAft>
-            </a:pPr>
-            <a:r>
-              <a:rPr lang="en-US" altLang="ko-KR" sz="1600">
-                <a:latin typeface="+mn-ea"/>
-                <a:cs typeface="NanumGothic" pitchFamily="2" charset="-127"/>
-              </a:rPr>
-              <a:t>- </a:t>
-            </a:r>
-            <a:r>
-              <a:rPr lang="ko-KR" altLang="ko-KR" sz="1600">
-                <a:latin typeface="+mn-ea"/>
-                <a:cs typeface="NanumGothic" pitchFamily="2" charset="-127"/>
-              </a:rPr>
-              <a:t>강의 일정 관리</a:t>
-            </a:r>
-            <a:endParaRPr lang="ko-KR" altLang="ko-KR" sz="1600" dirty="0">
-              <a:latin typeface="+mn-ea"/>
-              <a:cs typeface="NanumGothic" pitchFamily="2" charset="-127"/>
-            </a:endParaRPr>
-          </a:p>
-        </p:txBody>
-      </p:sp>
-      <p:sp>
-        <p:nvSpPr>
-          <p:cNvPr id="7" name="직사각형 6"/>
-          <p:cNvSpPr/>
-          <p:nvPr/>
-        </p:nvSpPr>
-        <p:spPr>
-          <a:xfrm>
-            <a:off x="5717540" y="5666105"/>
-            <a:ext cx="1635125" cy="334645"/>
-          </a:xfrm>
-          <a:prstGeom prst="rect">
-            <a:avLst/>
-          </a:prstGeom>
-        </p:spPr>
-        <p:txBody>
-          <a:bodyPr wrap="square">
-            <a:spAutoFit/>
-          </a:bodyPr>
-          <a:lstStyle/>
-          <a:p>
-            <a:pPr algn="just">
-              <a:lnSpc>
-                <a:spcPct val="107000"/>
-              </a:lnSpc>
-              <a:spcAft>
-                <a:spcPts val="800"/>
-              </a:spcAft>
-            </a:pPr>
-            <a:r>
-              <a:rPr lang="ko-KR" altLang="en-US" sz="1600" smtClean="0">
-                <a:latin typeface="+mn-ea"/>
-                <a:cs typeface="NanumGothic" pitchFamily="2" charset="-127"/>
-              </a:rPr>
-              <a:t>총 </a:t>
-            </a:r>
-            <a:r>
-              <a:rPr lang="en-US" altLang="ko-KR" sz="1600" smtClean="0">
-                <a:latin typeface="+mn-ea"/>
-                <a:cs typeface="NanumGothic" pitchFamily="2" charset="-127"/>
-              </a:rPr>
-              <a:t>15 </a:t>
-            </a:r>
-            <a:r>
-              <a:rPr lang="ko-KR" altLang="en-US" sz="1600" smtClean="0">
-                <a:latin typeface="+mn-ea"/>
-                <a:cs typeface="NanumGothic" pitchFamily="2" charset="-127"/>
-              </a:rPr>
-              <a:t>개</a:t>
-            </a:r>
-            <a:endParaRPr lang="ko-KR" altLang="ko-KR" sz="1600" dirty="0">
-              <a:latin typeface="+mn-ea"/>
-              <a:cs typeface="NanumGothic" pitchFamily="2" charset="-127"/>
+              <a:latin typeface="맑은 고딕" charset="0"/>
+              <a:cs typeface="NanumGothic" charset="0"/>
             </a:endParaRPr>
           </a:p>
         </p:txBody>
@@ -5102,6 +5931,35 @@
           </a:p>
         </p:txBody>
       </p:sp>
+      <p:pic>
+        <p:nvPicPr>
+          <p:cNvPr id="9" name="그림 3" descr="C:/Users/thswl/AppData/Roaming/PolarisOffice/ETemp/21832_22335000/fImage5308712041.png"/>
+          <p:cNvPicPr>
+            <a:picLocks noChangeAspect="1"/>
+          </p:cNvPicPr>
+          <p:nvPr/>
+        </p:nvPicPr>
+        <p:blipFill rotWithShape="1">
+          <a:blip r:embed="rId1" cstate="print">
+            <a:extLst>
+              <a:ext uri="{28A0092B-C50C-407E-A947-70E740481C1C}">
+                <a14:useLocalDpi xmlns:a14="http://schemas.microsoft.com/office/drawing/2010/main" val="0"/>
+              </a:ext>
+            </a:extLst>
+          </a:blip>
+          <a:stretch>
+            <a:fillRect/>
+          </a:stretch>
+        </p:blipFill>
+        <p:spPr>
+          <a:xfrm rot="0">
+            <a:off x="2841625" y="683895"/>
+            <a:ext cx="6490970" cy="6102985"/>
+          </a:xfrm>
+          <a:prstGeom prst="rect"/>
+          <a:noFill/>
+        </p:spPr>
+      </p:pic>
     </p:spTree>
     <p:extLst>
       <p:ext uri="{BB962C8B-B14F-4D97-AF65-F5344CB8AC3E}">
@@ -5131,7 +5989,7 @@
 </file>
 
 <file path=ppt/slides/slide3.xml><?xml version="1.0" encoding="utf-8"?>
-<p:sld xmlns:a="http://schemas.openxmlformats.org/drawingml/2006/main" xmlns:r="http://schemas.openxmlformats.org/officeDocument/2006/relationships" xmlns:p="http://schemas.openxmlformats.org/presentationml/2006/main" xmlns:p14="http://schemas.microsoft.com/office/powerpoint/2010/main">
+<p:sld xmlns:a="http://schemas.openxmlformats.org/drawingml/2006/main" xmlns:r="http://schemas.openxmlformats.org/officeDocument/2006/relationships" xmlns:p="http://schemas.openxmlformats.org/presentationml/2006/main">
   <p:cSld>
     <p:spTree>
       <p:nvGrpSpPr>
@@ -5149,926 +6007,123 @@
       </p:grpSpPr>
       <p:sp>
         <p:nvSpPr>
-          <p:cNvPr id="4" name="TextBox 3">
-            <a:extLst>
-              <a:ext uri="{FF2B5EF4-FFF2-40B4-BE49-F238E27FC236}">
-                <a16:creationId xmlns:a16="http://schemas.microsoft.com/office/drawing/2014/main" id="{32BE2EB6-859F-4CF5-94C5-A7420C20DFD0}"/>
-              </a:ext>
-            </a:extLst>
-          </p:cNvPr>
-          <p:cNvSpPr txBox="1"/>
+          <p:cNvPr id="2" name="Rect 0"/>
+          <p:cNvSpPr txBox="1">
+            <a:spLocks/>
+          </p:cNvSpPr>
           <p:nvPr/>
         </p:nvSpPr>
         <p:spPr>
-          <a:xfrm>
-            <a:off x="953770" y="2366645"/>
-            <a:ext cx="5410835" cy="2186305"/>
-          </a:xfrm>
-          <a:prstGeom prst="rect">
-            <a:avLst/>
-          </a:prstGeom>
+          <a:xfrm rot="0">
+            <a:off x="365760" y="316230"/>
+            <a:ext cx="3669030" cy="368935"/>
+          </a:xfrm>
+          <a:prstGeom prst="rect"/>
           <a:noFill/>
         </p:spPr>
         <p:txBody>
-          <a:bodyPr wrap="square" rtlCol="0">
+          <a:bodyPr wrap="square" lIns="91440" tIns="45720" rIns="91440" bIns="45720" numCol="1" vert="horz" anchor="t">
             <a:spAutoFit/>
           </a:bodyPr>
           <a:lstStyle/>
           <a:p>
-            <a:pPr algn="just">
-              <a:lnSpc>
-                <a:spcPct val="107000"/>
-              </a:lnSpc>
-              <a:spcAft>
-                <a:spcPts val="800"/>
-              </a:spcAft>
+            <a:pPr marL="0" indent="0" latinLnBrk="0">
+              <a:buFontTx/>
+              <a:buNone/>
             </a:pPr>
             <a:r>
-              <a:rPr lang="en-US" altLang="ko-KR" sz="1600" smtClean="0">
-                <a:latin typeface="+mn-ea"/>
-                <a:cs typeface="NanumGothic" pitchFamily="2" charset="-127"/>
+              <a:rPr lang="en-US" altLang="ko-KR" b="1">
+                <a:latin typeface="맑은 고딕" charset="0"/>
               </a:rPr>
-              <a:t>&lt;</a:t>
-            </a:r>
-            <a:r>
-              <a:rPr lang="ko-KR" altLang="en-US" sz="1600" dirty="0">
-                <a:latin typeface="+mn-ea"/>
-                <a:cs typeface="NanumGothic" pitchFamily="2" charset="-127"/>
+              <a:t>1. </a:t>
+            </a:r>
+            <a:r>
+              <a:rPr lang="ko-KR" altLang="ko-KR">
+                <a:latin typeface="맑은 고딕" charset="0"/>
+                <a:cs typeface="NanumGothic" charset="0"/>
               </a:rPr>
-              <a:t>학교관계자</a:t>
-            </a:r>
-            <a:r>
-              <a:rPr lang="en-US" altLang="ko-KR" sz="1600" dirty="0">
-                <a:latin typeface="+mn-ea"/>
-                <a:cs typeface="NanumGothic" pitchFamily="2" charset="-127"/>
-              </a:rPr>
-              <a:t>&gt;</a:t>
-            </a:r>
-          </a:p>
-          <a:p>
-            <a:pPr algn="just">
-              <a:lnSpc>
-                <a:spcPct val="107000"/>
-              </a:lnSpc>
-              <a:spcAft>
-                <a:spcPts val="800"/>
-              </a:spcAft>
-            </a:pPr>
-            <a:r>
-              <a:rPr lang="en-US" altLang="ko-KR" sz="1600" smtClean="0">
-                <a:effectLst/>
-                <a:latin typeface="+mn-ea"/>
-                <a:cs typeface="NanumGothic" pitchFamily="2" charset="-127"/>
-              </a:rPr>
-              <a:t>- </a:t>
-            </a:r>
-            <a:r>
-              <a:rPr lang="ko-KR" altLang="en-US" sz="1600" smtClean="0">
-                <a:effectLst/>
-                <a:latin typeface="+mn-ea"/>
-                <a:cs typeface="NanumGothic" pitchFamily="2" charset="-127"/>
-              </a:rPr>
-              <a:t>학적 </a:t>
-            </a:r>
-            <a:r>
-              <a:rPr lang="ko-KR" altLang="en-US" sz="1600" dirty="0">
-                <a:effectLst/>
-                <a:latin typeface="+mn-ea"/>
-                <a:cs typeface="NanumGothic" pitchFamily="2" charset="-127"/>
-              </a:rPr>
-              <a:t>정보를 관리할 수 있다</a:t>
-            </a:r>
-            <a:r>
-              <a:rPr lang="en-US" altLang="ko-KR" sz="1600" dirty="0">
-                <a:effectLst/>
-                <a:latin typeface="+mn-ea"/>
-                <a:cs typeface="NanumGothic" pitchFamily="2" charset="-127"/>
-              </a:rPr>
-              <a:t>.</a:t>
-            </a:r>
-          </a:p>
-          <a:p>
-            <a:pPr algn="just">
-              <a:lnSpc>
-                <a:spcPct val="107000"/>
-              </a:lnSpc>
-              <a:spcAft>
-                <a:spcPts val="800"/>
-              </a:spcAft>
-            </a:pPr>
-            <a:r>
-              <a:rPr lang="en-US" altLang="ko-KR" sz="1600" smtClean="0">
-                <a:effectLst/>
-                <a:latin typeface="+mn-ea"/>
-                <a:cs typeface="NanumGothic" pitchFamily="2" charset="-127"/>
-              </a:rPr>
-              <a:t>- </a:t>
-            </a:r>
-            <a:r>
-              <a:rPr lang="ko-KR" altLang="ko-KR" sz="1600" smtClean="0">
-                <a:effectLst/>
-                <a:latin typeface="+mn-ea"/>
-                <a:cs typeface="NanumGothic" pitchFamily="2" charset="-127"/>
-              </a:rPr>
-              <a:t>증명서</a:t>
-            </a:r>
-            <a:r>
-              <a:rPr lang="ko-KR" altLang="en-US" sz="1600" smtClean="0">
-                <a:effectLst/>
-                <a:latin typeface="+mn-ea"/>
-                <a:cs typeface="NanumGothic" pitchFamily="2" charset="-127"/>
-              </a:rPr>
-              <a:t>를</a:t>
-            </a:r>
-            <a:r>
-              <a:rPr lang="ko-KR" altLang="ko-KR" sz="1600" smtClean="0">
-                <a:effectLst/>
-                <a:latin typeface="+mn-ea"/>
-                <a:cs typeface="NanumGothic" pitchFamily="2" charset="-127"/>
-              </a:rPr>
-              <a:t> </a:t>
-            </a:r>
-            <a:r>
-              <a:rPr lang="ko-KR" altLang="ko-KR" sz="1600" dirty="0">
-                <a:effectLst/>
-                <a:latin typeface="+mn-ea"/>
-                <a:cs typeface="NanumGothic" pitchFamily="2" charset="-127"/>
-              </a:rPr>
-              <a:t>발급 및 관리</a:t>
-            </a:r>
-            <a:r>
-              <a:rPr lang="en-US" altLang="ko-KR" sz="1600" dirty="0">
-                <a:effectLst/>
-                <a:latin typeface="+mn-ea"/>
-                <a:cs typeface="NanumGothic" pitchFamily="2" charset="-127"/>
-              </a:rPr>
-              <a:t>(</a:t>
-            </a:r>
-            <a:r>
-              <a:rPr lang="ko-KR" altLang="ko-KR" sz="1600" dirty="0">
-                <a:effectLst/>
-                <a:latin typeface="+mn-ea"/>
-                <a:cs typeface="NanumGothic" pitchFamily="2" charset="-127"/>
-              </a:rPr>
-              <a:t>졸업</a:t>
-            </a:r>
-            <a:r>
-              <a:rPr lang="en-US" altLang="ko-KR" sz="1600" dirty="0">
-                <a:effectLst/>
-                <a:latin typeface="+mn-ea"/>
-                <a:cs typeface="NanumGothic" pitchFamily="2" charset="-127"/>
-              </a:rPr>
-              <a:t>, </a:t>
-            </a:r>
-            <a:r>
-              <a:rPr lang="ko-KR" altLang="ko-KR" sz="1600" dirty="0">
-                <a:effectLst/>
-                <a:latin typeface="+mn-ea"/>
-                <a:cs typeface="NanumGothic" pitchFamily="2" charset="-127"/>
-              </a:rPr>
-              <a:t>성적 증명서 등</a:t>
-            </a:r>
-            <a:r>
-              <a:rPr lang="en-US" altLang="ko-KR" sz="1600" dirty="0">
-                <a:effectLst/>
-                <a:latin typeface="+mn-ea"/>
-                <a:cs typeface="NanumGothic" pitchFamily="2" charset="-127"/>
-              </a:rPr>
-              <a:t>)</a:t>
-            </a:r>
-            <a:r>
-              <a:rPr lang="ko-KR" altLang="en-US" sz="1600" dirty="0">
-                <a:effectLst/>
-                <a:latin typeface="+mn-ea"/>
-                <a:cs typeface="NanumGothic" pitchFamily="2" charset="-127"/>
-              </a:rPr>
-              <a:t>할 수 있다</a:t>
-            </a:r>
-            <a:r>
-              <a:rPr lang="en-US" altLang="ko-KR" sz="1600" dirty="0">
-                <a:effectLst/>
-                <a:latin typeface="+mn-ea"/>
-                <a:cs typeface="NanumGothic" pitchFamily="2" charset="-127"/>
-              </a:rPr>
-              <a:t>.</a:t>
-            </a:r>
-            <a:endParaRPr lang="en-US" altLang="ko-KR" sz="1600" dirty="0">
-              <a:latin typeface="+mn-ea"/>
-              <a:cs typeface="NanumGothic" pitchFamily="2" charset="-127"/>
+              <a:t>Model - UserVO.java</a:t>
+            </a:r>
+            <a:endParaRPr lang="ko-KR" altLang="en-US">
+              <a:latin typeface="맑은 고딕" charset="0"/>
+              <a:cs typeface="NanumGothic" charset="0"/>
             </a:endParaRPr>
           </a:p>
-          <a:p>
-            <a:pPr algn="just">
-              <a:lnSpc>
-                <a:spcPct val="107000"/>
-              </a:lnSpc>
-              <a:spcAft>
-                <a:spcPts val="800"/>
-              </a:spcAft>
-            </a:pPr>
-            <a:r>
-              <a:rPr lang="en-US" altLang="ko-KR" sz="1600" smtClean="0">
-                <a:latin typeface="+mn-ea"/>
-                <a:cs typeface="NanumGothic" pitchFamily="2" charset="-127"/>
-              </a:rPr>
-              <a:t>- </a:t>
-            </a:r>
-            <a:r>
-              <a:rPr lang="ko-KR" altLang="en-US" sz="1600" smtClean="0">
-                <a:latin typeface="+mn-ea"/>
-                <a:cs typeface="NanumGothic" pitchFamily="2" charset="-127"/>
-              </a:rPr>
-              <a:t>계정정보</a:t>
-            </a:r>
-            <a:r>
-              <a:rPr lang="ko-KR" altLang="ko-KR" sz="1600" smtClean="0">
-                <a:effectLst/>
-                <a:latin typeface="+mn-ea"/>
-                <a:cs typeface="NanumGothic" pitchFamily="2" charset="-127"/>
-              </a:rPr>
-              <a:t> </a:t>
-            </a:r>
-            <a:r>
-              <a:rPr lang="ko-KR" altLang="ko-KR" sz="1600" dirty="0">
-                <a:effectLst/>
-                <a:latin typeface="+mn-ea"/>
-                <a:cs typeface="NanumGothic" pitchFamily="2" charset="-127"/>
-              </a:rPr>
-              <a:t>수정 및 조회</a:t>
-            </a:r>
-            <a:r>
-              <a:rPr lang="ko-KR" altLang="en-US" sz="1600" dirty="0">
-                <a:effectLst/>
-                <a:latin typeface="+mn-ea"/>
-                <a:cs typeface="NanumGothic" pitchFamily="2" charset="-127"/>
-              </a:rPr>
-              <a:t>할 수 </a:t>
-            </a:r>
-            <a:r>
-              <a:rPr lang="ko-KR" altLang="en-US" sz="1600">
-                <a:effectLst/>
-                <a:latin typeface="+mn-ea"/>
-                <a:cs typeface="NanumGothic" pitchFamily="2" charset="-127"/>
-              </a:rPr>
-              <a:t>있다</a:t>
-            </a:r>
-            <a:r>
-              <a:rPr lang="en-US" altLang="ko-KR" sz="1600" smtClean="0">
-                <a:effectLst/>
-                <a:latin typeface="+mn-ea"/>
-                <a:cs typeface="NanumGothic" pitchFamily="2" charset="-127"/>
-              </a:rPr>
-              <a:t>.</a:t>
-            </a:r>
-          </a:p>
-          <a:p>
-            <a:pPr algn="just">
-              <a:lnSpc>
-                <a:spcPct val="107000"/>
-              </a:lnSpc>
-              <a:spcAft>
-                <a:spcPts val="800"/>
-              </a:spcAft>
-            </a:pPr>
-            <a:r>
-              <a:rPr lang="en-US" altLang="ko-KR" sz="1600" smtClean="0">
-                <a:effectLst/>
-                <a:latin typeface="+mn-ea"/>
-                <a:cs typeface="NanumGothic" pitchFamily="2" charset="-127"/>
-              </a:rPr>
-              <a:t>- </a:t>
-            </a:r>
-            <a:r>
-              <a:rPr lang="ko-KR" altLang="ko-KR" sz="1600" smtClean="0">
-                <a:effectLst/>
-                <a:latin typeface="+mn-ea"/>
-                <a:cs typeface="NanumGothic" pitchFamily="2" charset="-127"/>
-              </a:rPr>
-              <a:t>계정 로그인 및 로그아웃</a:t>
-            </a:r>
-            <a:r>
-              <a:rPr lang="ko-KR" altLang="en-US" sz="1600" smtClean="0">
-                <a:effectLst/>
-                <a:latin typeface="+mn-ea"/>
-                <a:cs typeface="NanumGothic" pitchFamily="2" charset="-127"/>
-              </a:rPr>
-              <a:t>을 할 수 있다</a:t>
-            </a:r>
-            <a:r>
-              <a:rPr lang="en-US" altLang="ko-KR" sz="1600" smtClean="0">
-                <a:effectLst/>
-                <a:latin typeface="+mn-ea"/>
-                <a:cs typeface="NanumGothic" pitchFamily="2" charset="-127"/>
-              </a:rPr>
-              <a:t>.</a:t>
-            </a:r>
-          </a:p>
-          <a:p>
-            <a:pPr algn="just">
-              <a:lnSpc>
-                <a:spcPct val="107000"/>
-              </a:lnSpc>
-              <a:spcAft>
-                <a:spcPts val="800"/>
-              </a:spcAft>
-            </a:pPr>
-            <a:r>
-              <a:rPr lang="en-US" altLang="ko-KR" sz="1600" smtClean="0">
-                <a:effectLst/>
-                <a:latin typeface="+mn-ea"/>
-                <a:cs typeface="NanumGothic" pitchFamily="2" charset="-127"/>
-              </a:rPr>
-              <a:t>- </a:t>
-            </a:r>
-            <a:r>
-              <a:rPr lang="ko-KR" altLang="ko-KR" sz="1600" smtClean="0">
-                <a:effectLst/>
-                <a:latin typeface="+mn-ea"/>
-                <a:cs typeface="NanumGothic" pitchFamily="2" charset="-127"/>
-              </a:rPr>
-              <a:t>강의 </a:t>
-            </a:r>
-            <a:r>
-              <a:rPr lang="ko-KR" altLang="ko-KR" sz="1600" dirty="0">
-                <a:effectLst/>
-                <a:latin typeface="+mn-ea"/>
-                <a:cs typeface="NanumGothic" pitchFamily="2" charset="-127"/>
-              </a:rPr>
-              <a:t>시간표</a:t>
-            </a:r>
-            <a:r>
-              <a:rPr lang="ko-KR" altLang="en-US" sz="1600" dirty="0">
-                <a:effectLst/>
-                <a:latin typeface="+mn-ea"/>
-                <a:cs typeface="NanumGothic" pitchFamily="2" charset="-127"/>
-              </a:rPr>
-              <a:t>를</a:t>
-            </a:r>
-            <a:r>
-              <a:rPr lang="ko-KR" altLang="ko-KR" sz="1600" dirty="0">
-                <a:effectLst/>
-                <a:latin typeface="+mn-ea"/>
-                <a:cs typeface="NanumGothic" pitchFamily="2" charset="-127"/>
-              </a:rPr>
-              <a:t> 조회</a:t>
-            </a:r>
-            <a:r>
-              <a:rPr lang="ko-KR" altLang="en-US" sz="1600" dirty="0">
-                <a:effectLst/>
-                <a:latin typeface="+mn-ea"/>
-                <a:cs typeface="NanumGothic" pitchFamily="2" charset="-127"/>
-              </a:rPr>
-              <a:t>할 수 </a:t>
-            </a:r>
-            <a:r>
-              <a:rPr lang="ko-KR" altLang="en-US" sz="1600">
-                <a:effectLst/>
-                <a:latin typeface="+mn-ea"/>
-                <a:cs typeface="NanumGothic" pitchFamily="2" charset="-127"/>
-              </a:rPr>
-              <a:t>있다</a:t>
-            </a:r>
-            <a:r>
-              <a:rPr lang="en-US" altLang="ko-KR" sz="1600" smtClean="0">
-                <a:effectLst/>
-                <a:latin typeface="+mn-ea"/>
-                <a:cs typeface="NanumGothic" pitchFamily="2" charset="-127"/>
-              </a:rPr>
-              <a:t>.</a:t>
-            </a:r>
-            <a:endParaRPr lang="en-US" altLang="ko-KR" sz="1600" dirty="0">
-              <a:latin typeface="+mn-ea"/>
-              <a:cs typeface="NanumGothic" pitchFamily="2" charset="-127"/>
-            </a:endParaRPr>
-          </a:p>
-        </p:txBody>
-      </p:sp>
-      <p:sp>
-        <p:nvSpPr>
-          <p:cNvPr id="2" name="TextBox 1">
-            <a:extLst>
-              <a:ext uri="{FF2B5EF4-FFF2-40B4-BE49-F238E27FC236}">
-                <a16:creationId xmlns:a16="http://schemas.microsoft.com/office/drawing/2014/main" id="{6C1D7C1C-69A1-4FC2-B276-25348F389821}"/>
-              </a:ext>
-            </a:extLst>
-          </p:cNvPr>
-          <p:cNvSpPr txBox="1"/>
-          <p:nvPr/>
-        </p:nvSpPr>
-        <p:spPr>
-          <a:xfrm>
-            <a:off x="6365240" y="1461770"/>
-            <a:ext cx="5621020" cy="3995420"/>
-          </a:xfrm>
-          <a:prstGeom prst="rect">
-            <a:avLst/>
-          </a:prstGeom>
-          <a:noFill/>
-        </p:spPr>
-        <p:txBody>
-          <a:bodyPr wrap="square" rtlCol="0">
-            <a:spAutoFit/>
+        </p:txBody>
+      </p:sp>
+      <p:sp>
+        <p:nvSpPr>
+          <p:cNvPr id="8" name="슬라이드 번호 개체 틀 7"/>
+          <p:cNvSpPr txBox="1">
+            <a:spLocks/>
+          </p:cNvSpPr>
+          <p:nvPr>
+            <p:ph type="sldNum" idx="12"/>
+          </p:nvPr>
+        </p:nvSpPr>
+        <p:spPr>
+          <a:xfrm rot="0">
+            <a:off x="8610600" y="6356350"/>
+            <a:ext cx="2744470" cy="366395"/>
+          </a:xfrm>
+          <a:prstGeom prst="rect"/>
+        </p:spPr>
+        <p:txBody>
+          <a:bodyPr wrap="square" lIns="91440" tIns="45720" rIns="91440" bIns="45720" numCol="1" vert="horz" anchor="ctr">
+            <a:noAutofit/>
           </a:bodyPr>
           <a:lstStyle/>
           <a:p>
-            <a:pPr algn="just">
-              <a:lnSpc>
-                <a:spcPct val="107000"/>
-              </a:lnSpc>
-              <a:spcAft>
-                <a:spcPts val="800"/>
-              </a:spcAft>
+            <a:pPr marL="0" indent="0" latinLnBrk="0">
+              <a:buFontTx/>
+              <a:buNone/>
             </a:pPr>
-            <a:r>
-              <a:rPr lang="en-US" altLang="ko-KR" sz="1600" dirty="0">
-                <a:latin typeface="+mn-ea"/>
-                <a:cs typeface="NanumGothic" pitchFamily="2" charset="-127"/>
+            <a:fld id="{B9320F77-B9A0-41C5-862A-B4B631284C64}" type="slidenum">
+              <a:rPr lang="ko-KR" altLang="en-US" sz="1200">
+                <a:latin typeface="맑은 고딕" charset="0"/>
+                <a:ea typeface="맑은 고딕" charset="0"/>
+                <a:cs typeface="+mn-cs"/>
               </a:rPr>
-              <a:t>&lt;</a:t>
-            </a:r>
-            <a:r>
-              <a:rPr lang="ko-KR" altLang="en-US" sz="1600" dirty="0">
-                <a:latin typeface="+mn-ea"/>
-                <a:cs typeface="NanumGothic" pitchFamily="2" charset="-127"/>
-              </a:rPr>
-              <a:t>교수</a:t>
-            </a:r>
-            <a:r>
-              <a:rPr lang="en-US" altLang="ko-KR" sz="1600" dirty="0">
-                <a:latin typeface="+mn-ea"/>
-                <a:cs typeface="NanumGothic" pitchFamily="2" charset="-127"/>
-              </a:rPr>
-              <a:t>&gt;</a:t>
-            </a:r>
-            <a:endParaRPr lang="ko-KR" altLang="ko-KR" sz="1600" dirty="0">
-              <a:effectLst/>
-              <a:latin typeface="+mn-ea"/>
-              <a:cs typeface="NanumGothic" pitchFamily="2" charset="-127"/>
+              <a:t>3</a:t>
+            </a:fld>
+            <a:endParaRPr lang="ko-KR" altLang="en-US" sz="1200">
+              <a:latin typeface="맑은 고딕" charset="0"/>
+              <a:ea typeface="맑은 고딕" charset="0"/>
+              <a:cs typeface="+mn-cs"/>
             </a:endParaRPr>
           </a:p>
-          <a:p>
-            <a:pPr algn="just">
-              <a:lnSpc>
-                <a:spcPct val="107000"/>
-              </a:lnSpc>
-              <a:spcAft>
-                <a:spcPts val="800"/>
-              </a:spcAft>
-            </a:pPr>
-            <a:r>
-              <a:rPr lang="en-US" altLang="ko-KR" sz="1600" smtClean="0">
-                <a:effectLst/>
-                <a:latin typeface="+mn-ea"/>
-                <a:cs typeface="NanumGothic" pitchFamily="2" charset="-127"/>
-              </a:rPr>
-              <a:t>- </a:t>
-            </a:r>
-            <a:r>
-              <a:rPr lang="ko-KR" altLang="en-US" sz="1600" smtClean="0">
-                <a:effectLst/>
-                <a:latin typeface="+mn-ea"/>
-                <a:cs typeface="NanumGothic" pitchFamily="2" charset="-127"/>
-              </a:rPr>
-              <a:t>과목 </a:t>
-            </a:r>
-            <a:r>
-              <a:rPr lang="ko-KR" altLang="en-US" sz="1600" dirty="0">
-                <a:effectLst/>
-                <a:latin typeface="+mn-ea"/>
-                <a:cs typeface="NanumGothic" pitchFamily="2" charset="-127"/>
-              </a:rPr>
-              <a:t>성적 및 출석 입력을 할 수 있다</a:t>
-            </a:r>
-            <a:r>
-              <a:rPr lang="en-US" altLang="ko-KR" sz="1600" dirty="0">
-                <a:effectLst/>
-                <a:latin typeface="+mn-ea"/>
-                <a:cs typeface="NanumGothic" pitchFamily="2" charset="-127"/>
-              </a:rPr>
-              <a:t>.</a:t>
-            </a:r>
-          </a:p>
-          <a:p>
-            <a:pPr algn="just">
-              <a:lnSpc>
-                <a:spcPct val="107000"/>
-              </a:lnSpc>
-              <a:spcAft>
-                <a:spcPts val="800"/>
-              </a:spcAft>
-            </a:pPr>
-            <a:r>
-              <a:rPr lang="en-US" altLang="ko-KR" sz="1600" smtClean="0">
-                <a:latin typeface="+mn-ea"/>
-                <a:cs typeface="NanumGothic" pitchFamily="2" charset="-127"/>
-              </a:rPr>
-              <a:t>- </a:t>
-            </a:r>
-            <a:r>
-              <a:rPr lang="ko-KR" altLang="en-US" sz="1600" smtClean="0">
-                <a:latin typeface="+mn-ea"/>
-                <a:cs typeface="NanumGothic" pitchFamily="2" charset="-127"/>
-              </a:rPr>
-              <a:t>과목 </a:t>
-            </a:r>
-            <a:r>
-              <a:rPr lang="ko-KR" altLang="en-US" sz="1600" dirty="0">
-                <a:latin typeface="+mn-ea"/>
-                <a:cs typeface="NanumGothic" pitchFamily="2" charset="-127"/>
-              </a:rPr>
-              <a:t>등록을 할 수 </a:t>
-            </a:r>
-            <a:r>
-              <a:rPr lang="ko-KR" altLang="en-US" sz="1600">
-                <a:latin typeface="+mn-ea"/>
-                <a:cs typeface="NanumGothic" pitchFamily="2" charset="-127"/>
-              </a:rPr>
-              <a:t>있다</a:t>
-            </a:r>
-            <a:r>
-              <a:rPr lang="en-US" altLang="ko-KR" sz="1600" smtClean="0">
-                <a:latin typeface="+mn-ea"/>
-                <a:cs typeface="NanumGothic" pitchFamily="2" charset="-127"/>
-              </a:rPr>
-              <a:t>.</a:t>
-            </a:r>
-          </a:p>
-          <a:p>
-            <a:pPr algn="just">
-              <a:lnSpc>
-                <a:spcPct val="107000"/>
-              </a:lnSpc>
-              <a:spcAft>
-                <a:spcPts val="800"/>
-              </a:spcAft>
-            </a:pPr>
-            <a:endParaRPr lang="en-US" altLang="ko-KR" sz="1600" dirty="0">
-              <a:latin typeface="+mn-ea"/>
-              <a:cs typeface="NanumGothic" pitchFamily="2" charset="-127"/>
-            </a:endParaRPr>
-          </a:p>
-          <a:p>
-            <a:pPr algn="just">
-              <a:lnSpc>
-                <a:spcPct val="107000"/>
-              </a:lnSpc>
-              <a:spcAft>
-                <a:spcPts val="800"/>
-              </a:spcAft>
-            </a:pPr>
-            <a:r>
-              <a:rPr lang="en-US" altLang="ko-KR" sz="1600">
-                <a:latin typeface="+mn-ea"/>
-                <a:cs typeface="NanumGothic" pitchFamily="2" charset="-127"/>
-              </a:rPr>
-              <a:t>&lt;</a:t>
-            </a:r>
-            <a:r>
-              <a:rPr lang="ko-KR" altLang="en-US" sz="1600">
-                <a:latin typeface="+mn-ea"/>
-                <a:cs typeface="NanumGothic" pitchFamily="2" charset="-127"/>
-              </a:rPr>
-              <a:t>학생</a:t>
-            </a:r>
-            <a:r>
-              <a:rPr lang="en-US" altLang="ko-KR" sz="1600">
-                <a:latin typeface="+mn-ea"/>
-                <a:cs typeface="NanumGothic" pitchFamily="2" charset="-127"/>
-              </a:rPr>
-              <a:t>&gt;</a:t>
-            </a:r>
-          </a:p>
-          <a:p>
-            <a:pPr algn="just">
-              <a:lnSpc>
-                <a:spcPct val="107000"/>
-              </a:lnSpc>
-              <a:spcAft>
-                <a:spcPts val="800"/>
-              </a:spcAft>
-            </a:pPr>
-            <a:r>
-              <a:rPr lang="en-US" altLang="ko-KR" sz="1600" smtClean="0">
-                <a:latin typeface="+mn-ea"/>
-                <a:cs typeface="NanumGothic" pitchFamily="2" charset="-127"/>
-              </a:rPr>
-              <a:t>- </a:t>
-            </a:r>
-            <a:r>
-              <a:rPr lang="ko-KR" altLang="en-US" sz="1600" smtClean="0">
-                <a:latin typeface="+mn-ea"/>
-                <a:cs typeface="NanumGothic" pitchFamily="2" charset="-127"/>
-              </a:rPr>
-              <a:t>전체강의 </a:t>
-            </a:r>
-            <a:r>
-              <a:rPr lang="ko-KR" altLang="en-US" sz="1600">
-                <a:latin typeface="+mn-ea"/>
-                <a:cs typeface="NanumGothic" pitchFamily="2" charset="-127"/>
-              </a:rPr>
-              <a:t>정보 조회를 한 후 </a:t>
-            </a:r>
-            <a:r>
-              <a:rPr lang="ko-KR" altLang="ko-KR" sz="1600">
-                <a:latin typeface="+mn-ea"/>
-                <a:cs typeface="NanumGothic" pitchFamily="2" charset="-127"/>
-              </a:rPr>
-              <a:t>수강신청</a:t>
-            </a:r>
-            <a:r>
-              <a:rPr lang="ko-KR" altLang="en-US" sz="1600">
-                <a:latin typeface="+mn-ea"/>
-                <a:cs typeface="NanumGothic" pitchFamily="2" charset="-127"/>
-              </a:rPr>
-              <a:t>을 할 </a:t>
-            </a:r>
-            <a:r>
-              <a:rPr lang="ko-KR" altLang="en-US" sz="1600">
-                <a:latin typeface="+mn-ea"/>
-                <a:cs typeface="NanumGothic" pitchFamily="2" charset="-127"/>
-              </a:rPr>
-              <a:t>수 </a:t>
-            </a:r>
-            <a:r>
-              <a:rPr lang="en-US" altLang="ko-KR" sz="1600" smtClean="0">
-                <a:latin typeface="+mn-ea"/>
-                <a:cs typeface="NanumGothic" pitchFamily="2" charset="-127"/>
-              </a:rPr>
-              <a:t>- </a:t>
-            </a:r>
-            <a:r>
-              <a:rPr lang="ko-KR" altLang="en-US" sz="1600" smtClean="0">
-                <a:latin typeface="+mn-ea"/>
-                <a:cs typeface="NanumGothic" pitchFamily="2" charset="-127"/>
-              </a:rPr>
-              <a:t>있다</a:t>
-            </a:r>
-            <a:r>
-              <a:rPr lang="en-US" altLang="ko-KR" sz="1600">
-                <a:latin typeface="+mn-ea"/>
-                <a:cs typeface="NanumGothic" pitchFamily="2" charset="-127"/>
-              </a:rPr>
-              <a:t>.</a:t>
-            </a:r>
-          </a:p>
-          <a:p>
-            <a:pPr algn="just">
-              <a:lnSpc>
-                <a:spcPct val="107000"/>
-              </a:lnSpc>
-              <a:spcAft>
-                <a:spcPts val="800"/>
-              </a:spcAft>
-            </a:pPr>
-            <a:r>
-              <a:rPr lang="en-US" altLang="ko-KR" sz="1600" smtClean="0">
-                <a:latin typeface="+mn-ea"/>
-                <a:cs typeface="NanumGothic" pitchFamily="2" charset="-127"/>
-              </a:rPr>
-              <a:t>- </a:t>
-            </a:r>
-            <a:r>
-              <a:rPr lang="ko-KR" altLang="ko-KR" sz="1600" smtClean="0">
-                <a:latin typeface="+mn-ea"/>
-                <a:cs typeface="NanumGothic" pitchFamily="2" charset="-127"/>
-              </a:rPr>
-              <a:t>학점 </a:t>
-            </a:r>
-            <a:r>
-              <a:rPr lang="ko-KR" altLang="ko-KR" sz="1600">
-                <a:latin typeface="+mn-ea"/>
-                <a:cs typeface="NanumGothic" pitchFamily="2" charset="-127"/>
-              </a:rPr>
-              <a:t>조회</a:t>
-            </a:r>
-            <a:r>
-              <a:rPr lang="ko-KR" altLang="en-US" sz="1600">
-                <a:latin typeface="+mn-ea"/>
-                <a:cs typeface="NanumGothic" pitchFamily="2" charset="-127"/>
-              </a:rPr>
-              <a:t>를 할 수 있다</a:t>
-            </a:r>
-            <a:r>
-              <a:rPr lang="en-US" altLang="ko-KR" sz="1600">
-                <a:latin typeface="+mn-ea"/>
-                <a:cs typeface="NanumGothic" pitchFamily="2" charset="-127"/>
-              </a:rPr>
-              <a:t>.</a:t>
-            </a:r>
-          </a:p>
-          <a:p>
-            <a:pPr algn="just">
-              <a:lnSpc>
-                <a:spcPct val="107000"/>
-              </a:lnSpc>
-              <a:spcAft>
-                <a:spcPts val="800"/>
-              </a:spcAft>
-            </a:pPr>
-            <a:endParaRPr lang="en-US" altLang="ko-KR" sz="1600" dirty="0">
-              <a:latin typeface="+mn-ea"/>
-              <a:cs typeface="NanumGothic" pitchFamily="2" charset="-127"/>
-            </a:endParaRPr>
-          </a:p>
-          <a:p>
-            <a:pPr algn="just">
-              <a:lnSpc>
-                <a:spcPct val="107000"/>
-              </a:lnSpc>
-              <a:spcAft>
-                <a:spcPts val="800"/>
-              </a:spcAft>
-            </a:pPr>
-            <a:r>
-              <a:rPr lang="en-US" altLang="ko-KR" sz="1600" dirty="0">
-                <a:latin typeface="+mn-ea"/>
-                <a:cs typeface="NanumGothic" pitchFamily="2" charset="-127"/>
-              </a:rPr>
-              <a:t>&lt;</a:t>
-            </a:r>
-            <a:r>
-              <a:rPr lang="ko-KR" altLang="en-US" sz="1600" dirty="0">
-                <a:latin typeface="+mn-ea"/>
-                <a:cs typeface="NanumGothic" pitchFamily="2" charset="-127"/>
-              </a:rPr>
-              <a:t>관리자</a:t>
-            </a:r>
-            <a:r>
-              <a:rPr lang="en-US" altLang="ko-KR" sz="1600" dirty="0">
-                <a:latin typeface="+mn-ea"/>
-                <a:cs typeface="NanumGothic" pitchFamily="2" charset="-127"/>
-              </a:rPr>
-              <a:t>&gt;</a:t>
-            </a:r>
-          </a:p>
-          <a:p>
-            <a:pPr algn="just">
-              <a:lnSpc>
-                <a:spcPct val="107000"/>
-              </a:lnSpc>
-              <a:spcAft>
-                <a:spcPts val="800"/>
-              </a:spcAft>
-            </a:pPr>
-            <a:r>
-              <a:rPr lang="en-US" altLang="ko-KR" sz="1600" smtClean="0">
-                <a:effectLst/>
-                <a:latin typeface="+mn-ea"/>
-                <a:cs typeface="NanumGothic" pitchFamily="2" charset="-127"/>
-              </a:rPr>
-              <a:t>- </a:t>
-            </a:r>
-            <a:r>
-              <a:rPr lang="ko-KR" altLang="en-US" sz="1600" smtClean="0">
-                <a:effectLst/>
-                <a:latin typeface="+mn-ea"/>
-                <a:cs typeface="NanumGothic" pitchFamily="2" charset="-127"/>
-              </a:rPr>
-              <a:t>성적확정을 </a:t>
-            </a:r>
-            <a:r>
-              <a:rPr lang="ko-KR" altLang="en-US" sz="1600" dirty="0">
-                <a:effectLst/>
-                <a:latin typeface="+mn-ea"/>
-                <a:cs typeface="NanumGothic" pitchFamily="2" charset="-127"/>
-              </a:rPr>
-              <a:t>할 수 있다</a:t>
-            </a:r>
-            <a:r>
-              <a:rPr lang="en-US" altLang="ko-KR" sz="1600" dirty="0">
-                <a:effectLst/>
-                <a:latin typeface="+mn-ea"/>
-                <a:cs typeface="NanumGothic" pitchFamily="2" charset="-127"/>
-              </a:rPr>
-              <a:t>.</a:t>
-            </a:r>
-          </a:p>
-          <a:p>
-            <a:pPr algn="just">
-              <a:lnSpc>
-                <a:spcPct val="107000"/>
-              </a:lnSpc>
-              <a:spcAft>
-                <a:spcPts val="800"/>
-              </a:spcAft>
-            </a:pPr>
-            <a:r>
-              <a:rPr lang="en-US" altLang="ko-KR" sz="1600" smtClean="0">
-                <a:latin typeface="+mn-ea"/>
-                <a:cs typeface="NanumGothic" pitchFamily="2" charset="-127"/>
-              </a:rPr>
-              <a:t>- </a:t>
-            </a:r>
-            <a:r>
-              <a:rPr lang="ko-KR" altLang="en-US" sz="1600" smtClean="0">
-                <a:latin typeface="+mn-ea"/>
-                <a:cs typeface="NanumGothic" pitchFamily="2" charset="-127"/>
-              </a:rPr>
-              <a:t>학사일정 </a:t>
-            </a:r>
-            <a:r>
-              <a:rPr lang="ko-KR" altLang="en-US" sz="1600" dirty="0">
-                <a:latin typeface="+mn-ea"/>
-                <a:cs typeface="NanumGothic" pitchFamily="2" charset="-127"/>
-              </a:rPr>
-              <a:t>입력을 할 수 </a:t>
-            </a:r>
-            <a:r>
-              <a:rPr lang="ko-KR" altLang="en-US" sz="1600">
-                <a:latin typeface="+mn-ea"/>
-                <a:cs typeface="NanumGothic" pitchFamily="2" charset="-127"/>
-              </a:rPr>
-              <a:t>있다</a:t>
-            </a:r>
-            <a:r>
-              <a:rPr lang="en-US" altLang="ko-KR" sz="1600" smtClean="0">
-                <a:latin typeface="+mn-ea"/>
-                <a:cs typeface="NanumGothic" pitchFamily="2" charset="-127"/>
-              </a:rPr>
-              <a:t>.</a:t>
-            </a:r>
-            <a:endParaRPr lang="ko-KR" altLang="ko-KR" sz="1600" dirty="0">
-              <a:effectLst/>
-              <a:latin typeface="+mn-ea"/>
-              <a:cs typeface="NanumGothic" pitchFamily="2" charset="-127"/>
-            </a:endParaRPr>
-          </a:p>
-        </p:txBody>
-      </p:sp>
-      <p:sp>
-        <p:nvSpPr>
-          <p:cNvPr id="5" name="TextBox 4"/>
-          <p:cNvSpPr txBox="1"/>
+        </p:txBody>
+      </p:sp>
+      <p:pic>
+        <p:nvPicPr>
+          <p:cNvPr id="9" name="Picture " descr="C:/Users/thswl/AppData/Roaming/PolarisOffice/ETemp/21832_22335000/fImage381071198467.png"/>
+          <p:cNvPicPr>
+            <a:picLocks noChangeAspect="1"/>
+          </p:cNvPicPr>
           <p:nvPr/>
-        </p:nvSpPr>
-        <p:spPr>
-          <a:xfrm>
-            <a:off x="365760" y="316230"/>
-            <a:ext cx="2172970" cy="369570"/>
-          </a:xfrm>
-          <a:prstGeom prst="rect">
-            <a:avLst/>
-          </a:prstGeom>
+        </p:nvPicPr>
+        <p:blipFill rotWithShape="1">
+          <a:blip r:embed="rId2" cstate="print">
+            <a:extLst>
+              <a:ext uri="{28A0092B-C50C-407E-A947-70E740481C1C}">
+                <a14:useLocalDpi xmlns:a14="http://schemas.microsoft.com/office/drawing/2010/main" val="0"/>
+              </a:ext>
+            </a:extLst>
+          </a:blip>
+          <a:stretch>
+            <a:fillRect/>
+          </a:stretch>
+        </p:blipFill>
+        <p:spPr>
+          <a:xfrm rot="0">
+            <a:off x="2301875" y="1139825"/>
+            <a:ext cx="7670800" cy="4602480"/>
+          </a:xfrm>
+          <a:prstGeom prst="rect"/>
           <a:noFill/>
         </p:spPr>
-        <p:txBody>
-          <a:bodyPr wrap="square" rtlCol="0">
-            <a:spAutoFit/>
-          </a:bodyPr>
-          <a:lstStyle/>
-          <a:p>
-            <a:r>
-              <a:rPr lang="en-US" altLang="ko-KR" b="1" smtClean="0">
-                <a:latin typeface="+mn-ea"/>
-              </a:rPr>
-              <a:t>2. </a:t>
-            </a:r>
-            <a:r>
-              <a:rPr lang="ko-KR" altLang="en-US" b="1" smtClean="0">
-                <a:latin typeface="+mn-ea"/>
-              </a:rPr>
-              <a:t>기능리스트</a:t>
-            </a:r>
-            <a:endParaRPr lang="ko-KR" altLang="en-US" b="1">
-              <a:latin typeface="+mn-ea"/>
-            </a:endParaRPr>
-          </a:p>
-        </p:txBody>
-      </p:sp>
-      <p:sp>
-        <p:nvSpPr>
-          <p:cNvPr id="3" name="슬라이드 번호 개체 틀 2"/>
-          <p:cNvSpPr>
-            <a:spLocks noGrp="1"/>
-          </p:cNvSpPr>
-          <p:nvPr>
-            <p:ph type="sldNum" sz="quarter" idx="12"/>
-          </p:nvPr>
-        </p:nvSpPr>
-        <p:spPr>
-          <a:xfrm>
-            <a:off x="8610600" y="6356350"/>
-            <a:ext cx="2743835" cy="365760"/>
-          </a:xfrm>
-        </p:spPr>
-        <p:txBody>
-          <a:bodyPr/>
-          <a:lstStyle/>
-          <a:p>
-            <a:fld id="{4E479D57-356A-4925-A0CC-33B96151A400}" type="slidenum">
-              <a:rPr lang="ko-KR" altLang="en-US" smtClean="0"/>
-              <a:t>2</a:t>
-            </a:fld>
-            <a:endParaRPr lang="ko-KR" altLang="en-US"/>
-          </a:p>
-        </p:txBody>
-      </p:sp>
+      </p:pic>
     </p:spTree>
-    <p:extLst>
-      <p:ext uri="{BB962C8B-B14F-4D97-AF65-F5344CB8AC3E}">
-        <p14:creationId xmlns:p14="http://schemas.microsoft.com/office/powerpoint/2010/main" val="1103527524"/>
-      </p:ext>
-    </p:extLst>
   </p:cSld>
   <p:clrMapOvr>
     <a:masterClrMapping/>
@@ -6092,7 +6147,7 @@
 </file>
 
 <file path=ppt/slides/slide4.xml><?xml version="1.0" encoding="utf-8"?>
-<p:sld xmlns:a="http://schemas.openxmlformats.org/drawingml/2006/main" xmlns:r="http://schemas.openxmlformats.org/officeDocument/2006/relationships" xmlns:p="http://schemas.openxmlformats.org/presentationml/2006/main" xmlns:p14="http://schemas.microsoft.com/office/powerpoint/2010/main">
+<p:sld xmlns:a="http://schemas.openxmlformats.org/drawingml/2006/main" xmlns:r="http://schemas.openxmlformats.org/officeDocument/2006/relationships" xmlns:p="http://schemas.openxmlformats.org/presentationml/2006/main">
   <p:cSld>
     <p:spTree>
       <p:nvGrpSpPr>
@@ -6108,212 +6163,183 @@
           <a:chExt cx="0" cy="0"/>
         </a:xfrm>
       </p:grpSpPr>
+      <p:sp>
+        <p:nvSpPr>
+          <p:cNvPr id="2" name="Rect 0"/>
+          <p:cNvSpPr txBox="1">
+            <a:spLocks/>
+          </p:cNvSpPr>
+          <p:nvPr/>
+        </p:nvSpPr>
+        <p:spPr>
+          <a:xfrm rot="0">
+            <a:off x="365760" y="316230"/>
+            <a:ext cx="3669030" cy="368935"/>
+          </a:xfrm>
+          <a:prstGeom prst="rect"/>
+          <a:noFill/>
+        </p:spPr>
+        <p:txBody>
+          <a:bodyPr wrap="square" lIns="91440" tIns="45720" rIns="91440" bIns="45720" numCol="1" vert="horz" anchor="t">
+            <a:spAutoFit/>
+          </a:bodyPr>
+          <a:lstStyle/>
+          <a:p>
+            <a:pPr marL="0" indent="0" latinLnBrk="0">
+              <a:buFontTx/>
+              <a:buNone/>
+            </a:pPr>
+            <a:r>
+              <a:rPr lang="en-US" altLang="ko-KR" b="1">
+                <a:latin typeface="맑은 고딕" charset="0"/>
+              </a:rPr>
+              <a:t>1. </a:t>
+            </a:r>
+            <a:r>
+              <a:rPr lang="ko-KR" altLang="ko-KR">
+                <a:latin typeface="맑은 고딕" charset="0"/>
+                <a:cs typeface="NanumGothic" charset="0"/>
+              </a:rPr>
+              <a:t>Model - UserDAO.java</a:t>
+            </a:r>
+            <a:endParaRPr lang="ko-KR" altLang="en-US">
+              <a:latin typeface="맑은 고딕" charset="0"/>
+              <a:cs typeface="NanumGothic" charset="0"/>
+            </a:endParaRPr>
+          </a:p>
+        </p:txBody>
+      </p:sp>
+      <p:sp>
+        <p:nvSpPr>
+          <p:cNvPr id="8" name="슬라이드 번호 개체 틀 7"/>
+          <p:cNvSpPr txBox="1">
+            <a:spLocks/>
+          </p:cNvSpPr>
+          <p:nvPr>
+            <p:ph type="sldNum" idx="12"/>
+          </p:nvPr>
+        </p:nvSpPr>
+        <p:spPr>
+          <a:xfrm rot="0">
+            <a:off x="8610600" y="6356350"/>
+            <a:ext cx="2744470" cy="366395"/>
+          </a:xfrm>
+          <a:prstGeom prst="rect"/>
+        </p:spPr>
+        <p:txBody>
+          <a:bodyPr wrap="square" lIns="91440" tIns="45720" rIns="91440" bIns="45720" numCol="1" vert="horz" anchor="ctr">
+            <a:noAutofit/>
+          </a:bodyPr>
+          <a:lstStyle/>
+          <a:p>
+            <a:pPr marL="0" indent="0" latinLnBrk="0">
+              <a:buFontTx/>
+              <a:buNone/>
+            </a:pPr>
+            <a:fld id="{B9320F77-B9A0-41C5-862A-B4B631284C64}" type="slidenum">
+              <a:rPr lang="ko-KR" altLang="en-US" sz="1200">
+                <a:latin typeface="맑은 고딕" charset="0"/>
+                <a:ea typeface="맑은 고딕" charset="0"/>
+                <a:cs typeface="+mn-cs"/>
+              </a:rPr>
+              <a:t>4</a:t>
+            </a:fld>
+            <a:endParaRPr lang="ko-KR" altLang="en-US" sz="1200">
+              <a:latin typeface="맑은 고딕" charset="0"/>
+              <a:ea typeface="맑은 고딕" charset="0"/>
+              <a:cs typeface="+mn-cs"/>
+            </a:endParaRPr>
+          </a:p>
+        </p:txBody>
+      </p:sp>
       <p:pic>
         <p:nvPicPr>
-          <p:cNvPr id="7" name="그림 6">
-            <a:extLst>
-              <a:ext uri="{FF2B5EF4-FFF2-40B4-BE49-F238E27FC236}">
-                <a16:creationId xmlns:a16="http://schemas.microsoft.com/office/drawing/2014/main" id="{4EF17B73-611D-4531-A55A-82F9678EE298}"/>
-              </a:ext>
-            </a:extLst>
-          </p:cNvPr>
-          <p:cNvPicPr>
-            <a:picLocks noChangeAspect="1"/>
-          </p:cNvPicPr>
-          <p:nvPr/>
-        </p:nvPicPr>
-        <p:blipFill>
-          <a:blip r:embed="rId2">
-            <a:extLst>
-              <a:ext uri="{28A0092B-C50C-407E-A947-70E740481C1C}">
-                <a14:useLocalDpi xmlns:a14="http://schemas.microsoft.com/office/drawing/2010/main" val="0"/>
-              </a:ext>
-            </a:extLst>
-          </a:blip>
-          <a:stretch>
-            <a:fillRect/>
-          </a:stretch>
-        </p:blipFill>
-        <p:spPr>
-          <a:xfrm>
-            <a:off x="0" y="1310640"/>
-            <a:ext cx="5961380" cy="5149850"/>
-          </a:xfrm>
-          <a:prstGeom prst="rect">
-            <a:avLst/>
-          </a:prstGeom>
-        </p:spPr>
-      </p:pic>
-      <p:pic>
-        <p:nvPicPr>
-          <p:cNvPr id="9" name="그림 8">
-            <a:extLst>
-              <a:ext uri="{FF2B5EF4-FFF2-40B4-BE49-F238E27FC236}">
-                <a16:creationId xmlns:a16="http://schemas.microsoft.com/office/drawing/2014/main" id="{F5E204D4-FD18-4B36-A453-818F63F72049}"/>
-              </a:ext>
-            </a:extLst>
-          </p:cNvPr>
+          <p:cNvPr id="9" name="그림 4" descr="C:/Users/thswl/AppData/Roaming/PolarisOffice/ETemp/21832_22335000/fImage247401246334.png"/>
           <p:cNvPicPr>
             <a:picLocks noChangeAspect="1"/>
           </p:cNvPicPr>
           <p:nvPr/>
         </p:nvPicPr>
         <p:blipFill rotWithShape="1">
-          <a:blip r:embed="rId3">
+          <a:blip r:embed="rId2" cstate="print">
             <a:extLst>
               <a:ext uri="{28A0092B-C50C-407E-A947-70E740481C1C}">
                 <a14:useLocalDpi xmlns:a14="http://schemas.microsoft.com/office/drawing/2010/main" val="0"/>
               </a:ext>
             </a:extLst>
           </a:blip>
-          <a:srcRect l="2380"/>
-          <a:stretch/>
+          <a:stretch>
+            <a:fillRect/>
+          </a:stretch>
         </p:blipFill>
         <p:spPr>
-          <a:xfrm>
-            <a:off x="6121400" y="1224280"/>
-            <a:ext cx="6059170" cy="5379085"/>
-          </a:xfrm>
-          <a:prstGeom prst="rect">
-            <a:avLst/>
-          </a:prstGeom>
+          <a:xfrm rot="0">
+            <a:off x="3032125" y="685800"/>
+            <a:ext cx="6934835" cy="2753360"/>
+          </a:xfrm>
+          <a:prstGeom prst="rect"/>
+          <a:noFill/>
         </p:spPr>
       </p:pic>
-      <p:sp>
-        <p:nvSpPr>
-          <p:cNvPr id="11" name="TextBox 10">
-            <a:extLst>
-              <a:ext uri="{FF2B5EF4-FFF2-40B4-BE49-F238E27FC236}">
-                <a16:creationId xmlns:a16="http://schemas.microsoft.com/office/drawing/2014/main" id="{4756F8E1-6792-4F7D-A8D3-7BBC293C23FA}"/>
-              </a:ext>
-            </a:extLst>
-          </p:cNvPr>
-          <p:cNvSpPr txBox="1"/>
+      <p:pic>
+        <p:nvPicPr>
+          <p:cNvPr id="10" name="그림 5" descr="C:/Users/thswl/AppData/Roaming/PolarisOffice/ETemp/21832_22335000/fImage239861256500.png"/>
+          <p:cNvPicPr>
+            <a:picLocks noChangeAspect="1"/>
+          </p:cNvPicPr>
           <p:nvPr/>
-        </p:nvSpPr>
-        <p:spPr>
-          <a:xfrm>
-            <a:off x="365760" y="953770"/>
-            <a:ext cx="6206490" cy="276860"/>
-          </a:xfrm>
-          <a:prstGeom prst="rect">
-            <a:avLst/>
-          </a:prstGeom>
+        </p:nvPicPr>
+        <p:blipFill rotWithShape="1">
+          <a:blip r:embed="rId3" cstate="print">
+            <a:extLst>
+              <a:ext uri="{28A0092B-C50C-407E-A947-70E740481C1C}">
+                <a14:useLocalDpi xmlns:a14="http://schemas.microsoft.com/office/drawing/2010/main" val="0"/>
+              </a:ext>
+            </a:extLst>
+          </a:blip>
+          <a:stretch>
+            <a:fillRect/>
+          </a:stretch>
+        </p:blipFill>
+        <p:spPr>
+          <a:xfrm rot="0">
+            <a:off x="346710" y="3423920"/>
+            <a:ext cx="6264910" cy="3322955"/>
+          </a:xfrm>
+          <a:prstGeom prst="rect"/>
           <a:noFill/>
         </p:spPr>
-        <p:txBody>
-          <a:bodyPr wrap="square" rtlCol="0">
-            <a:spAutoFit/>
-          </a:bodyPr>
-          <a:lstStyle/>
-          <a:p>
-            <a:r>
-              <a:rPr lang="en-US" altLang="ko-KR" sz="1200" dirty="0">
-                <a:latin typeface="+mn-ea"/>
-              </a:rPr>
-              <a:t>* </a:t>
-            </a:r>
-            <a:r>
-              <a:rPr lang="ko-KR" altLang="en-US" sz="1200" dirty="0" err="1">
-                <a:latin typeface="+mn-ea"/>
-              </a:rPr>
-              <a:t>메인업무</a:t>
-            </a:r>
-            <a:r>
-              <a:rPr lang="ko-KR" altLang="en-US" sz="1200" dirty="0">
-                <a:latin typeface="+mn-ea"/>
-              </a:rPr>
-              <a:t> </a:t>
-            </a:r>
-            <a:r>
-              <a:rPr lang="en-US" altLang="ko-KR" sz="1200" dirty="0">
-                <a:latin typeface="+mn-ea"/>
-              </a:rPr>
-              <a:t>– </a:t>
-            </a:r>
-            <a:r>
-              <a:rPr lang="ko-KR" altLang="en-US" sz="1200" dirty="0">
-                <a:latin typeface="+mn-ea"/>
-              </a:rPr>
-              <a:t>관리자 입장에서 학생의 최종학점조회를 위한 성적데이터 입출력</a:t>
-            </a:r>
-          </a:p>
-        </p:txBody>
-      </p:sp>
-      <p:sp>
-        <p:nvSpPr>
-          <p:cNvPr id="8" name="TextBox 7"/>
-          <p:cNvSpPr txBox="1"/>
+      </p:pic>
+      <p:pic>
+        <p:nvPicPr>
+          <p:cNvPr id="11" name="그림 7" descr="C:/Users/thswl/AppData/Roaming/PolarisOffice/ETemp/21832_22335000/fImage454211279169.png"/>
+          <p:cNvPicPr>
+            <a:picLocks noChangeAspect="1"/>
+          </p:cNvPicPr>
           <p:nvPr/>
-        </p:nvSpPr>
-        <p:spPr>
-          <a:xfrm>
-            <a:off x="365760" y="316230"/>
-            <a:ext cx="2721610" cy="369570"/>
-          </a:xfrm>
-          <a:prstGeom prst="rect">
-            <a:avLst/>
-          </a:prstGeom>
+        </p:nvPicPr>
+        <p:blipFill rotWithShape="1">
+          <a:blip r:embed="rId4" cstate="print">
+            <a:extLst>
+              <a:ext uri="{28A0092B-C50C-407E-A947-70E740481C1C}">
+                <a14:useLocalDpi xmlns:a14="http://schemas.microsoft.com/office/drawing/2010/main" val="0"/>
+              </a:ext>
+            </a:extLst>
+          </a:blip>
+          <a:stretch>
+            <a:fillRect/>
+          </a:stretch>
+        </p:blipFill>
+        <p:spPr>
+          <a:xfrm rot="0">
+            <a:off x="7977505" y="3165475"/>
+            <a:ext cx="4032885" cy="3557270"/>
+          </a:xfrm>
+          <a:prstGeom prst="rect"/>
           <a:noFill/>
         </p:spPr>
-        <p:txBody>
-          <a:bodyPr wrap="square" rtlCol="0">
-            <a:spAutoFit/>
-          </a:bodyPr>
-          <a:lstStyle/>
-          <a:p>
-            <a:r>
-              <a:rPr lang="en-US" altLang="ko-KR" b="1" smtClean="0">
-                <a:latin typeface="+mn-ea"/>
-              </a:rPr>
-              <a:t>3. </a:t>
-            </a:r>
-            <a:r>
-              <a:rPr lang="en-US" altLang="ko-KR" b="1">
-                <a:latin typeface="+mn-ea"/>
-              </a:rPr>
-              <a:t>UsecaseDiagram</a:t>
-            </a:r>
-            <a:endParaRPr lang="ko-KR" altLang="en-US" b="1">
-              <a:latin typeface="+mn-ea"/>
-            </a:endParaRPr>
-          </a:p>
-        </p:txBody>
-      </p:sp>
-      <p:sp>
-        <p:nvSpPr>
-          <p:cNvPr id="2" name="슬라이드 번호 개체 틀 1"/>
-          <p:cNvSpPr>
-            <a:spLocks noGrp="1"/>
-          </p:cNvSpPr>
-          <p:nvPr>
-            <p:ph type="sldNum" sz="quarter" idx="12"/>
-          </p:nvPr>
-        </p:nvSpPr>
-        <p:spPr>
-          <a:xfrm>
-            <a:off x="8610600" y="6356350"/>
-            <a:ext cx="2743835" cy="365760"/>
-          </a:xfrm>
-        </p:spPr>
-        <p:txBody>
-          <a:bodyPr/>
-          <a:lstStyle/>
-          <a:p>
-            <a:fld id="{4E479D57-356A-4925-A0CC-33B96151A400}" type="slidenum">
-              <a:rPr lang="ko-KR" altLang="en-US" smtClean="0"/>
-              <a:t>3</a:t>
-            </a:fld>
-            <a:endParaRPr lang="ko-KR" altLang="en-US"/>
-          </a:p>
-        </p:txBody>
-      </p:sp>
+      </p:pic>
     </p:spTree>
-    <p:extLst>
-      <p:ext uri="{BB962C8B-B14F-4D97-AF65-F5344CB8AC3E}">
-        <p14:creationId xmlns:p14="http://schemas.microsoft.com/office/powerpoint/2010/main" val="2397810235"/>
-      </p:ext>
-    </p:extLst>
   </p:cSld>
   <p:clrMapOvr>
     <a:masterClrMapping/>
@@ -6337,7 +6363,7 @@
 </file>
 
 <file path=ppt/slides/slide5.xml><?xml version="1.0" encoding="utf-8"?>
-<p:sld xmlns:a="http://schemas.openxmlformats.org/drawingml/2006/main" xmlns:r="http://schemas.openxmlformats.org/officeDocument/2006/relationships" xmlns:p="http://schemas.openxmlformats.org/presentationml/2006/main">
+<p:sld xmlns:a="http://schemas.openxmlformats.org/drawingml/2006/main" xmlns:r="http://schemas.openxmlformats.org/officeDocument/2006/relationships" xmlns:p="http://schemas.openxmlformats.org/presentationml/2006/main" xmlns:p14="http://schemas.microsoft.com/office/powerpoint/2010/main">
   <p:cSld>
     <p:spTree>
       <p:nvGrpSpPr>
@@ -6353,16 +6379,68 @@
           <a:chExt cx="0" cy="0"/>
         </a:xfrm>
       </p:grpSpPr>
+      <p:sp>
+        <p:nvSpPr>
+          <p:cNvPr id="2" name="텍스트 상자 8"/>
+          <p:cNvSpPr txBox="1">
+            <a:spLocks/>
+          </p:cNvSpPr>
+          <p:nvPr/>
+        </p:nvSpPr>
+        <p:spPr>
+          <a:xfrm rot="0">
+            <a:off x="365760" y="316230"/>
+            <a:ext cx="3669030" cy="368935"/>
+          </a:xfrm>
+          <a:prstGeom prst="rect"/>
+          <a:noFill/>
+        </p:spPr>
+        <p:txBody>
+          <a:bodyPr wrap="square" lIns="91440" tIns="45720" rIns="91440" bIns="45720" numCol="1" vert="horz" anchor="t">
+            <a:spAutoFit/>
+          </a:bodyPr>
+          <a:lstStyle/>
+          <a:p>
+            <a:pPr marL="0" indent="0" latinLnBrk="0">
+              <a:buFontTx/>
+              <a:buNone/>
+            </a:pPr>
+            <a:r>
+              <a:rPr lang="ko-KR" altLang="ko-KR" b="1">
+                <a:latin typeface="맑은 고딕" charset="0"/>
+              </a:rPr>
+              <a:t>2</a:t>
+            </a:r>
+            <a:r>
+              <a:rPr lang="en-US" altLang="ko-KR" b="1">
+                <a:latin typeface="맑은 고딕" charset="0"/>
+              </a:rPr>
+              <a:t>. </a:t>
+            </a:r>
+            <a:r>
+              <a:rPr lang="ko-KR" altLang="ko-KR">
+                <a:latin typeface="맑은 고딕" charset="0"/>
+                <a:cs typeface="NanumGothic" charset="0"/>
+              </a:rPr>
+              <a:t>View - main.jsp</a:t>
+            </a:r>
+            <a:endParaRPr lang="ko-KR" altLang="en-US">
+              <a:latin typeface="맑은 고딕" charset="0"/>
+              <a:cs typeface="NanumGothic" charset="0"/>
+            </a:endParaRPr>
+          </a:p>
+        </p:txBody>
+      </p:sp>
       <p:pic>
         <p:nvPicPr>
-          <p:cNvPr id="5" name="그림 9" descr="C:/Users/thswl/AppData/Roaming/PolarisOffice/ETemp/14556_20710064/fImage3166712441.png"/>
+          <p:cNvPr id="3" name="그림 9" descr="C:/Users/thswl/AppData/Roaming/PolarisOffice/ETemp/21832_22335000/fImage117481295724.png"/>
           <p:cNvPicPr>
             <a:picLocks noChangeAspect="1"/>
           </p:cNvPicPr>
           <p:nvPr/>
         </p:nvPicPr>
         <p:blipFill rotWithShape="1">
-          <a:blip r:embed="rId2" cstate="print">
+          <a:blip r:embed="rId1" cstate="print">
             <a:extLst>
               <a:ext uri="{28A0092B-C50C-407E-A947-70E740481C1C}">
                 <a14:useLocalDpi xmlns:a14="http://schemas.microsoft.com/office/drawing/2010/main" val="0"/>
@@ -6375,63 +6453,13 @@
         </p:blipFill>
         <p:spPr>
           <a:xfrm rot="0">
-            <a:off x="3166745" y="0"/>
-            <a:ext cx="5858510" cy="6858635"/>
+            <a:off x="1905000" y="2314575"/>
+            <a:ext cx="8358505" cy="2369185"/>
           </a:xfrm>
           <a:prstGeom prst="rect"/>
           <a:noFill/>
         </p:spPr>
       </p:pic>
-      <p:sp>
-        <p:nvSpPr>
-          <p:cNvPr id="6" name="텍스트 상자 11"/>
-          <p:cNvSpPr txBox="1">
-            <a:spLocks/>
-          </p:cNvSpPr>
-          <p:nvPr/>
-        </p:nvSpPr>
-        <p:spPr>
-          <a:xfrm rot="0">
-            <a:off x="365760" y="316230"/>
-            <a:ext cx="2722245" cy="368935"/>
-          </a:xfrm>
-          <a:prstGeom prst="rect"/>
-          <a:noFill/>
-        </p:spPr>
-        <p:txBody>
-          <a:bodyPr wrap="square" lIns="91440" tIns="45720" rIns="91440" bIns="45720" numCol="1" vert="horz" anchor="t">
-            <a:spAutoFit/>
-          </a:bodyPr>
-          <a:lstStyle/>
-          <a:p>
-            <a:pPr marL="0" indent="0" latinLnBrk="0">
-              <a:buFontTx/>
-              <a:buNone/>
-            </a:pPr>
-            <a:r>
-              <a:rPr lang="ko-KR" altLang="ko-KR" b="1">
-                <a:latin typeface="맑은 고딕" charset="0"/>
-              </a:rPr>
-              <a:t>4. </a:t>
-            </a:r>
-            <a:r>
-              <a:rPr lang="en-US" altLang="ko-KR" b="1">
-                <a:latin typeface="맑은 고딕" charset="0"/>
-              </a:rPr>
-              <a:t>ActivityDiagram</a:t>
-            </a:r>
-            <a:r>
-              <a:rPr lang="ko-KR" altLang="ko-KR" b="1">
-                <a:latin typeface="맑은 고딕" charset="0"/>
-              </a:rPr>
-              <a:t> </a:t>
-            </a:r>
-            <a:endParaRPr lang="ko-KR" altLang="en-US" b="1">
-              <a:latin typeface="맑은 고딕" charset="0"/>
-            </a:endParaRPr>
-          </a:p>
-        </p:txBody>
-      </p:sp>
     </p:spTree>
   </p:cSld>
   <p:clrMapOvr>
@@ -6445,6 +6473,13 @@
       <p:transition spd="slow"/>
     </mc:Fallback>
   </mc:AlternateContent>
+  <p:timing>
+    <p:tnLst>
+      <p:par>
+        <p:cTn id="1" dur="indefinite" restart="never" nodeType="tmRoot"/>
+      </p:par>
+    </p:tnLst>
+  </p:timing>
 </p:sld>
 </file>
 
@@ -6465,6 +6500,479 @@
           <a:chExt cx="0" cy="0"/>
         </a:xfrm>
       </p:grpSpPr>
+      <p:sp>
+        <p:nvSpPr>
+          <p:cNvPr id="2" name="Rect 0"/>
+          <p:cNvSpPr txBox="1">
+            <a:spLocks/>
+          </p:cNvSpPr>
+          <p:nvPr/>
+        </p:nvSpPr>
+        <p:spPr>
+          <a:xfrm rot="0">
+            <a:off x="365760" y="316230"/>
+            <a:ext cx="3669030" cy="368935"/>
+          </a:xfrm>
+          <a:prstGeom prst="rect"/>
+          <a:noFill/>
+        </p:spPr>
+        <p:txBody>
+          <a:bodyPr wrap="square" lIns="91440" tIns="45720" rIns="91440" bIns="45720" numCol="1" vert="horz" anchor="t">
+            <a:spAutoFit/>
+          </a:bodyPr>
+          <a:lstStyle/>
+          <a:p>
+            <a:pPr marL="0" indent="0" latinLnBrk="0">
+              <a:buFontTx/>
+              <a:buNone/>
+            </a:pPr>
+            <a:r>
+              <a:rPr lang="ko-KR" altLang="ko-KR" b="1">
+                <a:latin typeface="맑은 고딕" charset="0"/>
+              </a:rPr>
+              <a:t>2</a:t>
+            </a:r>
+            <a:r>
+              <a:rPr lang="en-US" altLang="ko-KR" b="1">
+                <a:latin typeface="맑은 고딕" charset="0"/>
+              </a:rPr>
+              <a:t>. </a:t>
+            </a:r>
+            <a:r>
+              <a:rPr lang="ko-KR" altLang="ko-KR">
+                <a:latin typeface="맑은 고딕" charset="0"/>
+                <a:cs typeface="NanumGothic" charset="0"/>
+              </a:rPr>
+              <a:t>View - login.jsp</a:t>
+            </a:r>
+            <a:endParaRPr lang="ko-KR" altLang="en-US">
+              <a:latin typeface="맑은 고딕" charset="0"/>
+              <a:cs typeface="NanumGothic" charset="0"/>
+            </a:endParaRPr>
+          </a:p>
+        </p:txBody>
+      </p:sp>
+      <p:pic>
+        <p:nvPicPr>
+          <p:cNvPr id="3" name="그림 10" descr="C:/Users/thswl/AppData/Roaming/PolarisOffice/ETemp/21832_22335000/fImage519011321478.png"/>
+          <p:cNvPicPr>
+            <a:picLocks noChangeAspect="1"/>
+          </p:cNvPicPr>
+          <p:nvPr/>
+        </p:nvPicPr>
+        <p:blipFill rotWithShape="1">
+          <a:blip r:embed="rId2" cstate="print">
+            <a:extLst>
+              <a:ext uri="{28A0092B-C50C-407E-A947-70E740481C1C}">
+                <a14:useLocalDpi xmlns:a14="http://schemas.microsoft.com/office/drawing/2010/main" val="0"/>
+              </a:ext>
+            </a:extLst>
+          </a:blip>
+          <a:stretch>
+            <a:fillRect/>
+          </a:stretch>
+        </p:blipFill>
+        <p:spPr>
+          <a:xfrm rot="0">
+            <a:off x="2682875" y="857250"/>
+            <a:ext cx="6848475" cy="5683885"/>
+          </a:xfrm>
+          <a:prstGeom prst="rect"/>
+          <a:noFill/>
+        </p:spPr>
+      </p:pic>
+    </p:spTree>
+  </p:cSld>
+  <p:clrMapOvr>
+    <a:masterClrMapping/>
+  </p:clrMapOvr>
+  <mc:AlternateContent xmlns:mc="http://schemas.openxmlformats.org/markup-compatibility/2006">
+    <mc:Choice xmlns:p14="http://schemas.microsoft.com/office/powerpoint/2010/main" Requires="p14">
+      <p:transition spd="slow" p14:dur="2000"/>
+    </mc:Choice>
+    <mc:Fallback>
+      <p:transition spd="slow"/>
+    </mc:Fallback>
+  </mc:AlternateContent>
+  <p:timing>
+    <p:tnLst>
+      <p:par>
+        <p:cTn id="1" dur="indefinite" restart="never" nodeType="tmRoot"/>
+      </p:par>
+    </p:tnLst>
+  </p:timing>
+</p:sld>
+</file>
+
+<file path=ppt/slides/slide7.xml><?xml version="1.0" encoding="utf-8"?>
+<p:sld xmlns:a="http://schemas.openxmlformats.org/drawingml/2006/main" xmlns:r="http://schemas.openxmlformats.org/officeDocument/2006/relationships" xmlns:p="http://schemas.openxmlformats.org/presentationml/2006/main">
+  <p:cSld>
+    <p:spTree>
+      <p:nvGrpSpPr>
+        <p:cNvPr id="1" name=""/>
+        <p:cNvGrpSpPr/>
+        <p:nvPr/>
+      </p:nvGrpSpPr>
+      <p:grpSpPr>
+        <a:xfrm>
+          <a:off x="0" y="0"/>
+          <a:ext cx="0" cy="0"/>
+          <a:chOff x="0" y="0"/>
+          <a:chExt cx="0" cy="0"/>
+        </a:xfrm>
+      </p:grpSpPr>
+      <p:sp>
+        <p:nvSpPr>
+          <p:cNvPr id="2" name="Rect 0"/>
+          <p:cNvSpPr txBox="1">
+            <a:spLocks/>
+          </p:cNvSpPr>
+          <p:nvPr/>
+        </p:nvSpPr>
+        <p:spPr>
+          <a:xfrm rot="0">
+            <a:off x="365760" y="316230"/>
+            <a:ext cx="3669030" cy="368935"/>
+          </a:xfrm>
+          <a:prstGeom prst="rect"/>
+          <a:noFill/>
+        </p:spPr>
+        <p:txBody>
+          <a:bodyPr wrap="square" lIns="91440" tIns="45720" rIns="91440" bIns="45720" numCol="1" vert="horz" anchor="t">
+            <a:spAutoFit/>
+          </a:bodyPr>
+          <a:lstStyle/>
+          <a:p>
+            <a:pPr marL="0" indent="0" latinLnBrk="0">
+              <a:buFontTx/>
+              <a:buNone/>
+            </a:pPr>
+            <a:r>
+              <a:rPr lang="ko-KR" altLang="ko-KR" b="1">
+                <a:latin typeface="맑은 고딕" charset="0"/>
+              </a:rPr>
+              <a:t>2</a:t>
+            </a:r>
+            <a:r>
+              <a:rPr lang="en-US" altLang="ko-KR" b="1">
+                <a:latin typeface="맑은 고딕" charset="0"/>
+              </a:rPr>
+              <a:t>. </a:t>
+            </a:r>
+            <a:r>
+              <a:rPr lang="ko-KR" altLang="ko-KR">
+                <a:latin typeface="맑은 고딕" charset="0"/>
+                <a:cs typeface="NanumGothic" charset="0"/>
+              </a:rPr>
+              <a:t>View - signup.jsp</a:t>
+            </a:r>
+            <a:endParaRPr lang="ko-KR" altLang="en-US">
+              <a:latin typeface="맑은 고딕" charset="0"/>
+              <a:cs typeface="NanumGothic" charset="0"/>
+            </a:endParaRPr>
+          </a:p>
+        </p:txBody>
+      </p:sp>
+      <p:pic>
+        <p:nvPicPr>
+          <p:cNvPr id="3" name="그림 11" descr="C:/Users/thswl/AppData/Roaming/PolarisOffice/ETemp/21832_22335000/fImage665531379358.png"/>
+          <p:cNvPicPr>
+            <a:picLocks noChangeAspect="1"/>
+          </p:cNvPicPr>
+          <p:nvPr/>
+        </p:nvPicPr>
+        <p:blipFill rotWithShape="1">
+          <a:blip r:embed="rId2" cstate="print">
+            <a:extLst>
+              <a:ext uri="{28A0092B-C50C-407E-A947-70E740481C1C}">
+                <a14:useLocalDpi xmlns:a14="http://schemas.microsoft.com/office/drawing/2010/main" val="0"/>
+              </a:ext>
+            </a:extLst>
+          </a:blip>
+          <a:stretch>
+            <a:fillRect/>
+          </a:stretch>
+        </p:blipFill>
+        <p:spPr>
+          <a:xfrm rot="0">
+            <a:off x="190500" y="1047750"/>
+            <a:ext cx="6136640" cy="5541010"/>
+          </a:xfrm>
+          <a:prstGeom prst="rect"/>
+          <a:noFill/>
+        </p:spPr>
+      </p:pic>
+      <p:pic>
+        <p:nvPicPr>
+          <p:cNvPr id="4" name="그림 12" descr="C:/Users/thswl/AppData/Roaming/PolarisOffice/ETemp/21832_22335000/fImage494771386962.png"/>
+          <p:cNvPicPr>
+            <a:picLocks noChangeAspect="1"/>
+          </p:cNvPicPr>
+          <p:nvPr/>
+        </p:nvPicPr>
+        <p:blipFill rotWithShape="1">
+          <a:blip r:embed="rId3" cstate="print">
+            <a:extLst>
+              <a:ext uri="{28A0092B-C50C-407E-A947-70E740481C1C}">
+                <a14:useLocalDpi xmlns:a14="http://schemas.microsoft.com/office/drawing/2010/main" val="0"/>
+              </a:ext>
+            </a:extLst>
+          </a:blip>
+          <a:stretch>
+            <a:fillRect/>
+          </a:stretch>
+        </p:blipFill>
+        <p:spPr>
+          <a:xfrm rot="0">
+            <a:off x="5937250" y="1063625"/>
+            <a:ext cx="6003290" cy="5525135"/>
+          </a:xfrm>
+          <a:prstGeom prst="rect"/>
+          <a:noFill/>
+        </p:spPr>
+      </p:pic>
+    </p:spTree>
+  </p:cSld>
+  <p:clrMapOvr>
+    <a:masterClrMapping/>
+  </p:clrMapOvr>
+  <mc:AlternateContent xmlns:mc="http://schemas.openxmlformats.org/markup-compatibility/2006">
+    <mc:Choice xmlns:p14="http://schemas.microsoft.com/office/powerpoint/2010/main" Requires="p14">
+      <p:transition spd="slow" p14:dur="2000"/>
+    </mc:Choice>
+    <mc:Fallback>
+      <p:transition spd="slow"/>
+    </mc:Fallback>
+  </mc:AlternateContent>
+  <p:timing>
+    <p:tnLst>
+      <p:par>
+        <p:cTn id="1" dur="indefinite" restart="never" nodeType="tmRoot"/>
+      </p:par>
+    </p:tnLst>
+  </p:timing>
+</p:sld>
+</file>
+
+<file path=ppt/slides/slide8.xml><?xml version="1.0" encoding="utf-8"?>
+<p:sld xmlns:a="http://schemas.openxmlformats.org/drawingml/2006/main" xmlns:r="http://schemas.openxmlformats.org/officeDocument/2006/relationships" xmlns:p="http://schemas.openxmlformats.org/presentationml/2006/main">
+  <p:cSld>
+    <p:spTree>
+      <p:nvGrpSpPr>
+        <p:cNvPr id="1" name=""/>
+        <p:cNvGrpSpPr/>
+        <p:nvPr/>
+      </p:nvGrpSpPr>
+      <p:grpSpPr>
+        <a:xfrm>
+          <a:off x="0" y="0"/>
+          <a:ext cx="0" cy="0"/>
+          <a:chOff x="0" y="0"/>
+          <a:chExt cx="0" cy="0"/>
+        </a:xfrm>
+      </p:grpSpPr>
+      <p:sp>
+        <p:nvSpPr>
+          <p:cNvPr id="2" name="Rect 0"/>
+          <p:cNvSpPr txBox="1">
+            <a:spLocks/>
+          </p:cNvSpPr>
+          <p:nvPr/>
+        </p:nvSpPr>
+        <p:spPr>
+          <a:xfrm rot="0">
+            <a:off x="365760" y="316230"/>
+            <a:ext cx="3669030" cy="368935"/>
+          </a:xfrm>
+          <a:prstGeom prst="rect"/>
+          <a:noFill/>
+        </p:spPr>
+        <p:txBody>
+          <a:bodyPr wrap="square" lIns="91440" tIns="45720" rIns="91440" bIns="45720" numCol="1" vert="horz" anchor="t">
+            <a:spAutoFit/>
+          </a:bodyPr>
+          <a:lstStyle/>
+          <a:p>
+            <a:pPr marL="0" indent="0" latinLnBrk="0">
+              <a:buFontTx/>
+              <a:buNone/>
+            </a:pPr>
+            <a:r>
+              <a:rPr lang="ko-KR" altLang="ko-KR" b="1">
+                <a:latin typeface="맑은 고딕" charset="0"/>
+              </a:rPr>
+              <a:t>2</a:t>
+            </a:r>
+            <a:r>
+              <a:rPr lang="en-US" altLang="ko-KR" b="1">
+                <a:latin typeface="맑은 고딕" charset="0"/>
+              </a:rPr>
+              <a:t>. </a:t>
+            </a:r>
+            <a:r>
+              <a:rPr lang="ko-KR" altLang="ko-KR">
+                <a:latin typeface="맑은 고딕" charset="0"/>
+                <a:cs typeface="NanumGothic" charset="0"/>
+              </a:rPr>
+              <a:t>View - userInfo.jsp</a:t>
+            </a:r>
+            <a:endParaRPr lang="ko-KR" altLang="en-US">
+              <a:latin typeface="맑은 고딕" charset="0"/>
+              <a:cs typeface="NanumGothic" charset="0"/>
+            </a:endParaRPr>
+          </a:p>
+        </p:txBody>
+      </p:sp>
+      <p:pic>
+        <p:nvPicPr>
+          <p:cNvPr id="3" name="그림 13" descr="C:/Users/thswl/AppData/Roaming/PolarisOffice/ETemp/21832_22335000/fImage357911394464.png"/>
+          <p:cNvPicPr>
+            <a:picLocks noChangeAspect="1"/>
+          </p:cNvPicPr>
+          <p:nvPr/>
+        </p:nvPicPr>
+        <p:blipFill rotWithShape="1">
+          <a:blip r:embed="rId2" cstate="print">
+            <a:extLst>
+              <a:ext uri="{28A0092B-C50C-407E-A947-70E740481C1C}">
+                <a14:useLocalDpi xmlns:a14="http://schemas.microsoft.com/office/drawing/2010/main" val="0"/>
+              </a:ext>
+            </a:extLst>
+          </a:blip>
+          <a:stretch>
+            <a:fillRect/>
+          </a:stretch>
+        </p:blipFill>
+        <p:spPr>
+          <a:xfrm rot="0">
+            <a:off x="3048000" y="682625"/>
+            <a:ext cx="6109335" cy="5989955"/>
+          </a:xfrm>
+          <a:prstGeom prst="rect"/>
+          <a:noFill/>
+        </p:spPr>
+      </p:pic>
+    </p:spTree>
+  </p:cSld>
+  <p:clrMapOvr>
+    <a:masterClrMapping/>
+  </p:clrMapOvr>
+  <mc:AlternateContent xmlns:mc="http://schemas.openxmlformats.org/markup-compatibility/2006">
+    <mc:Choice xmlns:p14="http://schemas.microsoft.com/office/powerpoint/2010/main" Requires="p14">
+      <p:transition spd="slow" p14:dur="2000"/>
+    </mc:Choice>
+    <mc:Fallback>
+      <p:transition spd="slow"/>
+    </mc:Fallback>
+  </mc:AlternateContent>
+  <p:timing>
+    <p:tnLst>
+      <p:par>
+        <p:cTn id="1" dur="indefinite" restart="never" nodeType="tmRoot"/>
+      </p:par>
+    </p:tnLst>
+  </p:timing>
+</p:sld>
+</file>
+
+<file path=ppt/slides/slide9.xml><?xml version="1.0" encoding="utf-8"?>
+<p:sld xmlns:a="http://schemas.openxmlformats.org/drawingml/2006/main" xmlns:r="http://schemas.openxmlformats.org/officeDocument/2006/relationships" xmlns:p="http://schemas.openxmlformats.org/presentationml/2006/main">
+  <p:cSld>
+    <p:spTree>
+      <p:nvGrpSpPr>
+        <p:cNvPr id="1" name=""/>
+        <p:cNvGrpSpPr/>
+        <p:nvPr/>
+      </p:nvGrpSpPr>
+      <p:grpSpPr>
+        <a:xfrm>
+          <a:off x="0" y="0"/>
+          <a:ext cx="0" cy="0"/>
+          <a:chOff x="0" y="0"/>
+          <a:chExt cx="0" cy="0"/>
+        </a:xfrm>
+      </p:grpSpPr>
+      <p:sp>
+        <p:nvSpPr>
+          <p:cNvPr id="2" name="텍스트 상자 15"/>
+          <p:cNvSpPr txBox="1">
+            <a:spLocks/>
+          </p:cNvSpPr>
+          <p:nvPr/>
+        </p:nvSpPr>
+        <p:spPr>
+          <a:xfrm rot="0">
+            <a:off x="365760" y="316230"/>
+            <a:ext cx="5270500" cy="368935"/>
+          </a:xfrm>
+          <a:prstGeom prst="rect"/>
+          <a:noFill/>
+        </p:spPr>
+        <p:txBody>
+          <a:bodyPr wrap="square" lIns="91440" tIns="45720" rIns="91440" bIns="45720" numCol="1" vert="horz" anchor="t">
+            <a:spAutoFit/>
+          </a:bodyPr>
+          <a:lstStyle/>
+          <a:p>
+            <a:pPr marL="0" indent="0" latinLnBrk="0">
+              <a:buFontTx/>
+              <a:buNone/>
+            </a:pPr>
+            <a:r>
+              <a:rPr lang="ko-KR" altLang="ko-KR" b="1">
+                <a:latin typeface="맑은 고딕" charset="0"/>
+              </a:rPr>
+              <a:t>3</a:t>
+            </a:r>
+            <a:r>
+              <a:rPr lang="en-US" altLang="ko-KR" b="1">
+                <a:latin typeface="맑은 고딕" charset="0"/>
+              </a:rPr>
+              <a:t>. </a:t>
+            </a:r>
+            <a:r>
+              <a:rPr lang="ko-KR" altLang="ko-KR">
+                <a:latin typeface="맑은 고딕" charset="0"/>
+                <a:cs typeface="NanumGothic" charset="0"/>
+              </a:rPr>
+              <a:t>Controller - FrontControllerServlet.java</a:t>
+            </a:r>
+            <a:endParaRPr lang="ko-KR" altLang="en-US">
+              <a:latin typeface="맑은 고딕" charset="0"/>
+              <a:cs typeface="NanumGothic" charset="0"/>
+            </a:endParaRPr>
+          </a:p>
+        </p:txBody>
+      </p:sp>
+      <p:pic>
+        <p:nvPicPr>
+          <p:cNvPr id="3" name="그림 16" descr="C:/Users/thswl/AppData/Roaming/PolarisOffice/ETemp/21832_22335000/fImage439121425705.png"/>
+          <p:cNvPicPr>
+            <a:picLocks noChangeAspect="1"/>
+          </p:cNvPicPr>
+          <p:nvPr/>
+        </p:nvPicPr>
+        <p:blipFill rotWithShape="1">
+          <a:blip r:embed="rId2" cstate="print">
+            <a:extLst>
+              <a:ext uri="{28A0092B-C50C-407E-A947-70E740481C1C}">
+                <a14:useLocalDpi xmlns:a14="http://schemas.microsoft.com/office/drawing/2010/main" val="0"/>
+              </a:ext>
+            </a:extLst>
+          </a:blip>
+          <a:stretch>
+            <a:fillRect/>
+          </a:stretch>
+        </p:blipFill>
+        <p:spPr>
+          <a:xfrm rot="0">
+            <a:off x="1968500" y="825500"/>
+            <a:ext cx="8268335" cy="5934710"/>
+          </a:xfrm>
+          <a:prstGeom prst="rect"/>
+          <a:noFill/>
+        </p:spPr>
+      </p:pic>
     </p:spTree>
   </p:cSld>
   <p:clrMapOvr>
